--- a/assets/lectures/BPW_Lecture_03.pptx
+++ b/assets/lectures/BPW_Lecture_03.pptx
@@ -13,19 +13,21 @@
     <p:sldId id="273" r:id="rId7"/>
     <p:sldId id="284" r:id="rId8"/>
     <p:sldId id="285" r:id="rId9"/>
-    <p:sldId id="277" r:id="rId10"/>
-    <p:sldId id="278" r:id="rId11"/>
-    <p:sldId id="287" r:id="rId12"/>
-    <p:sldId id="288" r:id="rId13"/>
-    <p:sldId id="289" r:id="rId14"/>
-    <p:sldId id="290" r:id="rId15"/>
-    <p:sldId id="292" r:id="rId16"/>
-    <p:sldId id="291" r:id="rId17"/>
-    <p:sldId id="293" r:id="rId18"/>
-    <p:sldId id="282" r:id="rId19"/>
-    <p:sldId id="283" r:id="rId20"/>
-    <p:sldId id="294" r:id="rId21"/>
-    <p:sldId id="267" r:id="rId22"/>
+    <p:sldId id="295" r:id="rId10"/>
+    <p:sldId id="277" r:id="rId11"/>
+    <p:sldId id="278" r:id="rId12"/>
+    <p:sldId id="287" r:id="rId13"/>
+    <p:sldId id="288" r:id="rId14"/>
+    <p:sldId id="289" r:id="rId15"/>
+    <p:sldId id="290" r:id="rId16"/>
+    <p:sldId id="292" r:id="rId17"/>
+    <p:sldId id="291" r:id="rId18"/>
+    <p:sldId id="293" r:id="rId19"/>
+    <p:sldId id="282" r:id="rId20"/>
+    <p:sldId id="283" r:id="rId21"/>
+    <p:sldId id="294" r:id="rId22"/>
+    <p:sldId id="296" r:id="rId23"/>
+    <p:sldId id="267" r:id="rId24"/>
   </p:sldIdLst>
   <p:sldSz cx="12192000" cy="6858000"/>
   <p:notesSz cx="6858000" cy="9144000"/>
@@ -279,7 +281,7 @@
           <a:p>
             <a:fld id="{F57857CC-207A-4D73-9A20-C856A5068D10}" type="datetimeFigureOut">
               <a:rPr lang="en-US" smtClean="0"/>
-              <a:t>12/29/18</a:t>
+              <a:t>1/2/19</a:t>
             </a:fld>
             <a:endParaRPr lang="en-US"/>
           </a:p>
@@ -477,7 +479,7 @@
           <a:p>
             <a:fld id="{F57857CC-207A-4D73-9A20-C856A5068D10}" type="datetimeFigureOut">
               <a:rPr lang="en-US" smtClean="0"/>
-              <a:t>12/29/18</a:t>
+              <a:t>1/2/19</a:t>
             </a:fld>
             <a:endParaRPr lang="en-US"/>
           </a:p>
@@ -685,7 +687,7 @@
           <a:p>
             <a:fld id="{F57857CC-207A-4D73-9A20-C856A5068D10}" type="datetimeFigureOut">
               <a:rPr lang="en-US" smtClean="0"/>
-              <a:t>12/29/18</a:t>
+              <a:t>1/2/19</a:t>
             </a:fld>
             <a:endParaRPr lang="en-US"/>
           </a:p>
@@ -883,7 +885,7 @@
           <a:p>
             <a:fld id="{F57857CC-207A-4D73-9A20-C856A5068D10}" type="datetimeFigureOut">
               <a:rPr lang="en-US" smtClean="0"/>
-              <a:t>12/29/18</a:t>
+              <a:t>1/2/19</a:t>
             </a:fld>
             <a:endParaRPr lang="en-US"/>
           </a:p>
@@ -1158,7 +1160,7 @@
           <a:p>
             <a:fld id="{F57857CC-207A-4D73-9A20-C856A5068D10}" type="datetimeFigureOut">
               <a:rPr lang="en-US" smtClean="0"/>
-              <a:t>12/29/18</a:t>
+              <a:t>1/2/19</a:t>
             </a:fld>
             <a:endParaRPr lang="en-US"/>
           </a:p>
@@ -1423,7 +1425,7 @@
           <a:p>
             <a:fld id="{F57857CC-207A-4D73-9A20-C856A5068D10}" type="datetimeFigureOut">
               <a:rPr lang="en-US" smtClean="0"/>
-              <a:t>12/29/18</a:t>
+              <a:t>1/2/19</a:t>
             </a:fld>
             <a:endParaRPr lang="en-US"/>
           </a:p>
@@ -1835,7 +1837,7 @@
           <a:p>
             <a:fld id="{F57857CC-207A-4D73-9A20-C856A5068D10}" type="datetimeFigureOut">
               <a:rPr lang="en-US" smtClean="0"/>
-              <a:t>12/29/18</a:t>
+              <a:t>1/2/19</a:t>
             </a:fld>
             <a:endParaRPr lang="en-US"/>
           </a:p>
@@ -1976,7 +1978,7 @@
           <a:p>
             <a:fld id="{F57857CC-207A-4D73-9A20-C856A5068D10}" type="datetimeFigureOut">
               <a:rPr lang="en-US" smtClean="0"/>
-              <a:t>12/29/18</a:t>
+              <a:t>1/2/19</a:t>
             </a:fld>
             <a:endParaRPr lang="en-US"/>
           </a:p>
@@ -2089,7 +2091,7 @@
           <a:p>
             <a:fld id="{F57857CC-207A-4D73-9A20-C856A5068D10}" type="datetimeFigureOut">
               <a:rPr lang="en-US" smtClean="0"/>
-              <a:t>12/29/18</a:t>
+              <a:t>1/2/19</a:t>
             </a:fld>
             <a:endParaRPr lang="en-US"/>
           </a:p>
@@ -2400,7 +2402,7 @@
           <a:p>
             <a:fld id="{F57857CC-207A-4D73-9A20-C856A5068D10}" type="datetimeFigureOut">
               <a:rPr lang="en-US" smtClean="0"/>
-              <a:t>12/29/18</a:t>
+              <a:t>1/2/19</a:t>
             </a:fld>
             <a:endParaRPr lang="en-US"/>
           </a:p>
@@ -2688,7 +2690,7 @@
           <a:p>
             <a:fld id="{F57857CC-207A-4D73-9A20-C856A5068D10}" type="datetimeFigureOut">
               <a:rPr lang="en-US" smtClean="0"/>
-              <a:t>12/29/18</a:t>
+              <a:t>1/2/19</a:t>
             </a:fld>
             <a:endParaRPr lang="en-US"/>
           </a:p>
@@ -2929,7 +2931,7 @@
           <a:p>
             <a:fld id="{F57857CC-207A-4D73-9A20-C856A5068D10}" type="datetimeFigureOut">
               <a:rPr lang="en-US" smtClean="0"/>
-              <a:t>12/29/18</a:t>
+              <a:t>1/2/19</a:t>
             </a:fld>
             <a:endParaRPr lang="en-US"/>
           </a:p>
@@ -3786,394 +3788,90 @@
       </p:sp>
       <p:sp>
         <p:nvSpPr>
-          <p:cNvPr id="10" name="Rectangle 9">
-            <a:extLst>
-              <a:ext uri="{FF2B5EF4-FFF2-40B4-BE49-F238E27FC236}">
-                <a16:creationId xmlns:a16="http://schemas.microsoft.com/office/drawing/2014/main" id="{C1104CCC-8B38-3944-8A1A-D62DDB9C05EA}"/>
-              </a:ext>
-            </a:extLst>
-          </p:cNvPr>
-          <p:cNvSpPr/>
-          <p:nvPr/>
-        </p:nvSpPr>
-        <p:spPr>
-          <a:xfrm>
-            <a:off x="614911" y="1963832"/>
-            <a:ext cx="10602438" cy="1045182"/>
-          </a:xfrm>
-          <a:prstGeom prst="rect">
-            <a:avLst/>
-          </a:prstGeom>
-          <a:solidFill>
-            <a:schemeClr val="bg1">
-              <a:lumMod val="95000"/>
-            </a:schemeClr>
-          </a:solidFill>
-          <a:ln w="3175">
-            <a:solidFill>
-              <a:schemeClr val="bg1">
-                <a:lumMod val="85000"/>
-              </a:schemeClr>
-            </a:solidFill>
-          </a:ln>
-        </p:spPr>
-        <p:style>
-          <a:lnRef idx="2">
-            <a:schemeClr val="accent1">
-              <a:shade val="50000"/>
-            </a:schemeClr>
-          </a:lnRef>
-          <a:fillRef idx="1">
-            <a:schemeClr val="accent1"/>
-          </a:fillRef>
-          <a:effectRef idx="0">
-            <a:schemeClr val="accent1"/>
-          </a:effectRef>
-          <a:fontRef idx="minor">
-            <a:schemeClr val="lt1"/>
-          </a:fontRef>
-        </p:style>
-        <p:txBody>
-          <a:bodyPr rtlCol="0" anchor="ctr"/>
-          <a:lstStyle/>
-          <a:p>
-            <a:pPr lvl="1"/>
-            <a:r>
-              <a:rPr lang="en-US" dirty="0">
-                <a:solidFill>
-                  <a:schemeClr val="tx1"/>
-                </a:solidFill>
-              </a:rPr>
-              <a:t>.</a:t>
-            </a:r>
-            <a:r>
-              <a:rPr lang="en-US" i="1" dirty="0">
+          <p:cNvPr id="3" name="TextBox 2">
+            <a:extLst>
+              <a:ext uri="{FF2B5EF4-FFF2-40B4-BE49-F238E27FC236}">
+                <a16:creationId xmlns:a16="http://schemas.microsoft.com/office/drawing/2014/main" id="{3720B5D8-AC15-4502-8D58-9C3FDF958DB1}"/>
+              </a:ext>
+            </a:extLst>
+          </p:cNvPr>
+          <p:cNvSpPr txBox="1"/>
+          <p:nvPr/>
+        </p:nvSpPr>
+        <p:spPr>
+          <a:xfrm>
+            <a:off x="340241" y="2753833"/>
+            <a:ext cx="9976267" cy="3034357"/>
+          </a:xfrm>
+          <a:prstGeom prst="rect">
+            <a:avLst/>
+          </a:prstGeom>
+          <a:noFill/>
+        </p:spPr>
+        <p:txBody>
+          <a:bodyPr wrap="square" rtlCol="0">
+            <a:spAutoFit/>
+          </a:bodyPr>
+          <a:lstStyle/>
+          <a:p>
+            <a:pPr marL="285750" indent="-285750">
+              <a:lnSpc>
+                <a:spcPct val="150000"/>
+              </a:lnSpc>
+              <a:buFont typeface="Arial" panose="020B0604020202020204" pitchFamily="34" charset="0"/>
+              <a:buChar char="•"/>
+            </a:pPr>
+            <a:r>
+              <a:rPr lang="en-US" sz="4400" dirty="0">
                 <a:solidFill>
                   <a:schemeClr val="bg1">
                     <a:lumMod val="65000"/>
                   </a:schemeClr>
                 </a:solidFill>
               </a:rPr>
-              <a:t>class</a:t>
-            </a:r>
-            <a:r>
-              <a:rPr lang="en-US" dirty="0">
-                <a:solidFill>
-                  <a:schemeClr val="tx1"/>
-                </a:solidFill>
-              </a:rPr>
-              <a:t> {</a:t>
-            </a:r>
-          </a:p>
-          <a:p>
-            <a:pPr lvl="1"/>
-            <a:r>
-              <a:rPr lang="en-US" dirty="0">
-                <a:solidFill>
-                  <a:schemeClr val="tx1"/>
-                </a:solidFill>
-              </a:rPr>
-              <a:t>	property: value;</a:t>
-            </a:r>
-          </a:p>
-          <a:p>
-            <a:pPr lvl="1"/>
-            <a:r>
-              <a:rPr lang="en-US" dirty="0">
-                <a:solidFill>
-                  <a:schemeClr val="tx1"/>
-                </a:solidFill>
-              </a:rPr>
-              <a:t>}</a:t>
-            </a:r>
-          </a:p>
-        </p:txBody>
-      </p:sp>
-      <p:sp>
-        <p:nvSpPr>
-          <p:cNvPr id="15" name="TextBox 14">
-            <a:extLst>
-              <a:ext uri="{FF2B5EF4-FFF2-40B4-BE49-F238E27FC236}">
-                <a16:creationId xmlns:a16="http://schemas.microsoft.com/office/drawing/2014/main" id="{1F855BD4-C05C-5C4A-AA69-314750DD551A}"/>
-              </a:ext>
-            </a:extLst>
-          </p:cNvPr>
-          <p:cNvSpPr txBox="1"/>
-          <p:nvPr/>
-        </p:nvSpPr>
-        <p:spPr>
-          <a:xfrm>
-            <a:off x="614911" y="1494834"/>
-            <a:ext cx="2921954" cy="400110"/>
-          </a:xfrm>
-          <a:prstGeom prst="rect">
-            <a:avLst/>
-          </a:prstGeom>
-          <a:noFill/>
-        </p:spPr>
-        <p:txBody>
-          <a:bodyPr wrap="none" rtlCol="0">
-            <a:spAutoFit/>
-          </a:bodyPr>
-          <a:lstStyle/>
-          <a:p>
-            <a:r>
-              <a:rPr lang="en-US" sz="2000" dirty="0"/>
-              <a:t>A class in CSS is defined as</a:t>
-            </a:r>
-          </a:p>
-        </p:txBody>
-      </p:sp>
-      <p:sp>
-        <p:nvSpPr>
-          <p:cNvPr id="16" name="Rectangle 15">
-            <a:extLst>
-              <a:ext uri="{FF2B5EF4-FFF2-40B4-BE49-F238E27FC236}">
-                <a16:creationId xmlns:a16="http://schemas.microsoft.com/office/drawing/2014/main" id="{1BF9D546-67AE-7949-9016-5768465F47D3}"/>
-              </a:ext>
-            </a:extLst>
-          </p:cNvPr>
-          <p:cNvSpPr/>
-          <p:nvPr/>
-        </p:nvSpPr>
-        <p:spPr>
-          <a:xfrm>
-            <a:off x="614911" y="3889166"/>
-            <a:ext cx="10602438" cy="1045182"/>
-          </a:xfrm>
-          <a:prstGeom prst="rect">
-            <a:avLst/>
-          </a:prstGeom>
-          <a:solidFill>
-            <a:schemeClr val="bg1">
-              <a:lumMod val="95000"/>
-            </a:schemeClr>
-          </a:solidFill>
-          <a:ln w="3175">
-            <a:solidFill>
-              <a:schemeClr val="bg1">
-                <a:lumMod val="85000"/>
-              </a:schemeClr>
-            </a:solidFill>
-          </a:ln>
-        </p:spPr>
-        <p:style>
-          <a:lnRef idx="2">
-            <a:schemeClr val="accent1">
-              <a:shade val="50000"/>
-            </a:schemeClr>
-          </a:lnRef>
-          <a:fillRef idx="1">
-            <a:schemeClr val="accent1"/>
-          </a:fillRef>
-          <a:effectRef idx="0">
-            <a:schemeClr val="accent1"/>
-          </a:effectRef>
-          <a:fontRef idx="minor">
-            <a:schemeClr val="lt1"/>
-          </a:fontRef>
-        </p:style>
-        <p:txBody>
-          <a:bodyPr rtlCol="0" anchor="ctr"/>
-          <a:lstStyle/>
-          <a:p>
-            <a:pPr lvl="1"/>
-            <a:r>
-              <a:rPr lang="en-US" dirty="0">
-                <a:solidFill>
-                  <a:schemeClr val="tx1"/>
-                </a:solidFill>
-              </a:rPr>
-              <a:t>#</a:t>
-            </a:r>
-            <a:r>
-              <a:rPr lang="en-US" i="1" dirty="0">
+              <a:t> </a:t>
+            </a:r>
+            <a:r>
+              <a:rPr lang="en-US" sz="4400" strike="sngStrike" dirty="0">
                 <a:solidFill>
                   <a:schemeClr val="bg1">
                     <a:lumMod val="65000"/>
                   </a:schemeClr>
                 </a:solidFill>
               </a:rPr>
-              <a:t>id-name</a:t>
-            </a:r>
-            <a:r>
-              <a:rPr lang="en-US" dirty="0">
-                <a:solidFill>
-                  <a:schemeClr val="tx1"/>
-                </a:solidFill>
-              </a:rPr>
-              <a:t> {</a:t>
-            </a:r>
-          </a:p>
-          <a:p>
-            <a:pPr lvl="1"/>
-            <a:r>
-              <a:rPr lang="en-US" dirty="0">
-                <a:solidFill>
-                  <a:schemeClr val="tx1"/>
-                </a:solidFill>
-              </a:rPr>
-              <a:t>	property: value;</a:t>
-            </a:r>
-          </a:p>
-          <a:p>
-            <a:pPr lvl="1"/>
-            <a:r>
-              <a:rPr lang="en-US" dirty="0">
-                <a:solidFill>
-                  <a:schemeClr val="tx1"/>
-                </a:solidFill>
-              </a:rPr>
-              <a:t>}</a:t>
-            </a:r>
-          </a:p>
-        </p:txBody>
-      </p:sp>
-      <p:sp>
-        <p:nvSpPr>
-          <p:cNvPr id="17" name="TextBox 16">
-            <a:extLst>
-              <a:ext uri="{FF2B5EF4-FFF2-40B4-BE49-F238E27FC236}">
-                <a16:creationId xmlns:a16="http://schemas.microsoft.com/office/drawing/2014/main" id="{44A5DCA9-634F-C047-90D1-4C9C3AD70726}"/>
-              </a:ext>
-            </a:extLst>
-          </p:cNvPr>
-          <p:cNvSpPr txBox="1"/>
-          <p:nvPr/>
-        </p:nvSpPr>
-        <p:spPr>
-          <a:xfrm>
-            <a:off x="614911" y="3420168"/>
-            <a:ext cx="2784095" cy="400110"/>
-          </a:xfrm>
-          <a:prstGeom prst="rect">
-            <a:avLst/>
-          </a:prstGeom>
-          <a:noFill/>
-        </p:spPr>
-        <p:txBody>
-          <a:bodyPr wrap="none" rtlCol="0">
-            <a:spAutoFit/>
-          </a:bodyPr>
-          <a:lstStyle/>
-          <a:p>
-            <a:r>
-              <a:rPr lang="en-US" sz="2000" dirty="0"/>
-              <a:t>An ID in CSS is defined as</a:t>
-            </a:r>
-          </a:p>
-        </p:txBody>
-      </p:sp>
-      <p:sp>
-        <p:nvSpPr>
-          <p:cNvPr id="18" name="TextBox 17">
-            <a:extLst>
-              <a:ext uri="{FF2B5EF4-FFF2-40B4-BE49-F238E27FC236}">
-                <a16:creationId xmlns:a16="http://schemas.microsoft.com/office/drawing/2014/main" id="{DC7FB4FA-0B22-2145-A867-EBEC90848B89}"/>
-              </a:ext>
-            </a:extLst>
-          </p:cNvPr>
-          <p:cNvSpPr txBox="1"/>
-          <p:nvPr/>
-        </p:nvSpPr>
-        <p:spPr>
-          <a:xfrm>
-            <a:off x="4104170" y="10633"/>
-            <a:ext cx="3880884" cy="1003031"/>
-          </a:xfrm>
-          <a:prstGeom prst="rect">
-            <a:avLst/>
-          </a:prstGeom>
-          <a:noFill/>
-        </p:spPr>
-        <p:txBody>
-          <a:bodyPr wrap="square" rtlCol="0">
-            <a:spAutoFit/>
-          </a:bodyPr>
-          <a:lstStyle/>
-          <a:p>
-            <a:pPr algn="ctr">
+              <a:t>HTML Tags</a:t>
+            </a:r>
+          </a:p>
+          <a:p>
+            <a:pPr marL="285750" indent="-285750">
               <a:lnSpc>
                 <a:spcPct val="150000"/>
               </a:lnSpc>
+              <a:buFont typeface="Arial" panose="020B0604020202020204" pitchFamily="34" charset="0"/>
+              <a:buChar char="•"/>
             </a:pPr>
             <a:r>
               <a:rPr lang="en-US" sz="4400" dirty="0"/>
-              <a:t>Classes &amp; IDs</a:t>
-            </a:r>
-          </a:p>
-        </p:txBody>
-      </p:sp>
-      <p:cxnSp>
-        <p:nvCxnSpPr>
-          <p:cNvPr id="19" name="Straight Connector 18">
-            <a:extLst>
-              <a:ext uri="{FF2B5EF4-FFF2-40B4-BE49-F238E27FC236}">
-                <a16:creationId xmlns:a16="http://schemas.microsoft.com/office/drawing/2014/main" id="{A255D059-2DD1-DE4B-A98E-9692828D118A}"/>
-              </a:ext>
-            </a:extLst>
-          </p:cNvPr>
-          <p:cNvCxnSpPr>
-            <a:cxnSpLocks/>
-          </p:cNvCxnSpPr>
-          <p:nvPr/>
-        </p:nvCxnSpPr>
-        <p:spPr>
-          <a:xfrm>
-            <a:off x="5730956" y="1013664"/>
-            <a:ext cx="419986" cy="0"/>
-          </a:xfrm>
-          <a:prstGeom prst="line">
-            <a:avLst/>
-          </a:prstGeom>
-          <a:ln w="28575"/>
-        </p:spPr>
-        <p:style>
-          <a:lnRef idx="1">
-            <a:schemeClr val="dk1"/>
-          </a:lnRef>
-          <a:fillRef idx="0">
-            <a:schemeClr val="dk1"/>
-          </a:fillRef>
-          <a:effectRef idx="0">
-            <a:schemeClr val="dk1"/>
-          </a:effectRef>
-          <a:fontRef idx="minor">
-            <a:schemeClr val="tx1"/>
-          </a:fontRef>
-        </p:style>
-      </p:cxnSp>
-      <p:sp>
-        <p:nvSpPr>
-          <p:cNvPr id="20" name="TextBox 19">
-            <a:extLst>
-              <a:ext uri="{FF2B5EF4-FFF2-40B4-BE49-F238E27FC236}">
-                <a16:creationId xmlns:a16="http://schemas.microsoft.com/office/drawing/2014/main" id="{0B4D3264-0FEC-BB4C-87BC-6AFCC7152BC2}"/>
-              </a:ext>
-            </a:extLst>
-          </p:cNvPr>
-          <p:cNvSpPr txBox="1"/>
-          <p:nvPr/>
-        </p:nvSpPr>
-        <p:spPr>
-          <a:xfrm>
-            <a:off x="614911" y="5157086"/>
-            <a:ext cx="5674567" cy="400110"/>
-          </a:xfrm>
-          <a:prstGeom prst="rect">
-            <a:avLst/>
-          </a:prstGeom>
-          <a:noFill/>
-        </p:spPr>
-        <p:txBody>
-          <a:bodyPr wrap="none" rtlCol="0">
-            <a:spAutoFit/>
-          </a:bodyPr>
-          <a:lstStyle/>
-          <a:p>
-            <a:r>
-              <a:rPr lang="en-US" sz="2000" dirty="0"/>
-              <a:t>We will go over this in more detail in the CSS lecture.</a:t>
+              <a:t> Class vs ID</a:t>
+            </a:r>
+          </a:p>
+          <a:p>
+            <a:pPr marL="285750" indent="-285750">
+              <a:lnSpc>
+                <a:spcPct val="150000"/>
+              </a:lnSpc>
+              <a:buFont typeface="Arial" panose="020B0604020202020204" pitchFamily="34" charset="0"/>
+              <a:buChar char="•"/>
+            </a:pPr>
+            <a:r>
+              <a:rPr lang="en-US" sz="4400" dirty="0">
+                <a:solidFill>
+                  <a:schemeClr val="bg1">
+                    <a:lumMod val="65000"/>
+                  </a:schemeClr>
+                </a:solidFill>
+              </a:rPr>
+              <a:t> Input Fields</a:t>
             </a:r>
           </a:p>
         </p:txBody>
@@ -4181,7 +3879,7 @@
     </p:spTree>
     <p:extLst>
       <p:ext uri="{BB962C8B-B14F-4D97-AF65-F5344CB8AC3E}">
-        <p14:creationId xmlns:p14="http://schemas.microsoft.com/office/powerpoint/2010/main" val="2253899053"/>
+        <p14:creationId xmlns:p14="http://schemas.microsoft.com/office/powerpoint/2010/main" val="3062913908"/>
       </p:ext>
     </p:extLst>
   </p:cSld>
@@ -4458,7 +4156,25 @@
                   <a:schemeClr val="tx1"/>
                 </a:solidFill>
               </a:rPr>
-              <a:t>.classy-text {</a:t>
+              <a:t>.</a:t>
+            </a:r>
+            <a:r>
+              <a:rPr lang="en-US" i="1" dirty="0">
+                <a:solidFill>
+                  <a:schemeClr val="bg1">
+                    <a:lumMod val="65000"/>
+                  </a:schemeClr>
+                </a:solidFill>
+              </a:rPr>
+              <a:t>class</a:t>
+            </a:r>
+            <a:r>
+              <a:rPr lang="en-US" dirty="0">
+                <a:solidFill>
+                  <a:schemeClr val="tx1"/>
+                </a:solidFill>
+              </a:rPr>
+              <a:t> {</a:t>
             </a:r>
           </a:p>
           <a:p>
@@ -4469,7 +4185,7 @@
                   <a:schemeClr val="tx1"/>
                 </a:solidFill>
               </a:rPr>
-              <a:t>	color: orange;</a:t>
+              <a:t>	property: value;</a:t>
             </a:r>
           </a:p>
           <a:p>
@@ -4499,8 +4215,8 @@
         </p:nvSpPr>
         <p:spPr>
           <a:xfrm>
-            <a:off x="614911" y="1487243"/>
-            <a:ext cx="4216924" cy="400110"/>
+            <a:off x="614911" y="1494834"/>
+            <a:ext cx="2921954" cy="400110"/>
           </a:xfrm>
           <a:prstGeom prst="rect">
             <a:avLst/>
@@ -4515,13 +4231,8 @@
           <a:p>
             <a:r>
               <a:rPr lang="en-US" sz="2000" dirty="0"/>
-              <a:t>Say we define the following in </a:t>
-            </a:r>
-            <a:r>
-              <a:rPr lang="en-US" sz="2000" dirty="0" err="1"/>
-              <a:t>style.css</a:t>
-            </a:r>
-            <a:endParaRPr lang="en-US" sz="2000" dirty="0"/>
+              <a:t>A class in CSS is defined as</a:t>
+            </a:r>
           </a:p>
         </p:txBody>
       </p:sp>
@@ -4539,7 +4250,7 @@
         </p:nvSpPr>
         <p:spPr>
           <a:xfrm>
-            <a:off x="614911" y="3136396"/>
+            <a:off x="614911" y="3889166"/>
             <a:ext cx="10602438" cy="1045182"/>
           </a:xfrm>
           <a:prstGeom prst="rect">
@@ -4585,7 +4296,25 @@
                   <a:schemeClr val="tx1"/>
                 </a:solidFill>
               </a:rPr>
-              <a:t>#id-text {</a:t>
+              <a:t>#</a:t>
+            </a:r>
+            <a:r>
+              <a:rPr lang="en-US" i="1" dirty="0">
+                <a:solidFill>
+                  <a:schemeClr val="bg1">
+                    <a:lumMod val="65000"/>
+                  </a:schemeClr>
+                </a:solidFill>
+              </a:rPr>
+              <a:t>id-name</a:t>
+            </a:r>
+            <a:r>
+              <a:rPr lang="en-US" dirty="0">
+                <a:solidFill>
+                  <a:schemeClr val="tx1"/>
+                </a:solidFill>
+              </a:rPr>
+              <a:t> {</a:t>
             </a:r>
           </a:p>
           <a:p>
@@ -4596,7 +4325,7 @@
                   <a:schemeClr val="tx1"/>
                 </a:solidFill>
               </a:rPr>
-              <a:t>	color: red;</a:t>
+              <a:t>	property: value;</a:t>
             </a:r>
           </a:p>
           <a:p>
@@ -4608,6 +4337,41 @@
                 </a:solidFill>
               </a:rPr>
               <a:t>}</a:t>
+            </a:r>
+          </a:p>
+        </p:txBody>
+      </p:sp>
+      <p:sp>
+        <p:nvSpPr>
+          <p:cNvPr id="17" name="TextBox 16">
+            <a:extLst>
+              <a:ext uri="{FF2B5EF4-FFF2-40B4-BE49-F238E27FC236}">
+                <a16:creationId xmlns:a16="http://schemas.microsoft.com/office/drawing/2014/main" id="{44A5DCA9-634F-C047-90D1-4C9C3AD70726}"/>
+              </a:ext>
+            </a:extLst>
+          </p:cNvPr>
+          <p:cNvSpPr txBox="1"/>
+          <p:nvPr/>
+        </p:nvSpPr>
+        <p:spPr>
+          <a:xfrm>
+            <a:off x="614911" y="3420168"/>
+            <a:ext cx="2784095" cy="400110"/>
+          </a:xfrm>
+          <a:prstGeom prst="rect">
+            <a:avLst/>
+          </a:prstGeom>
+          <a:noFill/>
+        </p:spPr>
+        <p:txBody>
+          <a:bodyPr wrap="none" rtlCol="0">
+            <a:spAutoFit/>
+          </a:bodyPr>
+          <a:lstStyle/>
+          <a:p>
+            <a:r>
+              <a:rPr lang="en-US" sz="2000" dirty="0"/>
+              <a:t>An ID in CSS is defined as</a:t>
             </a:r>
           </a:p>
         </p:txBody>
@@ -4693,316 +4457,10 @@
       </p:cxnSp>
       <p:sp>
         <p:nvSpPr>
-          <p:cNvPr id="13" name="Rectangle 12">
-            <a:extLst>
-              <a:ext uri="{FF2B5EF4-FFF2-40B4-BE49-F238E27FC236}">
-                <a16:creationId xmlns:a16="http://schemas.microsoft.com/office/drawing/2014/main" id="{0AC11739-B125-B141-BFF7-59EE8FB77CBC}"/>
-              </a:ext>
-            </a:extLst>
-          </p:cNvPr>
-          <p:cNvSpPr/>
-          <p:nvPr/>
-        </p:nvSpPr>
-        <p:spPr>
-          <a:xfrm>
-            <a:off x="614911" y="4982750"/>
-            <a:ext cx="10602438" cy="1045182"/>
-          </a:xfrm>
-          <a:prstGeom prst="rect">
-            <a:avLst/>
-          </a:prstGeom>
-          <a:solidFill>
-            <a:schemeClr val="bg1">
-              <a:lumMod val="95000"/>
-            </a:schemeClr>
-          </a:solidFill>
-          <a:ln w="3175">
-            <a:solidFill>
-              <a:schemeClr val="bg1">
-                <a:lumMod val="85000"/>
-              </a:schemeClr>
-            </a:solidFill>
-          </a:ln>
-        </p:spPr>
-        <p:style>
-          <a:lnRef idx="2">
-            <a:schemeClr val="accent1">
-              <a:shade val="50000"/>
-            </a:schemeClr>
-          </a:lnRef>
-          <a:fillRef idx="1">
-            <a:schemeClr val="accent1"/>
-          </a:fillRef>
-          <a:effectRef idx="0">
-            <a:schemeClr val="accent1"/>
-          </a:effectRef>
-          <a:fontRef idx="minor">
-            <a:schemeClr val="lt1"/>
-          </a:fontRef>
-        </p:style>
-        <p:txBody>
-          <a:bodyPr rtlCol="0" anchor="ctr"/>
-          <a:lstStyle/>
-          <a:p>
-            <a:r>
-              <a:rPr lang="en-US" dirty="0">
-                <a:solidFill>
-                  <a:schemeClr val="tx1"/>
-                </a:solidFill>
-              </a:rPr>
-              <a:t>         &lt;</a:t>
-            </a:r>
-            <a:r>
-              <a:rPr lang="en-US" dirty="0">
-                <a:solidFill>
-                  <a:srgbClr val="FF0000"/>
-                </a:solidFill>
-              </a:rPr>
-              <a:t>p </a:t>
-            </a:r>
-            <a:r>
-              <a:rPr lang="en-US" dirty="0">
-                <a:solidFill>
-                  <a:schemeClr val="accent2"/>
-                </a:solidFill>
-              </a:rPr>
-              <a:t>class=classy-text</a:t>
-            </a:r>
-            <a:r>
-              <a:rPr lang="en-US" dirty="0">
-                <a:solidFill>
-                  <a:schemeClr val="tx1"/>
-                </a:solidFill>
-              </a:rPr>
-              <a:t>&gt;</a:t>
-            </a:r>
-            <a:r>
-              <a:rPr lang="en-US" dirty="0">
-                <a:solidFill>
-                  <a:srgbClr val="00B050"/>
-                </a:solidFill>
-              </a:rPr>
-              <a:t> </a:t>
-            </a:r>
-            <a:r>
-              <a:rPr lang="en-US" dirty="0">
-                <a:solidFill>
-                  <a:schemeClr val="accent4">
-                    <a:lumMod val="75000"/>
-                  </a:schemeClr>
-                </a:solidFill>
-              </a:rPr>
-              <a:t>I’ve got class</a:t>
-            </a:r>
-            <a:r>
-              <a:rPr lang="en-US" dirty="0">
-                <a:solidFill>
-                  <a:srgbClr val="00B050"/>
-                </a:solidFill>
-              </a:rPr>
-              <a:t> </a:t>
-            </a:r>
-            <a:r>
-              <a:rPr lang="en-US" dirty="0">
-                <a:solidFill>
-                  <a:schemeClr val="tx1"/>
-                </a:solidFill>
-              </a:rPr>
-              <a:t>&lt;/</a:t>
-            </a:r>
-            <a:r>
-              <a:rPr lang="en-US" dirty="0">
-                <a:solidFill>
-                  <a:srgbClr val="FF0000"/>
-                </a:solidFill>
-              </a:rPr>
-              <a:t>p</a:t>
-            </a:r>
-            <a:r>
-              <a:rPr lang="en-US" dirty="0">
-                <a:solidFill>
-                  <a:schemeClr val="tx1"/>
-                </a:solidFill>
-              </a:rPr>
-              <a:t>&gt;</a:t>
-            </a:r>
-          </a:p>
-          <a:p>
-            <a:r>
-              <a:rPr lang="en-US" dirty="0">
-                <a:solidFill>
-                  <a:schemeClr val="tx1"/>
-                </a:solidFill>
-              </a:rPr>
-              <a:t>         &lt;</a:t>
-            </a:r>
-            <a:r>
-              <a:rPr lang="en-US" dirty="0">
-                <a:solidFill>
-                  <a:srgbClr val="FF0000"/>
-                </a:solidFill>
-              </a:rPr>
-              <a:t>p </a:t>
-            </a:r>
-            <a:r>
-              <a:rPr lang="en-US" dirty="0">
-                <a:solidFill>
-                  <a:schemeClr val="accent2"/>
-                </a:solidFill>
-              </a:rPr>
-              <a:t>id=id-text</a:t>
-            </a:r>
-            <a:r>
-              <a:rPr lang="en-US" dirty="0">
-                <a:solidFill>
-                  <a:schemeClr val="tx1"/>
-                </a:solidFill>
-              </a:rPr>
-              <a:t>&gt;</a:t>
-            </a:r>
-            <a:r>
-              <a:rPr lang="en-US" dirty="0">
-                <a:solidFill>
-                  <a:srgbClr val="00B050"/>
-                </a:solidFill>
-              </a:rPr>
-              <a:t> </a:t>
-            </a:r>
-            <a:r>
-              <a:rPr lang="en-US" dirty="0">
-                <a:solidFill>
-                  <a:schemeClr val="accent4">
-                    <a:lumMod val="75000"/>
-                  </a:schemeClr>
-                </a:solidFill>
-              </a:rPr>
-              <a:t>I’ve got no class</a:t>
-            </a:r>
-            <a:r>
-              <a:rPr lang="en-US" dirty="0">
-                <a:solidFill>
-                  <a:srgbClr val="00B050"/>
-                </a:solidFill>
-              </a:rPr>
-              <a:t> </a:t>
-            </a:r>
-            <a:r>
-              <a:rPr lang="en-US" dirty="0">
-                <a:solidFill>
-                  <a:schemeClr val="tx1"/>
-                </a:solidFill>
-              </a:rPr>
-              <a:t>&lt;/</a:t>
-            </a:r>
-            <a:r>
-              <a:rPr lang="en-US" dirty="0">
-                <a:solidFill>
-                  <a:srgbClr val="FF0000"/>
-                </a:solidFill>
-              </a:rPr>
-              <a:t>p</a:t>
-            </a:r>
-            <a:r>
-              <a:rPr lang="en-US" dirty="0">
-                <a:solidFill>
-                  <a:schemeClr val="tx1"/>
-                </a:solidFill>
-              </a:rPr>
-              <a:t>&gt;</a:t>
-            </a:r>
-          </a:p>
-          <a:p>
-            <a:r>
-              <a:rPr lang="en-US" dirty="0">
-                <a:solidFill>
-                  <a:schemeClr val="tx1"/>
-                </a:solidFill>
-              </a:rPr>
-              <a:t>         &lt;</a:t>
-            </a:r>
-            <a:r>
-              <a:rPr lang="en-US" dirty="0">
-                <a:solidFill>
-                  <a:srgbClr val="FF0000"/>
-                </a:solidFill>
-              </a:rPr>
-              <a:t>p </a:t>
-            </a:r>
-            <a:r>
-              <a:rPr lang="en-US" dirty="0">
-                <a:solidFill>
-                  <a:schemeClr val="accent2"/>
-                </a:solidFill>
-              </a:rPr>
-              <a:t>class=classy-text</a:t>
-            </a:r>
-            <a:r>
-              <a:rPr lang="en-US" dirty="0">
-                <a:solidFill>
-                  <a:schemeClr val="tx1"/>
-                </a:solidFill>
-              </a:rPr>
-              <a:t>&gt;</a:t>
-            </a:r>
-            <a:r>
-              <a:rPr lang="en-US" dirty="0">
-                <a:solidFill>
-                  <a:srgbClr val="00B050"/>
-                </a:solidFill>
-              </a:rPr>
-              <a:t> </a:t>
-            </a:r>
-            <a:r>
-              <a:rPr lang="en-US" dirty="0">
-                <a:solidFill>
-                  <a:schemeClr val="accent4">
-                    <a:lumMod val="75000"/>
-                  </a:schemeClr>
-                </a:solidFill>
-              </a:rPr>
-              <a:t>I’ve also got class</a:t>
-            </a:r>
-            <a:r>
-              <a:rPr lang="en-US" dirty="0">
-                <a:solidFill>
-                  <a:srgbClr val="00B050"/>
-                </a:solidFill>
-              </a:rPr>
-              <a:t> </a:t>
-            </a:r>
-            <a:r>
-              <a:rPr lang="en-US" dirty="0">
-                <a:solidFill>
-                  <a:schemeClr val="tx1"/>
-                </a:solidFill>
-              </a:rPr>
-              <a:t>&lt;/</a:t>
-            </a:r>
-            <a:r>
-              <a:rPr lang="en-US" dirty="0">
-                <a:solidFill>
-                  <a:srgbClr val="FF0000"/>
-                </a:solidFill>
-              </a:rPr>
-              <a:t>p</a:t>
-            </a:r>
-            <a:r>
-              <a:rPr lang="en-US" dirty="0">
-                <a:solidFill>
-                  <a:schemeClr val="tx1"/>
-                </a:solidFill>
-              </a:rPr>
-              <a:t>&gt;</a:t>
-            </a:r>
-          </a:p>
-        </p:txBody>
-      </p:sp>
-      <p:sp>
-        <p:nvSpPr>
-          <p:cNvPr id="14" name="TextBox 13">
-            <a:extLst>
-              <a:ext uri="{FF2B5EF4-FFF2-40B4-BE49-F238E27FC236}">
-                <a16:creationId xmlns:a16="http://schemas.microsoft.com/office/drawing/2014/main" id="{8E6E53D8-6E62-9A41-B6DE-FD4A6450C380}"/>
+          <p:cNvPr id="20" name="TextBox 19">
+            <a:extLst>
+              <a:ext uri="{FF2B5EF4-FFF2-40B4-BE49-F238E27FC236}">
+                <a16:creationId xmlns:a16="http://schemas.microsoft.com/office/drawing/2014/main" id="{0B4D3264-0FEC-BB4C-87BC-6AFCC7152BC2}"/>
               </a:ext>
             </a:extLst>
           </p:cNvPr>
@@ -5011,8 +4469,8 @@
         </p:nvSpPr>
         <p:spPr>
           <a:xfrm>
-            <a:off x="614911" y="4506161"/>
-            <a:ext cx="6361934" cy="400110"/>
+            <a:off x="614911" y="5157086"/>
+            <a:ext cx="5674567" cy="400110"/>
           </a:xfrm>
           <a:prstGeom prst="rect">
             <a:avLst/>
@@ -5027,15 +4485,7 @@
           <a:p>
             <a:r>
               <a:rPr lang="en-US" sz="2000" dirty="0"/>
-              <a:t>What is displayed as a result of the following in </a:t>
-            </a:r>
-            <a:r>
-              <a:rPr lang="en-US" sz="2000" dirty="0" err="1"/>
-              <a:t>index.html</a:t>
-            </a:r>
-            <a:r>
-              <a:rPr lang="en-US" sz="2000" dirty="0"/>
-              <a:t>?</a:t>
+              <a:t>We will go over this in more detail in the CSS lecture.</a:t>
             </a:r>
           </a:p>
         </p:txBody>
@@ -5043,7 +4493,7 @@
     </p:spTree>
     <p:extLst>
       <p:ext uri="{BB962C8B-B14F-4D97-AF65-F5344CB8AC3E}">
-        <p14:creationId xmlns:p14="http://schemas.microsoft.com/office/powerpoint/2010/main" val="741038442"/>
+        <p14:creationId xmlns:p14="http://schemas.microsoft.com/office/powerpoint/2010/main" val="2253899053"/>
       </p:ext>
     </p:extLst>
   </p:cSld>
@@ -5080,10 +4530,10 @@
       </p:grpSpPr>
       <p:sp>
         <p:nvSpPr>
-          <p:cNvPr id="20" name="Rectangle 19">
-            <a:extLst>
-              <a:ext uri="{FF2B5EF4-FFF2-40B4-BE49-F238E27FC236}">
-                <a16:creationId xmlns:a16="http://schemas.microsoft.com/office/drawing/2014/main" id="{B6D17126-816A-2C43-878A-63F3D2097939}"/>
+          <p:cNvPr id="4" name="Rectangle 3">
+            <a:extLst>
+              <a:ext uri="{FF2B5EF4-FFF2-40B4-BE49-F238E27FC236}">
+                <a16:creationId xmlns:a16="http://schemas.microsoft.com/office/drawing/2014/main" id="{678F1DA2-2833-49FF-9287-44720AC6C8D2}"/>
               </a:ext>
             </a:extLst>
           </p:cNvPr>
@@ -5092,16 +4542,16 @@
         </p:nvSpPr>
         <p:spPr>
           <a:xfrm>
-            <a:off x="613726" y="3857404"/>
-            <a:ext cx="10602438" cy="1543049"/>
+            <a:off x="0" y="6581001"/>
+            <a:ext cx="9976268" cy="276999"/>
           </a:xfrm>
           <a:prstGeom prst="rect">
             <a:avLst/>
           </a:prstGeom>
           <a:solidFill>
-            <a:schemeClr val="bg1"/>
+            <a:srgbClr val="92D050"/>
           </a:solidFill>
-          <a:ln w="3175">
+          <a:ln>
             <a:noFill/>
           </a:ln>
         </p:spPr>
@@ -5125,20 +4575,56 @@
           <a:bodyPr rtlCol="0" anchor="ctr"/>
           <a:lstStyle/>
           <a:p>
-            <a:endParaRPr lang="en-US" dirty="0">
-              <a:solidFill>
-                <a:schemeClr val="tx1"/>
-              </a:solidFill>
-            </a:endParaRPr>
-          </a:p>
-        </p:txBody>
-      </p:sp>
-      <p:sp>
-        <p:nvSpPr>
-          <p:cNvPr id="4" name="Rectangle 3">
-            <a:extLst>
-              <a:ext uri="{FF2B5EF4-FFF2-40B4-BE49-F238E27FC236}">
-                <a16:creationId xmlns:a16="http://schemas.microsoft.com/office/drawing/2014/main" id="{678F1DA2-2833-49FF-9287-44720AC6C8D2}"/>
+            <a:pPr algn="ctr"/>
+            <a:endParaRPr lang="en-US" dirty="0"/>
+          </a:p>
+        </p:txBody>
+      </p:sp>
+      <p:sp>
+        <p:nvSpPr>
+          <p:cNvPr id="5" name="TextBox 4">
+            <a:extLst>
+              <a:ext uri="{FF2B5EF4-FFF2-40B4-BE49-F238E27FC236}">
+                <a16:creationId xmlns:a16="http://schemas.microsoft.com/office/drawing/2014/main" id="{9758F7A4-2143-4CCD-B8B3-8B4A1461ECF9}"/>
+              </a:ext>
+            </a:extLst>
+          </p:cNvPr>
+          <p:cNvSpPr txBox="1"/>
+          <p:nvPr/>
+        </p:nvSpPr>
+        <p:spPr>
+          <a:xfrm>
+            <a:off x="36674" y="6583215"/>
+            <a:ext cx="2682077" cy="276999"/>
+          </a:xfrm>
+          <a:prstGeom prst="rect">
+            <a:avLst/>
+          </a:prstGeom>
+          <a:noFill/>
+        </p:spPr>
+        <p:txBody>
+          <a:bodyPr wrap="square" rtlCol="0">
+            <a:spAutoFit/>
+          </a:bodyPr>
+          <a:lstStyle/>
+          <a:p>
+            <a:r>
+              <a:rPr lang="en-US" sz="1200" dirty="0">
+                <a:solidFill>
+                  <a:schemeClr val="bg1"/>
+                </a:solidFill>
+              </a:rPr>
+              <a:t>Building Personal Websites</a:t>
+            </a:r>
+          </a:p>
+        </p:txBody>
+      </p:sp>
+      <p:sp>
+        <p:nvSpPr>
+          <p:cNvPr id="6" name="Rectangle 5">
+            <a:extLst>
+              <a:ext uri="{FF2B5EF4-FFF2-40B4-BE49-F238E27FC236}">
+                <a16:creationId xmlns:a16="http://schemas.microsoft.com/office/drawing/2014/main" id="{40845236-8634-4353-BA0D-8817FE36EC7A}"/>
               </a:ext>
             </a:extLst>
           </p:cNvPr>
@@ -5147,14 +4633,14 @@
         </p:nvSpPr>
         <p:spPr>
           <a:xfrm>
-            <a:off x="0" y="6581001"/>
-            <a:ext cx="9976268" cy="276999"/>
+            <a:off x="9921514" y="6581001"/>
+            <a:ext cx="2270485" cy="276999"/>
           </a:xfrm>
           <a:prstGeom prst="rect">
             <a:avLst/>
           </a:prstGeom>
           <a:solidFill>
-            <a:srgbClr val="92D050"/>
+            <a:srgbClr val="00B0F0"/>
           </a:solidFill>
           <a:ln>
             <a:noFill/>
@@ -5187,10 +4673,10 @@
       </p:sp>
       <p:sp>
         <p:nvSpPr>
-          <p:cNvPr id="5" name="TextBox 4">
-            <a:extLst>
-              <a:ext uri="{FF2B5EF4-FFF2-40B4-BE49-F238E27FC236}">
-                <a16:creationId xmlns:a16="http://schemas.microsoft.com/office/drawing/2014/main" id="{9758F7A4-2143-4CCD-B8B3-8B4A1461ECF9}"/>
+          <p:cNvPr id="8" name="TextBox 7">
+            <a:extLst>
+              <a:ext uri="{FF2B5EF4-FFF2-40B4-BE49-F238E27FC236}">
+                <a16:creationId xmlns:a16="http://schemas.microsoft.com/office/drawing/2014/main" id="{6403EA4A-E7EB-4525-B0D2-13B3997D5780}"/>
               </a:ext>
             </a:extLst>
           </p:cNvPr>
@@ -5199,7 +4685,7 @@
         </p:nvSpPr>
         <p:spPr>
           <a:xfrm>
-            <a:off x="36674" y="6583215"/>
+            <a:off x="9958188" y="6578787"/>
             <a:ext cx="2682077" cy="276999"/>
           </a:xfrm>
           <a:prstGeom prst="rect">
@@ -5219,17 +4705,17 @@
                   <a:schemeClr val="bg1"/>
                 </a:solidFill>
               </a:rPr>
-              <a:t>Building Personal Websites</a:t>
-            </a:r>
-          </a:p>
-        </p:txBody>
-      </p:sp>
-      <p:sp>
-        <p:nvSpPr>
-          <p:cNvPr id="6" name="Rectangle 5">
-            <a:extLst>
-              <a:ext uri="{FF2B5EF4-FFF2-40B4-BE49-F238E27FC236}">
-                <a16:creationId xmlns:a16="http://schemas.microsoft.com/office/drawing/2014/main" id="{40845236-8634-4353-BA0D-8817FE36EC7A}"/>
+              <a:t>Lecture 03 | HTML Content</a:t>
+            </a:r>
+          </a:p>
+        </p:txBody>
+      </p:sp>
+      <p:sp>
+        <p:nvSpPr>
+          <p:cNvPr id="10" name="Rectangle 9">
+            <a:extLst>
+              <a:ext uri="{FF2B5EF4-FFF2-40B4-BE49-F238E27FC236}">
+                <a16:creationId xmlns:a16="http://schemas.microsoft.com/office/drawing/2014/main" id="{C1104CCC-8B38-3944-8A1A-D62DDB9C05EA}"/>
               </a:ext>
             </a:extLst>
           </p:cNvPr>
@@ -5238,17 +4724,23 @@
         </p:nvSpPr>
         <p:spPr>
           <a:xfrm>
-            <a:off x="9921514" y="6581001"/>
-            <a:ext cx="2270485" cy="276999"/>
+            <a:off x="614911" y="1963832"/>
+            <a:ext cx="10602438" cy="1045182"/>
           </a:xfrm>
           <a:prstGeom prst="rect">
             <a:avLst/>
           </a:prstGeom>
           <a:solidFill>
-            <a:srgbClr val="00B0F0"/>
+            <a:schemeClr val="bg1">
+              <a:lumMod val="95000"/>
+            </a:schemeClr>
           </a:solidFill>
-          <a:ln>
-            <a:noFill/>
+          <a:ln w="3175">
+            <a:solidFill>
+              <a:schemeClr val="bg1">
+                <a:lumMod val="85000"/>
+              </a:schemeClr>
+            </a:solidFill>
           </a:ln>
         </p:spPr>
         <p:style>
@@ -5271,17 +4763,46 @@
           <a:bodyPr rtlCol="0" anchor="ctr"/>
           <a:lstStyle/>
           <a:p>
-            <a:pPr algn="ctr"/>
-            <a:endParaRPr lang="en-US" dirty="0"/>
-          </a:p>
-        </p:txBody>
-      </p:sp>
-      <p:sp>
-        <p:nvSpPr>
-          <p:cNvPr id="8" name="TextBox 7">
-            <a:extLst>
-              <a:ext uri="{FF2B5EF4-FFF2-40B4-BE49-F238E27FC236}">
-                <a16:creationId xmlns:a16="http://schemas.microsoft.com/office/drawing/2014/main" id="{6403EA4A-E7EB-4525-B0D2-13B3997D5780}"/>
+            <a:pPr lvl="1"/>
+            <a:r>
+              <a:rPr lang="en-US" dirty="0">
+                <a:solidFill>
+                  <a:schemeClr val="tx1"/>
+                </a:solidFill>
+              </a:rPr>
+              <a:t>.classy-text {</a:t>
+            </a:r>
+          </a:p>
+          <a:p>
+            <a:pPr lvl="1"/>
+            <a:r>
+              <a:rPr lang="en-US" dirty="0">
+                <a:solidFill>
+                  <a:schemeClr val="tx1"/>
+                </a:solidFill>
+              </a:rPr>
+              <a:t>	color: orange;</a:t>
+            </a:r>
+          </a:p>
+          <a:p>
+            <a:pPr lvl="1"/>
+            <a:r>
+              <a:rPr lang="en-US" dirty="0">
+                <a:solidFill>
+                  <a:schemeClr val="tx1"/>
+                </a:solidFill>
+              </a:rPr>
+              <a:t>}</a:t>
+            </a:r>
+          </a:p>
+        </p:txBody>
+      </p:sp>
+      <p:sp>
+        <p:nvSpPr>
+          <p:cNvPr id="15" name="TextBox 14">
+            <a:extLst>
+              <a:ext uri="{FF2B5EF4-FFF2-40B4-BE49-F238E27FC236}">
+                <a16:creationId xmlns:a16="http://schemas.microsoft.com/office/drawing/2014/main" id="{1F855BD4-C05C-5C4A-AA69-314750DD551A}"/>
               </a:ext>
             </a:extLst>
           </p:cNvPr>
@@ -5290,8 +4811,8 @@
         </p:nvSpPr>
         <p:spPr>
           <a:xfrm>
-            <a:off x="9958188" y="6578787"/>
-            <a:ext cx="2682077" cy="276999"/>
+            <a:off x="614911" y="1487243"/>
+            <a:ext cx="4216924" cy="400110"/>
           </a:xfrm>
           <a:prstGeom prst="rect">
             <a:avLst/>
@@ -5299,107 +4820,29 @@
           <a:noFill/>
         </p:spPr>
         <p:txBody>
-          <a:bodyPr wrap="square" rtlCol="0">
+          <a:bodyPr wrap="none" rtlCol="0">
             <a:spAutoFit/>
           </a:bodyPr>
           <a:lstStyle/>
           <a:p>
             <a:r>
-              <a:rPr lang="en-US" sz="1200" dirty="0">
-                <a:solidFill>
-                  <a:schemeClr val="bg1"/>
-                </a:solidFill>
-              </a:rPr>
-              <a:t>Lecture 03 | HTML Content</a:t>
-            </a:r>
-          </a:p>
-        </p:txBody>
-      </p:sp>
-      <p:sp>
-        <p:nvSpPr>
-          <p:cNvPr id="18" name="TextBox 17">
-            <a:extLst>
-              <a:ext uri="{FF2B5EF4-FFF2-40B4-BE49-F238E27FC236}">
-                <a16:creationId xmlns:a16="http://schemas.microsoft.com/office/drawing/2014/main" id="{DC7FB4FA-0B22-2145-A867-EBEC90848B89}"/>
-              </a:ext>
-            </a:extLst>
-          </p:cNvPr>
-          <p:cNvSpPr txBox="1"/>
-          <p:nvPr/>
-        </p:nvSpPr>
-        <p:spPr>
-          <a:xfrm>
-            <a:off x="4104170" y="10633"/>
-            <a:ext cx="3880884" cy="1003031"/>
-          </a:xfrm>
-          <a:prstGeom prst="rect">
-            <a:avLst/>
-          </a:prstGeom>
-          <a:noFill/>
-        </p:spPr>
-        <p:txBody>
-          <a:bodyPr wrap="square" rtlCol="0">
-            <a:spAutoFit/>
-          </a:bodyPr>
-          <a:lstStyle/>
-          <a:p>
-            <a:pPr algn="ctr">
-              <a:lnSpc>
-                <a:spcPct val="150000"/>
-              </a:lnSpc>
-            </a:pPr>
-            <a:r>
-              <a:rPr lang="en-US" sz="4400" dirty="0"/>
-              <a:t>Classes &amp; IDs</a:t>
-            </a:r>
-          </a:p>
-        </p:txBody>
-      </p:sp>
-      <p:cxnSp>
-        <p:nvCxnSpPr>
-          <p:cNvPr id="19" name="Straight Connector 18">
-            <a:extLst>
-              <a:ext uri="{FF2B5EF4-FFF2-40B4-BE49-F238E27FC236}">
-                <a16:creationId xmlns:a16="http://schemas.microsoft.com/office/drawing/2014/main" id="{A255D059-2DD1-DE4B-A98E-9692828D118A}"/>
-              </a:ext>
-            </a:extLst>
-          </p:cNvPr>
-          <p:cNvCxnSpPr>
-            <a:cxnSpLocks/>
-          </p:cNvCxnSpPr>
-          <p:nvPr/>
-        </p:nvCxnSpPr>
-        <p:spPr>
-          <a:xfrm>
-            <a:off x="5730956" y="1013664"/>
-            <a:ext cx="419986" cy="0"/>
-          </a:xfrm>
-          <a:prstGeom prst="line">
-            <a:avLst/>
-          </a:prstGeom>
-          <a:ln w="28575"/>
-        </p:spPr>
-        <p:style>
-          <a:lnRef idx="1">
-            <a:schemeClr val="dk1"/>
-          </a:lnRef>
-          <a:fillRef idx="0">
-            <a:schemeClr val="dk1"/>
-          </a:fillRef>
-          <a:effectRef idx="0">
-            <a:schemeClr val="dk1"/>
-          </a:effectRef>
-          <a:fontRef idx="minor">
-            <a:schemeClr val="tx1"/>
-          </a:fontRef>
-        </p:style>
-      </p:cxnSp>
-      <p:sp>
-        <p:nvSpPr>
-          <p:cNvPr id="13" name="Rectangle 12">
-            <a:extLst>
-              <a:ext uri="{FF2B5EF4-FFF2-40B4-BE49-F238E27FC236}">
-                <a16:creationId xmlns:a16="http://schemas.microsoft.com/office/drawing/2014/main" id="{0AC11739-B125-B141-BFF7-59EE8FB77CBC}"/>
+              <a:rPr lang="en-US" sz="2000" dirty="0"/>
+              <a:t>Say we define the following in </a:t>
+            </a:r>
+            <a:r>
+              <a:rPr lang="en-US" sz="2000" dirty="0" err="1"/>
+              <a:t>style.css</a:t>
+            </a:r>
+            <a:endParaRPr lang="en-US" sz="2000" dirty="0"/>
+          </a:p>
+        </p:txBody>
+      </p:sp>
+      <p:sp>
+        <p:nvSpPr>
+          <p:cNvPr id="16" name="Rectangle 15">
+            <a:extLst>
+              <a:ext uri="{FF2B5EF4-FFF2-40B4-BE49-F238E27FC236}">
+                <a16:creationId xmlns:a16="http://schemas.microsoft.com/office/drawing/2014/main" id="{1BF9D546-67AE-7949-9016-5768465F47D3}"/>
               </a:ext>
             </a:extLst>
           </p:cNvPr>
@@ -5408,7 +4851,7 @@
         </p:nvSpPr>
         <p:spPr>
           <a:xfrm>
-            <a:off x="614911" y="2111959"/>
+            <a:off x="614911" y="3136396"/>
             <a:ext cx="10602438" cy="1045182"/>
           </a:xfrm>
           <a:prstGeom prst="rect">
@@ -5447,6 +4890,172 @@
           <a:bodyPr rtlCol="0" anchor="ctr"/>
           <a:lstStyle/>
           <a:p>
+            <a:pPr lvl="1"/>
+            <a:r>
+              <a:rPr lang="en-US" dirty="0">
+                <a:solidFill>
+                  <a:schemeClr val="tx1"/>
+                </a:solidFill>
+              </a:rPr>
+              <a:t>#id-text {</a:t>
+            </a:r>
+          </a:p>
+          <a:p>
+            <a:pPr lvl="1"/>
+            <a:r>
+              <a:rPr lang="en-US" dirty="0">
+                <a:solidFill>
+                  <a:schemeClr val="tx1"/>
+                </a:solidFill>
+              </a:rPr>
+              <a:t>	color: red;</a:t>
+            </a:r>
+          </a:p>
+          <a:p>
+            <a:pPr lvl="1"/>
+            <a:r>
+              <a:rPr lang="en-US" dirty="0">
+                <a:solidFill>
+                  <a:schemeClr val="tx1"/>
+                </a:solidFill>
+              </a:rPr>
+              <a:t>}</a:t>
+            </a:r>
+          </a:p>
+        </p:txBody>
+      </p:sp>
+      <p:sp>
+        <p:nvSpPr>
+          <p:cNvPr id="18" name="TextBox 17">
+            <a:extLst>
+              <a:ext uri="{FF2B5EF4-FFF2-40B4-BE49-F238E27FC236}">
+                <a16:creationId xmlns:a16="http://schemas.microsoft.com/office/drawing/2014/main" id="{DC7FB4FA-0B22-2145-A867-EBEC90848B89}"/>
+              </a:ext>
+            </a:extLst>
+          </p:cNvPr>
+          <p:cNvSpPr txBox="1"/>
+          <p:nvPr/>
+        </p:nvSpPr>
+        <p:spPr>
+          <a:xfrm>
+            <a:off x="4104170" y="10633"/>
+            <a:ext cx="3880884" cy="1003031"/>
+          </a:xfrm>
+          <a:prstGeom prst="rect">
+            <a:avLst/>
+          </a:prstGeom>
+          <a:noFill/>
+        </p:spPr>
+        <p:txBody>
+          <a:bodyPr wrap="square" rtlCol="0">
+            <a:spAutoFit/>
+          </a:bodyPr>
+          <a:lstStyle/>
+          <a:p>
+            <a:pPr algn="ctr">
+              <a:lnSpc>
+                <a:spcPct val="150000"/>
+              </a:lnSpc>
+            </a:pPr>
+            <a:r>
+              <a:rPr lang="en-US" sz="4400" dirty="0"/>
+              <a:t>Classes &amp; IDs</a:t>
+            </a:r>
+          </a:p>
+        </p:txBody>
+      </p:sp>
+      <p:cxnSp>
+        <p:nvCxnSpPr>
+          <p:cNvPr id="19" name="Straight Connector 18">
+            <a:extLst>
+              <a:ext uri="{FF2B5EF4-FFF2-40B4-BE49-F238E27FC236}">
+                <a16:creationId xmlns:a16="http://schemas.microsoft.com/office/drawing/2014/main" id="{A255D059-2DD1-DE4B-A98E-9692828D118A}"/>
+              </a:ext>
+            </a:extLst>
+          </p:cNvPr>
+          <p:cNvCxnSpPr>
+            <a:cxnSpLocks/>
+          </p:cNvCxnSpPr>
+          <p:nvPr/>
+        </p:nvCxnSpPr>
+        <p:spPr>
+          <a:xfrm>
+            <a:off x="5730956" y="1013664"/>
+            <a:ext cx="419986" cy="0"/>
+          </a:xfrm>
+          <a:prstGeom prst="line">
+            <a:avLst/>
+          </a:prstGeom>
+          <a:ln w="28575"/>
+        </p:spPr>
+        <p:style>
+          <a:lnRef idx="1">
+            <a:schemeClr val="dk1"/>
+          </a:lnRef>
+          <a:fillRef idx="0">
+            <a:schemeClr val="dk1"/>
+          </a:fillRef>
+          <a:effectRef idx="0">
+            <a:schemeClr val="dk1"/>
+          </a:effectRef>
+          <a:fontRef idx="minor">
+            <a:schemeClr val="tx1"/>
+          </a:fontRef>
+        </p:style>
+      </p:cxnSp>
+      <p:sp>
+        <p:nvSpPr>
+          <p:cNvPr id="13" name="Rectangle 12">
+            <a:extLst>
+              <a:ext uri="{FF2B5EF4-FFF2-40B4-BE49-F238E27FC236}">
+                <a16:creationId xmlns:a16="http://schemas.microsoft.com/office/drawing/2014/main" id="{0AC11739-B125-B141-BFF7-59EE8FB77CBC}"/>
+              </a:ext>
+            </a:extLst>
+          </p:cNvPr>
+          <p:cNvSpPr/>
+          <p:nvPr/>
+        </p:nvSpPr>
+        <p:spPr>
+          <a:xfrm>
+            <a:off x="614911" y="4982750"/>
+            <a:ext cx="10602438" cy="1045182"/>
+          </a:xfrm>
+          <a:prstGeom prst="rect">
+            <a:avLst/>
+          </a:prstGeom>
+          <a:solidFill>
+            <a:schemeClr val="bg1">
+              <a:lumMod val="95000"/>
+            </a:schemeClr>
+          </a:solidFill>
+          <a:ln w="3175">
+            <a:solidFill>
+              <a:schemeClr val="bg1">
+                <a:lumMod val="85000"/>
+              </a:schemeClr>
+            </a:solidFill>
+          </a:ln>
+        </p:spPr>
+        <p:style>
+          <a:lnRef idx="2">
+            <a:schemeClr val="accent1">
+              <a:shade val="50000"/>
+            </a:schemeClr>
+          </a:lnRef>
+          <a:fillRef idx="1">
+            <a:schemeClr val="accent1"/>
+          </a:fillRef>
+          <a:effectRef idx="0">
+            <a:schemeClr val="accent1"/>
+          </a:effectRef>
+          <a:fontRef idx="minor">
+            <a:schemeClr val="lt1"/>
+          </a:fontRef>
+        </p:style>
+        <p:txBody>
+          <a:bodyPr rtlCol="0" anchor="ctr"/>
+          <a:lstStyle/>
+          <a:p>
             <a:r>
               <a:rPr lang="en-US" dirty="0">
                 <a:solidFill>
@@ -5714,7 +5323,7 @@
         </p:nvSpPr>
         <p:spPr>
           <a:xfrm>
-            <a:off x="614911" y="1616585"/>
+            <a:off x="614911" y="4506161"/>
             <a:ext cx="6361934" cy="400110"/>
           </a:xfrm>
           <a:prstGeom prst="rect">
@@ -5743,57 +5352,10 @@
           </a:p>
         </p:txBody>
       </p:sp>
-      <p:pic>
-        <p:nvPicPr>
-          <p:cNvPr id="17" name="Picture 2" descr="https://i.gyazo.com/a67aca35a592d69979cc3d11bb7baecf.png">
-            <a:extLst>
-              <a:ext uri="{FF2B5EF4-FFF2-40B4-BE49-F238E27FC236}">
-                <a16:creationId xmlns:a16="http://schemas.microsoft.com/office/drawing/2014/main" id="{2F41BD1A-A090-5D47-8B5C-BF015CB54FD7}"/>
-              </a:ext>
-            </a:extLst>
-          </p:cNvPr>
-          <p:cNvPicPr>
-            <a:picLocks noChangeAspect="1" noChangeArrowheads="1"/>
-          </p:cNvPicPr>
-          <p:nvPr/>
-        </p:nvPicPr>
-        <p:blipFill>
-          <a:blip r:embed="rId2">
-            <a:extLst>
-              <a:ext uri="{28A0092B-C50C-407E-A947-70E740481C1C}">
-                <a14:useLocalDpi xmlns:a14="http://schemas.microsoft.com/office/drawing/2010/main" val="0"/>
-              </a:ext>
-            </a:extLst>
-          </a:blip>
-          <a:srcRect/>
-          <a:stretch>
-            <a:fillRect/>
-          </a:stretch>
-        </p:blipFill>
-        <p:spPr bwMode="auto">
-          <a:xfrm>
-            <a:off x="613726" y="3852404"/>
-            <a:ext cx="2105025" cy="1543050"/>
-          </a:xfrm>
-          <a:prstGeom prst="rect">
-            <a:avLst/>
-          </a:prstGeom>
-          <a:noFill/>
-          <a:extLst>
-            <a:ext uri="{909E8E84-426E-40DD-AFC4-6F175D3DCCD1}">
-              <a14:hiddenFill xmlns:a14="http://schemas.microsoft.com/office/drawing/2010/main">
-                <a:solidFill>
-                  <a:srgbClr val="FFFFFF"/>
-                </a:solidFill>
-              </a14:hiddenFill>
-            </a:ext>
-          </a:extLst>
-        </p:spPr>
-      </p:pic>
     </p:spTree>
     <p:extLst>
       <p:ext uri="{BB962C8B-B14F-4D97-AF65-F5344CB8AC3E}">
-        <p14:creationId xmlns:p14="http://schemas.microsoft.com/office/powerpoint/2010/main" val="535162909"/>
+        <p14:creationId xmlns:p14="http://schemas.microsoft.com/office/powerpoint/2010/main" val="741038442"/>
       </p:ext>
     </p:extLst>
   </p:cSld>
@@ -5830,10 +5392,10 @@
       </p:grpSpPr>
       <p:sp>
         <p:nvSpPr>
-          <p:cNvPr id="4" name="Rectangle 3">
-            <a:extLst>
-              <a:ext uri="{FF2B5EF4-FFF2-40B4-BE49-F238E27FC236}">
-                <a16:creationId xmlns:a16="http://schemas.microsoft.com/office/drawing/2014/main" id="{678F1DA2-2833-49FF-9287-44720AC6C8D2}"/>
+          <p:cNvPr id="20" name="Rectangle 19">
+            <a:extLst>
+              <a:ext uri="{FF2B5EF4-FFF2-40B4-BE49-F238E27FC236}">
+                <a16:creationId xmlns:a16="http://schemas.microsoft.com/office/drawing/2014/main" id="{B6D17126-816A-2C43-878A-63F3D2097939}"/>
               </a:ext>
             </a:extLst>
           </p:cNvPr>
@@ -5842,16 +5404,16 @@
         </p:nvSpPr>
         <p:spPr>
           <a:xfrm>
-            <a:off x="0" y="6581001"/>
-            <a:ext cx="9976268" cy="276999"/>
+            <a:off x="613726" y="3857404"/>
+            <a:ext cx="10602438" cy="1543049"/>
           </a:xfrm>
           <a:prstGeom prst="rect">
             <a:avLst/>
           </a:prstGeom>
           <a:solidFill>
-            <a:srgbClr val="92D050"/>
+            <a:schemeClr val="bg1"/>
           </a:solidFill>
-          <a:ln>
+          <a:ln w="3175">
             <a:noFill/>
           </a:ln>
         </p:spPr>
@@ -5875,56 +5437,20 @@
           <a:bodyPr rtlCol="0" anchor="ctr"/>
           <a:lstStyle/>
           <a:p>
-            <a:pPr algn="ctr"/>
-            <a:endParaRPr lang="en-US" dirty="0"/>
-          </a:p>
-        </p:txBody>
-      </p:sp>
-      <p:sp>
-        <p:nvSpPr>
-          <p:cNvPr id="5" name="TextBox 4">
-            <a:extLst>
-              <a:ext uri="{FF2B5EF4-FFF2-40B4-BE49-F238E27FC236}">
-                <a16:creationId xmlns:a16="http://schemas.microsoft.com/office/drawing/2014/main" id="{9758F7A4-2143-4CCD-B8B3-8B4A1461ECF9}"/>
-              </a:ext>
-            </a:extLst>
-          </p:cNvPr>
-          <p:cNvSpPr txBox="1"/>
-          <p:nvPr/>
-        </p:nvSpPr>
-        <p:spPr>
-          <a:xfrm>
-            <a:off x="36674" y="6583215"/>
-            <a:ext cx="2682077" cy="276999"/>
-          </a:xfrm>
-          <a:prstGeom prst="rect">
-            <a:avLst/>
-          </a:prstGeom>
-          <a:noFill/>
-        </p:spPr>
-        <p:txBody>
-          <a:bodyPr wrap="square" rtlCol="0">
-            <a:spAutoFit/>
-          </a:bodyPr>
-          <a:lstStyle/>
-          <a:p>
-            <a:r>
-              <a:rPr lang="en-US" sz="1200" dirty="0">
-                <a:solidFill>
-                  <a:schemeClr val="bg1"/>
-                </a:solidFill>
-              </a:rPr>
-              <a:t>Building Personal Websites</a:t>
-            </a:r>
-          </a:p>
-        </p:txBody>
-      </p:sp>
-      <p:sp>
-        <p:nvSpPr>
-          <p:cNvPr id="6" name="Rectangle 5">
-            <a:extLst>
-              <a:ext uri="{FF2B5EF4-FFF2-40B4-BE49-F238E27FC236}">
-                <a16:creationId xmlns:a16="http://schemas.microsoft.com/office/drawing/2014/main" id="{40845236-8634-4353-BA0D-8817FE36EC7A}"/>
+            <a:endParaRPr lang="en-US" dirty="0">
+              <a:solidFill>
+                <a:schemeClr val="tx1"/>
+              </a:solidFill>
+            </a:endParaRPr>
+          </a:p>
+        </p:txBody>
+      </p:sp>
+      <p:sp>
+        <p:nvSpPr>
+          <p:cNvPr id="4" name="Rectangle 3">
+            <a:extLst>
+              <a:ext uri="{FF2B5EF4-FFF2-40B4-BE49-F238E27FC236}">
+                <a16:creationId xmlns:a16="http://schemas.microsoft.com/office/drawing/2014/main" id="{678F1DA2-2833-49FF-9287-44720AC6C8D2}"/>
               </a:ext>
             </a:extLst>
           </p:cNvPr>
@@ -5933,14 +5459,14 @@
         </p:nvSpPr>
         <p:spPr>
           <a:xfrm>
-            <a:off x="9921514" y="6581001"/>
-            <a:ext cx="2270485" cy="276999"/>
+            <a:off x="0" y="6581001"/>
+            <a:ext cx="9976268" cy="276999"/>
           </a:xfrm>
           <a:prstGeom prst="rect">
             <a:avLst/>
           </a:prstGeom>
           <a:solidFill>
-            <a:srgbClr val="00B0F0"/>
+            <a:srgbClr val="92D050"/>
           </a:solidFill>
           <a:ln>
             <a:noFill/>
@@ -5973,10 +5499,10 @@
       </p:sp>
       <p:sp>
         <p:nvSpPr>
-          <p:cNvPr id="8" name="TextBox 7">
-            <a:extLst>
-              <a:ext uri="{FF2B5EF4-FFF2-40B4-BE49-F238E27FC236}">
-                <a16:creationId xmlns:a16="http://schemas.microsoft.com/office/drawing/2014/main" id="{6403EA4A-E7EB-4525-B0D2-13B3997D5780}"/>
+          <p:cNvPr id="5" name="TextBox 4">
+            <a:extLst>
+              <a:ext uri="{FF2B5EF4-FFF2-40B4-BE49-F238E27FC236}">
+                <a16:creationId xmlns:a16="http://schemas.microsoft.com/office/drawing/2014/main" id="{9758F7A4-2143-4CCD-B8B3-8B4A1461ECF9}"/>
               </a:ext>
             </a:extLst>
           </p:cNvPr>
@@ -5985,7 +5511,7 @@
         </p:nvSpPr>
         <p:spPr>
           <a:xfrm>
-            <a:off x="9958188" y="6578787"/>
+            <a:off x="36674" y="6583215"/>
             <a:ext cx="2682077" cy="276999"/>
           </a:xfrm>
           <a:prstGeom prst="rect">
@@ -6005,17 +5531,17 @@
                   <a:schemeClr val="bg1"/>
                 </a:solidFill>
               </a:rPr>
-              <a:t>Lecture 03 | HTML Content</a:t>
-            </a:r>
-          </a:p>
-        </p:txBody>
-      </p:sp>
-      <p:sp>
-        <p:nvSpPr>
-          <p:cNvPr id="10" name="Rectangle 9">
-            <a:extLst>
-              <a:ext uri="{FF2B5EF4-FFF2-40B4-BE49-F238E27FC236}">
-                <a16:creationId xmlns:a16="http://schemas.microsoft.com/office/drawing/2014/main" id="{C1104CCC-8B38-3944-8A1A-D62DDB9C05EA}"/>
+              <a:t>Building Personal Websites</a:t>
+            </a:r>
+          </a:p>
+        </p:txBody>
+      </p:sp>
+      <p:sp>
+        <p:nvSpPr>
+          <p:cNvPr id="6" name="Rectangle 5">
+            <a:extLst>
+              <a:ext uri="{FF2B5EF4-FFF2-40B4-BE49-F238E27FC236}">
+                <a16:creationId xmlns:a16="http://schemas.microsoft.com/office/drawing/2014/main" id="{40845236-8634-4353-BA0D-8817FE36EC7A}"/>
               </a:ext>
             </a:extLst>
           </p:cNvPr>
@@ -6024,23 +5550,17 @@
         </p:nvSpPr>
         <p:spPr>
           <a:xfrm>
-            <a:off x="614911" y="1963832"/>
-            <a:ext cx="10602438" cy="1045182"/>
+            <a:off x="9921514" y="6581001"/>
+            <a:ext cx="2270485" cy="276999"/>
           </a:xfrm>
           <a:prstGeom prst="rect">
             <a:avLst/>
           </a:prstGeom>
           <a:solidFill>
-            <a:schemeClr val="bg1">
-              <a:lumMod val="95000"/>
-            </a:schemeClr>
+            <a:srgbClr val="00B0F0"/>
           </a:solidFill>
-          <a:ln w="3175">
-            <a:solidFill>
-              <a:schemeClr val="bg1">
-                <a:lumMod val="85000"/>
-              </a:schemeClr>
-            </a:solidFill>
+          <a:ln>
+            <a:noFill/>
           </a:ln>
         </p:spPr>
         <p:style>
@@ -6063,46 +5583,17 @@
           <a:bodyPr rtlCol="0" anchor="ctr"/>
           <a:lstStyle/>
           <a:p>
-            <a:pPr lvl="1"/>
-            <a:r>
-              <a:rPr lang="en-US" dirty="0">
-                <a:solidFill>
-                  <a:schemeClr val="tx1"/>
-                </a:solidFill>
-              </a:rPr>
-              <a:t>.classy-text {</a:t>
-            </a:r>
-          </a:p>
-          <a:p>
-            <a:pPr lvl="1"/>
-            <a:r>
-              <a:rPr lang="en-US" dirty="0">
-                <a:solidFill>
-                  <a:schemeClr val="tx1"/>
-                </a:solidFill>
-              </a:rPr>
-              <a:t>	color: orange;</a:t>
-            </a:r>
-          </a:p>
-          <a:p>
-            <a:pPr lvl="1"/>
-            <a:r>
-              <a:rPr lang="en-US" dirty="0">
-                <a:solidFill>
-                  <a:schemeClr val="tx1"/>
-                </a:solidFill>
-              </a:rPr>
-              <a:t>}</a:t>
-            </a:r>
-          </a:p>
-        </p:txBody>
-      </p:sp>
-      <p:sp>
-        <p:nvSpPr>
-          <p:cNvPr id="15" name="TextBox 14">
-            <a:extLst>
-              <a:ext uri="{FF2B5EF4-FFF2-40B4-BE49-F238E27FC236}">
-                <a16:creationId xmlns:a16="http://schemas.microsoft.com/office/drawing/2014/main" id="{1F855BD4-C05C-5C4A-AA69-314750DD551A}"/>
+            <a:pPr algn="ctr"/>
+            <a:endParaRPr lang="en-US" dirty="0"/>
+          </a:p>
+        </p:txBody>
+      </p:sp>
+      <p:sp>
+        <p:nvSpPr>
+          <p:cNvPr id="8" name="TextBox 7">
+            <a:extLst>
+              <a:ext uri="{FF2B5EF4-FFF2-40B4-BE49-F238E27FC236}">
+                <a16:creationId xmlns:a16="http://schemas.microsoft.com/office/drawing/2014/main" id="{6403EA4A-E7EB-4525-B0D2-13B3997D5780}"/>
               </a:ext>
             </a:extLst>
           </p:cNvPr>
@@ -6111,8 +5602,8 @@
         </p:nvSpPr>
         <p:spPr>
           <a:xfrm>
-            <a:off x="614911" y="1487243"/>
-            <a:ext cx="4216924" cy="400110"/>
+            <a:off x="9958188" y="6578787"/>
+            <a:ext cx="2682077" cy="276999"/>
           </a:xfrm>
           <a:prstGeom prst="rect">
             <a:avLst/>
@@ -6120,29 +5611,107 @@
           <a:noFill/>
         </p:spPr>
         <p:txBody>
-          <a:bodyPr wrap="none" rtlCol="0">
+          <a:bodyPr wrap="square" rtlCol="0">
             <a:spAutoFit/>
           </a:bodyPr>
           <a:lstStyle/>
           <a:p>
             <a:r>
-              <a:rPr lang="en-US" sz="2000" dirty="0"/>
-              <a:t>Say we define the following in </a:t>
-            </a:r>
-            <a:r>
-              <a:rPr lang="en-US" sz="2000" dirty="0" err="1"/>
-              <a:t>style.css</a:t>
-            </a:r>
-            <a:endParaRPr lang="en-US" sz="2000" dirty="0"/>
-          </a:p>
-        </p:txBody>
-      </p:sp>
-      <p:sp>
-        <p:nvSpPr>
-          <p:cNvPr id="16" name="Rectangle 15">
-            <a:extLst>
-              <a:ext uri="{FF2B5EF4-FFF2-40B4-BE49-F238E27FC236}">
-                <a16:creationId xmlns:a16="http://schemas.microsoft.com/office/drawing/2014/main" id="{1BF9D546-67AE-7949-9016-5768465F47D3}"/>
+              <a:rPr lang="en-US" sz="1200" dirty="0">
+                <a:solidFill>
+                  <a:schemeClr val="bg1"/>
+                </a:solidFill>
+              </a:rPr>
+              <a:t>Lecture 03 | HTML Content</a:t>
+            </a:r>
+          </a:p>
+        </p:txBody>
+      </p:sp>
+      <p:sp>
+        <p:nvSpPr>
+          <p:cNvPr id="18" name="TextBox 17">
+            <a:extLst>
+              <a:ext uri="{FF2B5EF4-FFF2-40B4-BE49-F238E27FC236}">
+                <a16:creationId xmlns:a16="http://schemas.microsoft.com/office/drawing/2014/main" id="{DC7FB4FA-0B22-2145-A867-EBEC90848B89}"/>
+              </a:ext>
+            </a:extLst>
+          </p:cNvPr>
+          <p:cNvSpPr txBox="1"/>
+          <p:nvPr/>
+        </p:nvSpPr>
+        <p:spPr>
+          <a:xfrm>
+            <a:off x="4104170" y="10633"/>
+            <a:ext cx="3880884" cy="1003031"/>
+          </a:xfrm>
+          <a:prstGeom prst="rect">
+            <a:avLst/>
+          </a:prstGeom>
+          <a:noFill/>
+        </p:spPr>
+        <p:txBody>
+          <a:bodyPr wrap="square" rtlCol="0">
+            <a:spAutoFit/>
+          </a:bodyPr>
+          <a:lstStyle/>
+          <a:p>
+            <a:pPr algn="ctr">
+              <a:lnSpc>
+                <a:spcPct val="150000"/>
+              </a:lnSpc>
+            </a:pPr>
+            <a:r>
+              <a:rPr lang="en-US" sz="4400" dirty="0"/>
+              <a:t>Classes &amp; IDs</a:t>
+            </a:r>
+          </a:p>
+        </p:txBody>
+      </p:sp>
+      <p:cxnSp>
+        <p:nvCxnSpPr>
+          <p:cNvPr id="19" name="Straight Connector 18">
+            <a:extLst>
+              <a:ext uri="{FF2B5EF4-FFF2-40B4-BE49-F238E27FC236}">
+                <a16:creationId xmlns:a16="http://schemas.microsoft.com/office/drawing/2014/main" id="{A255D059-2DD1-DE4B-A98E-9692828D118A}"/>
+              </a:ext>
+            </a:extLst>
+          </p:cNvPr>
+          <p:cNvCxnSpPr>
+            <a:cxnSpLocks/>
+          </p:cNvCxnSpPr>
+          <p:nvPr/>
+        </p:nvCxnSpPr>
+        <p:spPr>
+          <a:xfrm>
+            <a:off x="5730956" y="1013664"/>
+            <a:ext cx="419986" cy="0"/>
+          </a:xfrm>
+          <a:prstGeom prst="line">
+            <a:avLst/>
+          </a:prstGeom>
+          <a:ln w="28575"/>
+        </p:spPr>
+        <p:style>
+          <a:lnRef idx="1">
+            <a:schemeClr val="dk1"/>
+          </a:lnRef>
+          <a:fillRef idx="0">
+            <a:schemeClr val="dk1"/>
+          </a:fillRef>
+          <a:effectRef idx="0">
+            <a:schemeClr val="dk1"/>
+          </a:effectRef>
+          <a:fontRef idx="minor">
+            <a:schemeClr val="tx1"/>
+          </a:fontRef>
+        </p:style>
+      </p:cxnSp>
+      <p:sp>
+        <p:nvSpPr>
+          <p:cNvPr id="13" name="Rectangle 12">
+            <a:extLst>
+              <a:ext uri="{FF2B5EF4-FFF2-40B4-BE49-F238E27FC236}">
+                <a16:creationId xmlns:a16="http://schemas.microsoft.com/office/drawing/2014/main" id="{0AC11739-B125-B141-BFF7-59EE8FB77CBC}"/>
               </a:ext>
             </a:extLst>
           </p:cNvPr>
@@ -6151,7 +5720,7 @@
         </p:nvSpPr>
         <p:spPr>
           <a:xfrm>
-            <a:off x="614911" y="3136396"/>
+            <a:off x="614911" y="2111959"/>
             <a:ext cx="10602438" cy="1045182"/>
           </a:xfrm>
           <a:prstGeom prst="rect">
@@ -6190,178 +5759,12 @@
           <a:bodyPr rtlCol="0" anchor="ctr"/>
           <a:lstStyle/>
           <a:p>
-            <a:pPr lvl="1"/>
             <a:r>
               <a:rPr lang="en-US" dirty="0">
                 <a:solidFill>
                   <a:schemeClr val="tx1"/>
                 </a:solidFill>
               </a:rPr>
-              <a:t>.italic-text {</a:t>
-            </a:r>
-          </a:p>
-          <a:p>
-            <a:pPr lvl="1"/>
-            <a:r>
-              <a:rPr lang="en-US" dirty="0">
-                <a:solidFill>
-                  <a:schemeClr val="tx1"/>
-                </a:solidFill>
-              </a:rPr>
-              <a:t>	color: italic;</a:t>
-            </a:r>
-          </a:p>
-          <a:p>
-            <a:pPr lvl="1"/>
-            <a:r>
-              <a:rPr lang="en-US" dirty="0">
-                <a:solidFill>
-                  <a:schemeClr val="tx1"/>
-                </a:solidFill>
-              </a:rPr>
-              <a:t>}</a:t>
-            </a:r>
-          </a:p>
-        </p:txBody>
-      </p:sp>
-      <p:sp>
-        <p:nvSpPr>
-          <p:cNvPr id="18" name="TextBox 17">
-            <a:extLst>
-              <a:ext uri="{FF2B5EF4-FFF2-40B4-BE49-F238E27FC236}">
-                <a16:creationId xmlns:a16="http://schemas.microsoft.com/office/drawing/2014/main" id="{DC7FB4FA-0B22-2145-A867-EBEC90848B89}"/>
-              </a:ext>
-            </a:extLst>
-          </p:cNvPr>
-          <p:cNvSpPr txBox="1"/>
-          <p:nvPr/>
-        </p:nvSpPr>
-        <p:spPr>
-          <a:xfrm>
-            <a:off x="4104170" y="10633"/>
-            <a:ext cx="3880884" cy="1003031"/>
-          </a:xfrm>
-          <a:prstGeom prst="rect">
-            <a:avLst/>
-          </a:prstGeom>
-          <a:noFill/>
-        </p:spPr>
-        <p:txBody>
-          <a:bodyPr wrap="square" rtlCol="0">
-            <a:spAutoFit/>
-          </a:bodyPr>
-          <a:lstStyle/>
-          <a:p>
-            <a:pPr algn="ctr">
-              <a:lnSpc>
-                <a:spcPct val="150000"/>
-              </a:lnSpc>
-            </a:pPr>
-            <a:r>
-              <a:rPr lang="en-US" sz="4400" dirty="0"/>
-              <a:t>Classes &amp; IDs</a:t>
-            </a:r>
-          </a:p>
-        </p:txBody>
-      </p:sp>
-      <p:cxnSp>
-        <p:nvCxnSpPr>
-          <p:cNvPr id="19" name="Straight Connector 18">
-            <a:extLst>
-              <a:ext uri="{FF2B5EF4-FFF2-40B4-BE49-F238E27FC236}">
-                <a16:creationId xmlns:a16="http://schemas.microsoft.com/office/drawing/2014/main" id="{A255D059-2DD1-DE4B-A98E-9692828D118A}"/>
-              </a:ext>
-            </a:extLst>
-          </p:cNvPr>
-          <p:cNvCxnSpPr>
-            <a:cxnSpLocks/>
-          </p:cNvCxnSpPr>
-          <p:nvPr/>
-        </p:nvCxnSpPr>
-        <p:spPr>
-          <a:xfrm>
-            <a:off x="5730956" y="1013664"/>
-            <a:ext cx="419986" cy="0"/>
-          </a:xfrm>
-          <a:prstGeom prst="line">
-            <a:avLst/>
-          </a:prstGeom>
-          <a:ln w="28575"/>
-        </p:spPr>
-        <p:style>
-          <a:lnRef idx="1">
-            <a:schemeClr val="dk1"/>
-          </a:lnRef>
-          <a:fillRef idx="0">
-            <a:schemeClr val="dk1"/>
-          </a:fillRef>
-          <a:effectRef idx="0">
-            <a:schemeClr val="dk1"/>
-          </a:effectRef>
-          <a:fontRef idx="minor">
-            <a:schemeClr val="tx1"/>
-          </a:fontRef>
-        </p:style>
-      </p:cxnSp>
-      <p:sp>
-        <p:nvSpPr>
-          <p:cNvPr id="13" name="Rectangle 12">
-            <a:extLst>
-              <a:ext uri="{FF2B5EF4-FFF2-40B4-BE49-F238E27FC236}">
-                <a16:creationId xmlns:a16="http://schemas.microsoft.com/office/drawing/2014/main" id="{0AC11739-B125-B141-BFF7-59EE8FB77CBC}"/>
-              </a:ext>
-            </a:extLst>
-          </p:cNvPr>
-          <p:cNvSpPr/>
-          <p:nvPr/>
-        </p:nvSpPr>
-        <p:spPr>
-          <a:xfrm>
-            <a:off x="614911" y="4982750"/>
-            <a:ext cx="10602438" cy="1045182"/>
-          </a:xfrm>
-          <a:prstGeom prst="rect">
-            <a:avLst/>
-          </a:prstGeom>
-          <a:solidFill>
-            <a:schemeClr val="bg1">
-              <a:lumMod val="95000"/>
-            </a:schemeClr>
-          </a:solidFill>
-          <a:ln w="3175">
-            <a:solidFill>
-              <a:schemeClr val="bg1">
-                <a:lumMod val="85000"/>
-              </a:schemeClr>
-            </a:solidFill>
-          </a:ln>
-        </p:spPr>
-        <p:style>
-          <a:lnRef idx="2">
-            <a:schemeClr val="accent1">
-              <a:shade val="50000"/>
-            </a:schemeClr>
-          </a:lnRef>
-          <a:fillRef idx="1">
-            <a:schemeClr val="accent1"/>
-          </a:fillRef>
-          <a:effectRef idx="0">
-            <a:schemeClr val="accent1"/>
-          </a:effectRef>
-          <a:fontRef idx="minor">
-            <a:schemeClr val="lt1"/>
-          </a:fontRef>
-        </p:style>
-        <p:txBody>
-          <a:bodyPr rtlCol="0" anchor="ctr"/>
-          <a:lstStyle/>
-          <a:p>
-            <a:r>
-              <a:rPr lang="en-US" dirty="0">
-                <a:solidFill>
-                  <a:schemeClr val="tx1"/>
-                </a:solidFill>
-              </a:rPr>
               <a:t>         &lt;</a:t>
             </a:r>
             <a:r>
@@ -6378,7 +5781,7 @@
                   <a:schemeClr val="accent2"/>
                 </a:solidFill>
               </a:rPr>
-              <a:t>class=‘classy-text italic-text’</a:t>
+              <a:t>class=classy-text</a:t>
             </a:r>
             <a:r>
               <a:rPr lang="en-US" dirty="0">
@@ -6404,7 +5807,7 @@
                   </a:schemeClr>
                 </a:solidFill>
               </a:rPr>
-              <a:t>I’ve got multiple classes</a:t>
+              <a:t>I’ve got class</a:t>
             </a:r>
             <a:r>
               <a:rPr lang="en-US" dirty="0">
@@ -6439,6 +5842,174 @@
               <a:t>&gt;</a:t>
             </a:r>
           </a:p>
+          <a:p>
+            <a:r>
+              <a:rPr lang="en-US" dirty="0">
+                <a:solidFill>
+                  <a:schemeClr val="tx1"/>
+                </a:solidFill>
+              </a:rPr>
+              <a:t>         &lt;</a:t>
+            </a:r>
+            <a:r>
+              <a:rPr lang="en-US" dirty="0">
+                <a:solidFill>
+                  <a:srgbClr val="FF0000"/>
+                </a:solidFill>
+              </a:rPr>
+              <a:t>p </a:t>
+            </a:r>
+            <a:r>
+              <a:rPr lang="en-US" dirty="0">
+                <a:solidFill>
+                  <a:schemeClr val="accent2"/>
+                </a:solidFill>
+              </a:rPr>
+              <a:t>id=id-text</a:t>
+            </a:r>
+            <a:r>
+              <a:rPr lang="en-US" dirty="0">
+                <a:solidFill>
+                  <a:schemeClr val="tx1"/>
+                </a:solidFill>
+              </a:rPr>
+              <a:t>&gt;</a:t>
+            </a:r>
+            <a:r>
+              <a:rPr lang="en-US" dirty="0">
+                <a:solidFill>
+                  <a:srgbClr val="00B050"/>
+                </a:solidFill>
+              </a:rPr>
+              <a:t> </a:t>
+            </a:r>
+            <a:r>
+              <a:rPr lang="en-US" dirty="0">
+                <a:solidFill>
+                  <a:schemeClr val="accent4">
+                    <a:lumMod val="75000"/>
+                  </a:schemeClr>
+                </a:solidFill>
+              </a:rPr>
+              <a:t>I’ve got no class</a:t>
+            </a:r>
+            <a:r>
+              <a:rPr lang="en-US" dirty="0">
+                <a:solidFill>
+                  <a:srgbClr val="00B050"/>
+                </a:solidFill>
+              </a:rPr>
+              <a:t> </a:t>
+            </a:r>
+            <a:r>
+              <a:rPr lang="en-US" dirty="0">
+                <a:solidFill>
+                  <a:schemeClr val="tx1"/>
+                </a:solidFill>
+              </a:rPr>
+              <a:t>&lt;/</a:t>
+            </a:r>
+            <a:r>
+              <a:rPr lang="en-US" dirty="0">
+                <a:solidFill>
+                  <a:srgbClr val="FF0000"/>
+                </a:solidFill>
+              </a:rPr>
+              <a:t>p</a:t>
+            </a:r>
+            <a:r>
+              <a:rPr lang="en-US" dirty="0">
+                <a:solidFill>
+                  <a:schemeClr val="tx1"/>
+                </a:solidFill>
+              </a:rPr>
+              <a:t>&gt;</a:t>
+            </a:r>
+          </a:p>
+          <a:p>
+            <a:r>
+              <a:rPr lang="en-US" dirty="0">
+                <a:solidFill>
+                  <a:schemeClr val="tx1"/>
+                </a:solidFill>
+              </a:rPr>
+              <a:t>         &lt;</a:t>
+            </a:r>
+            <a:r>
+              <a:rPr lang="en-US" dirty="0">
+                <a:solidFill>
+                  <a:srgbClr val="FF0000"/>
+                </a:solidFill>
+              </a:rPr>
+              <a:t>p </a:t>
+            </a:r>
+            <a:r>
+              <a:rPr lang="en-US" dirty="0">
+                <a:solidFill>
+                  <a:schemeClr val="accent2"/>
+                </a:solidFill>
+              </a:rPr>
+              <a:t>class=classy-text</a:t>
+            </a:r>
+            <a:r>
+              <a:rPr lang="en-US" dirty="0">
+                <a:solidFill>
+                  <a:schemeClr val="tx1"/>
+                </a:solidFill>
+              </a:rPr>
+              <a:t>&gt;</a:t>
+            </a:r>
+            <a:r>
+              <a:rPr lang="en-US" dirty="0">
+                <a:solidFill>
+                  <a:srgbClr val="00B050"/>
+                </a:solidFill>
+              </a:rPr>
+              <a:t> </a:t>
+            </a:r>
+            <a:r>
+              <a:rPr lang="en-US" dirty="0">
+                <a:solidFill>
+                  <a:schemeClr val="accent4">
+                    <a:lumMod val="75000"/>
+                  </a:schemeClr>
+                </a:solidFill>
+              </a:rPr>
+              <a:t>I’ve also got class</a:t>
+            </a:r>
+            <a:r>
+              <a:rPr lang="en-US" dirty="0">
+                <a:solidFill>
+                  <a:srgbClr val="00B050"/>
+                </a:solidFill>
+              </a:rPr>
+              <a:t> </a:t>
+            </a:r>
+            <a:r>
+              <a:rPr lang="en-US" dirty="0">
+                <a:solidFill>
+                  <a:schemeClr val="tx1"/>
+                </a:solidFill>
+              </a:rPr>
+              <a:t>&lt;/</a:t>
+            </a:r>
+            <a:r>
+              <a:rPr lang="en-US" dirty="0">
+                <a:solidFill>
+                  <a:srgbClr val="FF0000"/>
+                </a:solidFill>
+              </a:rPr>
+              <a:t>p</a:t>
+            </a:r>
+            <a:r>
+              <a:rPr lang="en-US" dirty="0">
+                <a:solidFill>
+                  <a:schemeClr val="tx1"/>
+                </a:solidFill>
+              </a:rPr>
+              <a:t>&gt;</a:t>
+            </a:r>
+          </a:p>
         </p:txBody>
       </p:sp>
       <p:sp>
@@ -6455,7 +6026,7 @@
         </p:nvSpPr>
         <p:spPr>
           <a:xfrm>
-            <a:off x="614911" y="4506161"/>
+            <a:off x="614911" y="1616585"/>
             <a:ext cx="6361934" cy="400110"/>
           </a:xfrm>
           <a:prstGeom prst="rect">
@@ -6484,10 +6055,57 @@
           </a:p>
         </p:txBody>
       </p:sp>
+      <p:pic>
+        <p:nvPicPr>
+          <p:cNvPr id="17" name="Picture 2" descr="https://i.gyazo.com/a67aca35a592d69979cc3d11bb7baecf.png">
+            <a:extLst>
+              <a:ext uri="{FF2B5EF4-FFF2-40B4-BE49-F238E27FC236}">
+                <a16:creationId xmlns:a16="http://schemas.microsoft.com/office/drawing/2014/main" id="{2F41BD1A-A090-5D47-8B5C-BF015CB54FD7}"/>
+              </a:ext>
+            </a:extLst>
+          </p:cNvPr>
+          <p:cNvPicPr>
+            <a:picLocks noChangeAspect="1" noChangeArrowheads="1"/>
+          </p:cNvPicPr>
+          <p:nvPr/>
+        </p:nvPicPr>
+        <p:blipFill>
+          <a:blip r:embed="rId2">
+            <a:extLst>
+              <a:ext uri="{28A0092B-C50C-407E-A947-70E740481C1C}">
+                <a14:useLocalDpi xmlns:a14="http://schemas.microsoft.com/office/drawing/2010/main" val="0"/>
+              </a:ext>
+            </a:extLst>
+          </a:blip>
+          <a:srcRect/>
+          <a:stretch>
+            <a:fillRect/>
+          </a:stretch>
+        </p:blipFill>
+        <p:spPr bwMode="auto">
+          <a:xfrm>
+            <a:off x="613726" y="3852404"/>
+            <a:ext cx="2105025" cy="1543050"/>
+          </a:xfrm>
+          <a:prstGeom prst="rect">
+            <a:avLst/>
+          </a:prstGeom>
+          <a:noFill/>
+          <a:extLst>
+            <a:ext uri="{909E8E84-426E-40DD-AFC4-6F175D3DCCD1}">
+              <a14:hiddenFill xmlns:a14="http://schemas.microsoft.com/office/drawing/2010/main">
+                <a:solidFill>
+                  <a:srgbClr val="FFFFFF"/>
+                </a:solidFill>
+              </a14:hiddenFill>
+            </a:ext>
+          </a:extLst>
+        </p:spPr>
+      </p:pic>
     </p:spTree>
     <p:extLst>
       <p:ext uri="{BB962C8B-B14F-4D97-AF65-F5344CB8AC3E}">
-        <p14:creationId xmlns:p14="http://schemas.microsoft.com/office/powerpoint/2010/main" val="148413197"/>
+        <p14:creationId xmlns:p14="http://schemas.microsoft.com/office/powerpoint/2010/main" val="535162909"/>
       </p:ext>
     </p:extLst>
   </p:cSld>
@@ -6524,10 +6142,10 @@
       </p:grpSpPr>
       <p:sp>
         <p:nvSpPr>
-          <p:cNvPr id="20" name="Rectangle 19">
-            <a:extLst>
-              <a:ext uri="{FF2B5EF4-FFF2-40B4-BE49-F238E27FC236}">
-                <a16:creationId xmlns:a16="http://schemas.microsoft.com/office/drawing/2014/main" id="{B6D17126-816A-2C43-878A-63F3D2097939}"/>
+          <p:cNvPr id="4" name="Rectangle 3">
+            <a:extLst>
+              <a:ext uri="{FF2B5EF4-FFF2-40B4-BE49-F238E27FC236}">
+                <a16:creationId xmlns:a16="http://schemas.microsoft.com/office/drawing/2014/main" id="{678F1DA2-2833-49FF-9287-44720AC6C8D2}"/>
               </a:ext>
             </a:extLst>
           </p:cNvPr>
@@ -6536,16 +6154,16 @@
         </p:nvSpPr>
         <p:spPr>
           <a:xfrm>
-            <a:off x="613726" y="3857404"/>
-            <a:ext cx="10602438" cy="1543049"/>
+            <a:off x="0" y="6581001"/>
+            <a:ext cx="9976268" cy="276999"/>
           </a:xfrm>
           <a:prstGeom prst="rect">
             <a:avLst/>
           </a:prstGeom>
           <a:solidFill>
-            <a:schemeClr val="bg1"/>
+            <a:srgbClr val="92D050"/>
           </a:solidFill>
-          <a:ln w="3175">
+          <a:ln>
             <a:noFill/>
           </a:ln>
         </p:spPr>
@@ -6569,20 +6187,56 @@
           <a:bodyPr rtlCol="0" anchor="ctr"/>
           <a:lstStyle/>
           <a:p>
-            <a:endParaRPr lang="en-US" dirty="0">
-              <a:solidFill>
-                <a:schemeClr val="tx1"/>
-              </a:solidFill>
-            </a:endParaRPr>
-          </a:p>
-        </p:txBody>
-      </p:sp>
-      <p:sp>
-        <p:nvSpPr>
-          <p:cNvPr id="4" name="Rectangle 3">
-            <a:extLst>
-              <a:ext uri="{FF2B5EF4-FFF2-40B4-BE49-F238E27FC236}">
-                <a16:creationId xmlns:a16="http://schemas.microsoft.com/office/drawing/2014/main" id="{678F1DA2-2833-49FF-9287-44720AC6C8D2}"/>
+            <a:pPr algn="ctr"/>
+            <a:endParaRPr lang="en-US" dirty="0"/>
+          </a:p>
+        </p:txBody>
+      </p:sp>
+      <p:sp>
+        <p:nvSpPr>
+          <p:cNvPr id="5" name="TextBox 4">
+            <a:extLst>
+              <a:ext uri="{FF2B5EF4-FFF2-40B4-BE49-F238E27FC236}">
+                <a16:creationId xmlns:a16="http://schemas.microsoft.com/office/drawing/2014/main" id="{9758F7A4-2143-4CCD-B8B3-8B4A1461ECF9}"/>
+              </a:ext>
+            </a:extLst>
+          </p:cNvPr>
+          <p:cNvSpPr txBox="1"/>
+          <p:nvPr/>
+        </p:nvSpPr>
+        <p:spPr>
+          <a:xfrm>
+            <a:off x="36674" y="6583215"/>
+            <a:ext cx="2682077" cy="276999"/>
+          </a:xfrm>
+          <a:prstGeom prst="rect">
+            <a:avLst/>
+          </a:prstGeom>
+          <a:noFill/>
+        </p:spPr>
+        <p:txBody>
+          <a:bodyPr wrap="square" rtlCol="0">
+            <a:spAutoFit/>
+          </a:bodyPr>
+          <a:lstStyle/>
+          <a:p>
+            <a:r>
+              <a:rPr lang="en-US" sz="1200" dirty="0">
+                <a:solidFill>
+                  <a:schemeClr val="bg1"/>
+                </a:solidFill>
+              </a:rPr>
+              <a:t>Building Personal Websites</a:t>
+            </a:r>
+          </a:p>
+        </p:txBody>
+      </p:sp>
+      <p:sp>
+        <p:nvSpPr>
+          <p:cNvPr id="6" name="Rectangle 5">
+            <a:extLst>
+              <a:ext uri="{FF2B5EF4-FFF2-40B4-BE49-F238E27FC236}">
+                <a16:creationId xmlns:a16="http://schemas.microsoft.com/office/drawing/2014/main" id="{40845236-8634-4353-BA0D-8817FE36EC7A}"/>
               </a:ext>
             </a:extLst>
           </p:cNvPr>
@@ -6591,14 +6245,14 @@
         </p:nvSpPr>
         <p:spPr>
           <a:xfrm>
-            <a:off x="0" y="6581001"/>
-            <a:ext cx="9976268" cy="276999"/>
+            <a:off x="9921514" y="6581001"/>
+            <a:ext cx="2270485" cy="276999"/>
           </a:xfrm>
           <a:prstGeom prst="rect">
             <a:avLst/>
           </a:prstGeom>
           <a:solidFill>
-            <a:srgbClr val="92D050"/>
+            <a:srgbClr val="00B0F0"/>
           </a:solidFill>
           <a:ln>
             <a:noFill/>
@@ -6631,10 +6285,10 @@
       </p:sp>
       <p:sp>
         <p:nvSpPr>
-          <p:cNvPr id="5" name="TextBox 4">
-            <a:extLst>
-              <a:ext uri="{FF2B5EF4-FFF2-40B4-BE49-F238E27FC236}">
-                <a16:creationId xmlns:a16="http://schemas.microsoft.com/office/drawing/2014/main" id="{9758F7A4-2143-4CCD-B8B3-8B4A1461ECF9}"/>
+          <p:cNvPr id="8" name="TextBox 7">
+            <a:extLst>
+              <a:ext uri="{FF2B5EF4-FFF2-40B4-BE49-F238E27FC236}">
+                <a16:creationId xmlns:a16="http://schemas.microsoft.com/office/drawing/2014/main" id="{6403EA4A-E7EB-4525-B0D2-13B3997D5780}"/>
               </a:ext>
             </a:extLst>
           </p:cNvPr>
@@ -6643,7 +6297,7 @@
         </p:nvSpPr>
         <p:spPr>
           <a:xfrm>
-            <a:off x="36674" y="6583215"/>
+            <a:off x="9958188" y="6578787"/>
             <a:ext cx="2682077" cy="276999"/>
           </a:xfrm>
           <a:prstGeom prst="rect">
@@ -6663,17 +6317,17 @@
                   <a:schemeClr val="bg1"/>
                 </a:solidFill>
               </a:rPr>
-              <a:t>Building Personal Websites</a:t>
-            </a:r>
-          </a:p>
-        </p:txBody>
-      </p:sp>
-      <p:sp>
-        <p:nvSpPr>
-          <p:cNvPr id="6" name="Rectangle 5">
-            <a:extLst>
-              <a:ext uri="{FF2B5EF4-FFF2-40B4-BE49-F238E27FC236}">
-                <a16:creationId xmlns:a16="http://schemas.microsoft.com/office/drawing/2014/main" id="{40845236-8634-4353-BA0D-8817FE36EC7A}"/>
+              <a:t>Lecture 03 | HTML Content</a:t>
+            </a:r>
+          </a:p>
+        </p:txBody>
+      </p:sp>
+      <p:sp>
+        <p:nvSpPr>
+          <p:cNvPr id="10" name="Rectangle 9">
+            <a:extLst>
+              <a:ext uri="{FF2B5EF4-FFF2-40B4-BE49-F238E27FC236}">
+                <a16:creationId xmlns:a16="http://schemas.microsoft.com/office/drawing/2014/main" id="{C1104CCC-8B38-3944-8A1A-D62DDB9C05EA}"/>
               </a:ext>
             </a:extLst>
           </p:cNvPr>
@@ -6682,17 +6336,23 @@
         </p:nvSpPr>
         <p:spPr>
           <a:xfrm>
-            <a:off x="9921514" y="6581001"/>
-            <a:ext cx="2270485" cy="276999"/>
+            <a:off x="614911" y="1963832"/>
+            <a:ext cx="10602438" cy="1045182"/>
           </a:xfrm>
           <a:prstGeom prst="rect">
             <a:avLst/>
           </a:prstGeom>
           <a:solidFill>
-            <a:srgbClr val="00B0F0"/>
+            <a:schemeClr val="bg1">
+              <a:lumMod val="95000"/>
+            </a:schemeClr>
           </a:solidFill>
-          <a:ln>
-            <a:noFill/>
+          <a:ln w="3175">
+            <a:solidFill>
+              <a:schemeClr val="bg1">
+                <a:lumMod val="85000"/>
+              </a:schemeClr>
+            </a:solidFill>
           </a:ln>
         </p:spPr>
         <p:style>
@@ -6715,17 +6375,46 @@
           <a:bodyPr rtlCol="0" anchor="ctr"/>
           <a:lstStyle/>
           <a:p>
-            <a:pPr algn="ctr"/>
-            <a:endParaRPr lang="en-US" dirty="0"/>
-          </a:p>
-        </p:txBody>
-      </p:sp>
-      <p:sp>
-        <p:nvSpPr>
-          <p:cNvPr id="8" name="TextBox 7">
-            <a:extLst>
-              <a:ext uri="{FF2B5EF4-FFF2-40B4-BE49-F238E27FC236}">
-                <a16:creationId xmlns:a16="http://schemas.microsoft.com/office/drawing/2014/main" id="{6403EA4A-E7EB-4525-B0D2-13B3997D5780}"/>
+            <a:pPr lvl="1"/>
+            <a:r>
+              <a:rPr lang="en-US" dirty="0">
+                <a:solidFill>
+                  <a:schemeClr val="tx1"/>
+                </a:solidFill>
+              </a:rPr>
+              <a:t>.classy-text {</a:t>
+            </a:r>
+          </a:p>
+          <a:p>
+            <a:pPr lvl="1"/>
+            <a:r>
+              <a:rPr lang="en-US" dirty="0">
+                <a:solidFill>
+                  <a:schemeClr val="tx1"/>
+                </a:solidFill>
+              </a:rPr>
+              <a:t>	color: orange;</a:t>
+            </a:r>
+          </a:p>
+          <a:p>
+            <a:pPr lvl="1"/>
+            <a:r>
+              <a:rPr lang="en-US" dirty="0">
+                <a:solidFill>
+                  <a:schemeClr val="tx1"/>
+                </a:solidFill>
+              </a:rPr>
+              <a:t>}</a:t>
+            </a:r>
+          </a:p>
+        </p:txBody>
+      </p:sp>
+      <p:sp>
+        <p:nvSpPr>
+          <p:cNvPr id="15" name="TextBox 14">
+            <a:extLst>
+              <a:ext uri="{FF2B5EF4-FFF2-40B4-BE49-F238E27FC236}">
+                <a16:creationId xmlns:a16="http://schemas.microsoft.com/office/drawing/2014/main" id="{1F855BD4-C05C-5C4A-AA69-314750DD551A}"/>
               </a:ext>
             </a:extLst>
           </p:cNvPr>
@@ -6734,8 +6423,8 @@
         </p:nvSpPr>
         <p:spPr>
           <a:xfrm>
-            <a:off x="9958188" y="6578787"/>
-            <a:ext cx="2682077" cy="276999"/>
+            <a:off x="614911" y="1487243"/>
+            <a:ext cx="4216924" cy="400110"/>
           </a:xfrm>
           <a:prstGeom prst="rect">
             <a:avLst/>
@@ -6743,107 +6432,29 @@
           <a:noFill/>
         </p:spPr>
         <p:txBody>
-          <a:bodyPr wrap="square" rtlCol="0">
+          <a:bodyPr wrap="none" rtlCol="0">
             <a:spAutoFit/>
           </a:bodyPr>
           <a:lstStyle/>
           <a:p>
             <a:r>
-              <a:rPr lang="en-US" sz="1200" dirty="0">
-                <a:solidFill>
-                  <a:schemeClr val="bg1"/>
-                </a:solidFill>
-              </a:rPr>
-              <a:t>Lecture 03 | HTML Content</a:t>
-            </a:r>
-          </a:p>
-        </p:txBody>
-      </p:sp>
-      <p:sp>
-        <p:nvSpPr>
-          <p:cNvPr id="18" name="TextBox 17">
-            <a:extLst>
-              <a:ext uri="{FF2B5EF4-FFF2-40B4-BE49-F238E27FC236}">
-                <a16:creationId xmlns:a16="http://schemas.microsoft.com/office/drawing/2014/main" id="{DC7FB4FA-0B22-2145-A867-EBEC90848B89}"/>
-              </a:ext>
-            </a:extLst>
-          </p:cNvPr>
-          <p:cNvSpPr txBox="1"/>
-          <p:nvPr/>
-        </p:nvSpPr>
-        <p:spPr>
-          <a:xfrm>
-            <a:off x="4104170" y="10633"/>
-            <a:ext cx="3880884" cy="1003031"/>
-          </a:xfrm>
-          <a:prstGeom prst="rect">
-            <a:avLst/>
-          </a:prstGeom>
-          <a:noFill/>
-        </p:spPr>
-        <p:txBody>
-          <a:bodyPr wrap="square" rtlCol="0">
-            <a:spAutoFit/>
-          </a:bodyPr>
-          <a:lstStyle/>
-          <a:p>
-            <a:pPr algn="ctr">
-              <a:lnSpc>
-                <a:spcPct val="150000"/>
-              </a:lnSpc>
-            </a:pPr>
-            <a:r>
-              <a:rPr lang="en-US" sz="4400" dirty="0"/>
-              <a:t>Classes &amp; IDs</a:t>
-            </a:r>
-          </a:p>
-        </p:txBody>
-      </p:sp>
-      <p:cxnSp>
-        <p:nvCxnSpPr>
-          <p:cNvPr id="19" name="Straight Connector 18">
-            <a:extLst>
-              <a:ext uri="{FF2B5EF4-FFF2-40B4-BE49-F238E27FC236}">
-                <a16:creationId xmlns:a16="http://schemas.microsoft.com/office/drawing/2014/main" id="{A255D059-2DD1-DE4B-A98E-9692828D118A}"/>
-              </a:ext>
-            </a:extLst>
-          </p:cNvPr>
-          <p:cNvCxnSpPr>
-            <a:cxnSpLocks/>
-          </p:cNvCxnSpPr>
-          <p:nvPr/>
-        </p:nvCxnSpPr>
-        <p:spPr>
-          <a:xfrm>
-            <a:off x="5730956" y="1013664"/>
-            <a:ext cx="419986" cy="0"/>
-          </a:xfrm>
-          <a:prstGeom prst="line">
-            <a:avLst/>
-          </a:prstGeom>
-          <a:ln w="28575"/>
-        </p:spPr>
-        <p:style>
-          <a:lnRef idx="1">
-            <a:schemeClr val="dk1"/>
-          </a:lnRef>
-          <a:fillRef idx="0">
-            <a:schemeClr val="dk1"/>
-          </a:fillRef>
-          <a:effectRef idx="0">
-            <a:schemeClr val="dk1"/>
-          </a:effectRef>
-          <a:fontRef idx="minor">
-            <a:schemeClr val="tx1"/>
-          </a:fontRef>
-        </p:style>
-      </p:cxnSp>
-      <p:sp>
-        <p:nvSpPr>
-          <p:cNvPr id="13" name="Rectangle 12">
-            <a:extLst>
-              <a:ext uri="{FF2B5EF4-FFF2-40B4-BE49-F238E27FC236}">
-                <a16:creationId xmlns:a16="http://schemas.microsoft.com/office/drawing/2014/main" id="{0AC11739-B125-B141-BFF7-59EE8FB77CBC}"/>
+              <a:rPr lang="en-US" sz="2000" dirty="0"/>
+              <a:t>Say we define the following in </a:t>
+            </a:r>
+            <a:r>
+              <a:rPr lang="en-US" sz="2000" dirty="0" err="1"/>
+              <a:t>style.css</a:t>
+            </a:r>
+            <a:endParaRPr lang="en-US" sz="2000" dirty="0"/>
+          </a:p>
+        </p:txBody>
+      </p:sp>
+      <p:sp>
+        <p:nvSpPr>
+          <p:cNvPr id="16" name="Rectangle 15">
+            <a:extLst>
+              <a:ext uri="{FF2B5EF4-FFF2-40B4-BE49-F238E27FC236}">
+                <a16:creationId xmlns:a16="http://schemas.microsoft.com/office/drawing/2014/main" id="{1BF9D546-67AE-7949-9016-5768465F47D3}"/>
               </a:ext>
             </a:extLst>
           </p:cNvPr>
@@ -6852,7 +6463,7 @@
         </p:nvSpPr>
         <p:spPr>
           <a:xfrm>
-            <a:off x="614911" y="2111959"/>
+            <a:off x="614911" y="3136396"/>
             <a:ext cx="10602438" cy="1045182"/>
           </a:xfrm>
           <a:prstGeom prst="rect">
@@ -6891,6 +6502,172 @@
           <a:bodyPr rtlCol="0" anchor="ctr"/>
           <a:lstStyle/>
           <a:p>
+            <a:pPr lvl="1"/>
+            <a:r>
+              <a:rPr lang="en-US" dirty="0">
+                <a:solidFill>
+                  <a:schemeClr val="tx1"/>
+                </a:solidFill>
+              </a:rPr>
+              <a:t>.italic-text {</a:t>
+            </a:r>
+          </a:p>
+          <a:p>
+            <a:pPr lvl="1"/>
+            <a:r>
+              <a:rPr lang="en-US" dirty="0">
+                <a:solidFill>
+                  <a:schemeClr val="tx1"/>
+                </a:solidFill>
+              </a:rPr>
+              <a:t>	color: italic;</a:t>
+            </a:r>
+          </a:p>
+          <a:p>
+            <a:pPr lvl="1"/>
+            <a:r>
+              <a:rPr lang="en-US" dirty="0">
+                <a:solidFill>
+                  <a:schemeClr val="tx1"/>
+                </a:solidFill>
+              </a:rPr>
+              <a:t>}</a:t>
+            </a:r>
+          </a:p>
+        </p:txBody>
+      </p:sp>
+      <p:sp>
+        <p:nvSpPr>
+          <p:cNvPr id="18" name="TextBox 17">
+            <a:extLst>
+              <a:ext uri="{FF2B5EF4-FFF2-40B4-BE49-F238E27FC236}">
+                <a16:creationId xmlns:a16="http://schemas.microsoft.com/office/drawing/2014/main" id="{DC7FB4FA-0B22-2145-A867-EBEC90848B89}"/>
+              </a:ext>
+            </a:extLst>
+          </p:cNvPr>
+          <p:cNvSpPr txBox="1"/>
+          <p:nvPr/>
+        </p:nvSpPr>
+        <p:spPr>
+          <a:xfrm>
+            <a:off x="4104170" y="10633"/>
+            <a:ext cx="3880884" cy="1003031"/>
+          </a:xfrm>
+          <a:prstGeom prst="rect">
+            <a:avLst/>
+          </a:prstGeom>
+          <a:noFill/>
+        </p:spPr>
+        <p:txBody>
+          <a:bodyPr wrap="square" rtlCol="0">
+            <a:spAutoFit/>
+          </a:bodyPr>
+          <a:lstStyle/>
+          <a:p>
+            <a:pPr algn="ctr">
+              <a:lnSpc>
+                <a:spcPct val="150000"/>
+              </a:lnSpc>
+            </a:pPr>
+            <a:r>
+              <a:rPr lang="en-US" sz="4400" dirty="0"/>
+              <a:t>Classes &amp; IDs</a:t>
+            </a:r>
+          </a:p>
+        </p:txBody>
+      </p:sp>
+      <p:cxnSp>
+        <p:nvCxnSpPr>
+          <p:cNvPr id="19" name="Straight Connector 18">
+            <a:extLst>
+              <a:ext uri="{FF2B5EF4-FFF2-40B4-BE49-F238E27FC236}">
+                <a16:creationId xmlns:a16="http://schemas.microsoft.com/office/drawing/2014/main" id="{A255D059-2DD1-DE4B-A98E-9692828D118A}"/>
+              </a:ext>
+            </a:extLst>
+          </p:cNvPr>
+          <p:cNvCxnSpPr>
+            <a:cxnSpLocks/>
+          </p:cNvCxnSpPr>
+          <p:nvPr/>
+        </p:nvCxnSpPr>
+        <p:spPr>
+          <a:xfrm>
+            <a:off x="5730956" y="1013664"/>
+            <a:ext cx="419986" cy="0"/>
+          </a:xfrm>
+          <a:prstGeom prst="line">
+            <a:avLst/>
+          </a:prstGeom>
+          <a:ln w="28575"/>
+        </p:spPr>
+        <p:style>
+          <a:lnRef idx="1">
+            <a:schemeClr val="dk1"/>
+          </a:lnRef>
+          <a:fillRef idx="0">
+            <a:schemeClr val="dk1"/>
+          </a:fillRef>
+          <a:effectRef idx="0">
+            <a:schemeClr val="dk1"/>
+          </a:effectRef>
+          <a:fontRef idx="minor">
+            <a:schemeClr val="tx1"/>
+          </a:fontRef>
+        </p:style>
+      </p:cxnSp>
+      <p:sp>
+        <p:nvSpPr>
+          <p:cNvPr id="13" name="Rectangle 12">
+            <a:extLst>
+              <a:ext uri="{FF2B5EF4-FFF2-40B4-BE49-F238E27FC236}">
+                <a16:creationId xmlns:a16="http://schemas.microsoft.com/office/drawing/2014/main" id="{0AC11739-B125-B141-BFF7-59EE8FB77CBC}"/>
+              </a:ext>
+            </a:extLst>
+          </p:cNvPr>
+          <p:cNvSpPr/>
+          <p:nvPr/>
+        </p:nvSpPr>
+        <p:spPr>
+          <a:xfrm>
+            <a:off x="614911" y="4982750"/>
+            <a:ext cx="10602438" cy="1045182"/>
+          </a:xfrm>
+          <a:prstGeom prst="rect">
+            <a:avLst/>
+          </a:prstGeom>
+          <a:solidFill>
+            <a:schemeClr val="bg1">
+              <a:lumMod val="95000"/>
+            </a:schemeClr>
+          </a:solidFill>
+          <a:ln w="3175">
+            <a:solidFill>
+              <a:schemeClr val="bg1">
+                <a:lumMod val="85000"/>
+              </a:schemeClr>
+            </a:solidFill>
+          </a:ln>
+        </p:spPr>
+        <p:style>
+          <a:lnRef idx="2">
+            <a:schemeClr val="accent1">
+              <a:shade val="50000"/>
+            </a:schemeClr>
+          </a:lnRef>
+          <a:fillRef idx="1">
+            <a:schemeClr val="accent1"/>
+          </a:fillRef>
+          <a:effectRef idx="0">
+            <a:schemeClr val="accent1"/>
+          </a:effectRef>
+          <a:fontRef idx="minor">
+            <a:schemeClr val="lt1"/>
+          </a:fontRef>
+        </p:style>
+        <p:txBody>
+          <a:bodyPr rtlCol="0" anchor="ctr"/>
+          <a:lstStyle/>
+          <a:p>
             <a:r>
               <a:rPr lang="en-US" dirty="0">
                 <a:solidFill>
@@ -6990,7 +6767,7 @@
         </p:nvSpPr>
         <p:spPr>
           <a:xfrm>
-            <a:off x="614911" y="1647659"/>
+            <a:off x="614911" y="4506161"/>
             <a:ext cx="6361934" cy="400110"/>
           </a:xfrm>
           <a:prstGeom prst="rect">
@@ -7019,57 +6796,10 @@
           </a:p>
         </p:txBody>
       </p:sp>
-      <p:pic>
-        <p:nvPicPr>
-          <p:cNvPr id="12" name="Picture 2" descr="https://i.gyazo.com/e09008fb16075735ae91e94c6c4174f9.png">
-            <a:extLst>
-              <a:ext uri="{FF2B5EF4-FFF2-40B4-BE49-F238E27FC236}">
-                <a16:creationId xmlns:a16="http://schemas.microsoft.com/office/drawing/2014/main" id="{EE1B814E-9CFE-264D-972A-EB1F506949F1}"/>
-              </a:ext>
-            </a:extLst>
-          </p:cNvPr>
-          <p:cNvPicPr>
-            <a:picLocks noChangeAspect="1" noChangeArrowheads="1"/>
-          </p:cNvPicPr>
-          <p:nvPr/>
-        </p:nvPicPr>
-        <p:blipFill>
-          <a:blip r:embed="rId2">
-            <a:extLst>
-              <a:ext uri="{28A0092B-C50C-407E-A947-70E740481C1C}">
-                <a14:useLocalDpi xmlns:a14="http://schemas.microsoft.com/office/drawing/2010/main" val="0"/>
-              </a:ext>
-            </a:extLst>
-          </a:blip>
-          <a:srcRect/>
-          <a:stretch>
-            <a:fillRect/>
-          </a:stretch>
-        </p:blipFill>
-        <p:spPr bwMode="auto">
-          <a:xfrm>
-            <a:off x="718430" y="3985785"/>
-            <a:ext cx="1647825" cy="581025"/>
-          </a:xfrm>
-          <a:prstGeom prst="rect">
-            <a:avLst/>
-          </a:prstGeom>
-          <a:noFill/>
-          <a:extLst>
-            <a:ext uri="{909E8E84-426E-40DD-AFC4-6F175D3DCCD1}">
-              <a14:hiddenFill xmlns:a14="http://schemas.microsoft.com/office/drawing/2010/main">
-                <a:solidFill>
-                  <a:srgbClr val="FFFFFF"/>
-                </a:solidFill>
-              </a14:hiddenFill>
-            </a:ext>
-          </a:extLst>
-        </p:spPr>
-      </p:pic>
     </p:spTree>
     <p:extLst>
       <p:ext uri="{BB962C8B-B14F-4D97-AF65-F5344CB8AC3E}">
-        <p14:creationId xmlns:p14="http://schemas.microsoft.com/office/powerpoint/2010/main" val="1365984210"/>
+        <p14:creationId xmlns:p14="http://schemas.microsoft.com/office/powerpoint/2010/main" val="148413197"/>
       </p:ext>
     </p:extLst>
   </p:cSld>
@@ -7106,10 +6836,10 @@
       </p:grpSpPr>
       <p:sp>
         <p:nvSpPr>
-          <p:cNvPr id="4" name="Rectangle 3">
-            <a:extLst>
-              <a:ext uri="{FF2B5EF4-FFF2-40B4-BE49-F238E27FC236}">
-                <a16:creationId xmlns:a16="http://schemas.microsoft.com/office/drawing/2014/main" id="{678F1DA2-2833-49FF-9287-44720AC6C8D2}"/>
+          <p:cNvPr id="20" name="Rectangle 19">
+            <a:extLst>
+              <a:ext uri="{FF2B5EF4-FFF2-40B4-BE49-F238E27FC236}">
+                <a16:creationId xmlns:a16="http://schemas.microsoft.com/office/drawing/2014/main" id="{B6D17126-816A-2C43-878A-63F3D2097939}"/>
               </a:ext>
             </a:extLst>
           </p:cNvPr>
@@ -7118,16 +6848,16 @@
         </p:nvSpPr>
         <p:spPr>
           <a:xfrm>
-            <a:off x="0" y="6581001"/>
-            <a:ext cx="9976268" cy="276999"/>
+            <a:off x="613726" y="3857404"/>
+            <a:ext cx="10602438" cy="1543049"/>
           </a:xfrm>
           <a:prstGeom prst="rect">
             <a:avLst/>
           </a:prstGeom>
           <a:solidFill>
-            <a:srgbClr val="92D050"/>
+            <a:schemeClr val="bg1"/>
           </a:solidFill>
-          <a:ln>
+          <a:ln w="3175">
             <a:noFill/>
           </a:ln>
         </p:spPr>
@@ -7151,56 +6881,20 @@
           <a:bodyPr rtlCol="0" anchor="ctr"/>
           <a:lstStyle/>
           <a:p>
-            <a:pPr algn="ctr"/>
-            <a:endParaRPr lang="en-US" dirty="0"/>
-          </a:p>
-        </p:txBody>
-      </p:sp>
-      <p:sp>
-        <p:nvSpPr>
-          <p:cNvPr id="5" name="TextBox 4">
-            <a:extLst>
-              <a:ext uri="{FF2B5EF4-FFF2-40B4-BE49-F238E27FC236}">
-                <a16:creationId xmlns:a16="http://schemas.microsoft.com/office/drawing/2014/main" id="{9758F7A4-2143-4CCD-B8B3-8B4A1461ECF9}"/>
-              </a:ext>
-            </a:extLst>
-          </p:cNvPr>
-          <p:cNvSpPr txBox="1"/>
-          <p:nvPr/>
-        </p:nvSpPr>
-        <p:spPr>
-          <a:xfrm>
-            <a:off x="36674" y="6583215"/>
-            <a:ext cx="2682077" cy="276999"/>
-          </a:xfrm>
-          <a:prstGeom prst="rect">
-            <a:avLst/>
-          </a:prstGeom>
-          <a:noFill/>
-        </p:spPr>
-        <p:txBody>
-          <a:bodyPr wrap="square" rtlCol="0">
-            <a:spAutoFit/>
-          </a:bodyPr>
-          <a:lstStyle/>
-          <a:p>
-            <a:r>
-              <a:rPr lang="en-US" sz="1200" dirty="0">
-                <a:solidFill>
-                  <a:schemeClr val="bg1"/>
-                </a:solidFill>
-              </a:rPr>
-              <a:t>Building Personal Websites</a:t>
-            </a:r>
-          </a:p>
-        </p:txBody>
-      </p:sp>
-      <p:sp>
-        <p:nvSpPr>
-          <p:cNvPr id="6" name="Rectangle 5">
-            <a:extLst>
-              <a:ext uri="{FF2B5EF4-FFF2-40B4-BE49-F238E27FC236}">
-                <a16:creationId xmlns:a16="http://schemas.microsoft.com/office/drawing/2014/main" id="{40845236-8634-4353-BA0D-8817FE36EC7A}"/>
+            <a:endParaRPr lang="en-US" dirty="0">
+              <a:solidFill>
+                <a:schemeClr val="tx1"/>
+              </a:solidFill>
+            </a:endParaRPr>
+          </a:p>
+        </p:txBody>
+      </p:sp>
+      <p:sp>
+        <p:nvSpPr>
+          <p:cNvPr id="4" name="Rectangle 3">
+            <a:extLst>
+              <a:ext uri="{FF2B5EF4-FFF2-40B4-BE49-F238E27FC236}">
+                <a16:creationId xmlns:a16="http://schemas.microsoft.com/office/drawing/2014/main" id="{678F1DA2-2833-49FF-9287-44720AC6C8D2}"/>
               </a:ext>
             </a:extLst>
           </p:cNvPr>
@@ -7209,14 +6903,14 @@
         </p:nvSpPr>
         <p:spPr>
           <a:xfrm>
-            <a:off x="9921514" y="6581001"/>
-            <a:ext cx="2270485" cy="276999"/>
+            <a:off x="0" y="6581001"/>
+            <a:ext cx="9976268" cy="276999"/>
           </a:xfrm>
           <a:prstGeom prst="rect">
             <a:avLst/>
           </a:prstGeom>
           <a:solidFill>
-            <a:srgbClr val="00B0F0"/>
+            <a:srgbClr val="92D050"/>
           </a:solidFill>
           <a:ln>
             <a:noFill/>
@@ -7249,10 +6943,10 @@
       </p:sp>
       <p:sp>
         <p:nvSpPr>
-          <p:cNvPr id="8" name="TextBox 7">
-            <a:extLst>
-              <a:ext uri="{FF2B5EF4-FFF2-40B4-BE49-F238E27FC236}">
-                <a16:creationId xmlns:a16="http://schemas.microsoft.com/office/drawing/2014/main" id="{6403EA4A-E7EB-4525-B0D2-13B3997D5780}"/>
+          <p:cNvPr id="5" name="TextBox 4">
+            <a:extLst>
+              <a:ext uri="{FF2B5EF4-FFF2-40B4-BE49-F238E27FC236}">
+                <a16:creationId xmlns:a16="http://schemas.microsoft.com/office/drawing/2014/main" id="{9758F7A4-2143-4CCD-B8B3-8B4A1461ECF9}"/>
               </a:ext>
             </a:extLst>
           </p:cNvPr>
@@ -7261,7 +6955,7 @@
         </p:nvSpPr>
         <p:spPr>
           <a:xfrm>
-            <a:off x="9958188" y="6578787"/>
+            <a:off x="36674" y="6583215"/>
             <a:ext cx="2682077" cy="276999"/>
           </a:xfrm>
           <a:prstGeom prst="rect">
@@ -7281,17 +6975,17 @@
                   <a:schemeClr val="bg1"/>
                 </a:solidFill>
               </a:rPr>
-              <a:t>Lecture 03 | HTML Content</a:t>
-            </a:r>
-          </a:p>
-        </p:txBody>
-      </p:sp>
-      <p:sp>
-        <p:nvSpPr>
-          <p:cNvPr id="10" name="Rectangle 9">
-            <a:extLst>
-              <a:ext uri="{FF2B5EF4-FFF2-40B4-BE49-F238E27FC236}">
-                <a16:creationId xmlns:a16="http://schemas.microsoft.com/office/drawing/2014/main" id="{C1104CCC-8B38-3944-8A1A-D62DDB9C05EA}"/>
+              <a:t>Building Personal Websites</a:t>
+            </a:r>
+          </a:p>
+        </p:txBody>
+      </p:sp>
+      <p:sp>
+        <p:nvSpPr>
+          <p:cNvPr id="6" name="Rectangle 5">
+            <a:extLst>
+              <a:ext uri="{FF2B5EF4-FFF2-40B4-BE49-F238E27FC236}">
+                <a16:creationId xmlns:a16="http://schemas.microsoft.com/office/drawing/2014/main" id="{40845236-8634-4353-BA0D-8817FE36EC7A}"/>
               </a:ext>
             </a:extLst>
           </p:cNvPr>
@@ -7300,23 +6994,17 @@
         </p:nvSpPr>
         <p:spPr>
           <a:xfrm>
-            <a:off x="614911" y="1963832"/>
-            <a:ext cx="10602438" cy="1045182"/>
+            <a:off x="9921514" y="6581001"/>
+            <a:ext cx="2270485" cy="276999"/>
           </a:xfrm>
           <a:prstGeom prst="rect">
             <a:avLst/>
           </a:prstGeom>
           <a:solidFill>
-            <a:schemeClr val="bg1">
-              <a:lumMod val="95000"/>
-            </a:schemeClr>
+            <a:srgbClr val="00B0F0"/>
           </a:solidFill>
-          <a:ln w="3175">
-            <a:solidFill>
-              <a:schemeClr val="bg1">
-                <a:lumMod val="85000"/>
-              </a:schemeClr>
-            </a:solidFill>
+          <a:ln>
+            <a:noFill/>
           </a:ln>
         </p:spPr>
         <p:style>
@@ -7339,46 +7027,17 @@
           <a:bodyPr rtlCol="0" anchor="ctr"/>
           <a:lstStyle/>
           <a:p>
-            <a:pPr lvl="1"/>
-            <a:r>
-              <a:rPr lang="en-US" dirty="0">
-                <a:solidFill>
-                  <a:schemeClr val="tx1"/>
-                </a:solidFill>
-              </a:rPr>
-              <a:t>.classy-text {</a:t>
-            </a:r>
-          </a:p>
-          <a:p>
-            <a:pPr lvl="1"/>
-            <a:r>
-              <a:rPr lang="en-US" dirty="0">
-                <a:solidFill>
-                  <a:schemeClr val="tx1"/>
-                </a:solidFill>
-              </a:rPr>
-              <a:t>	color: green;</a:t>
-            </a:r>
-          </a:p>
-          <a:p>
-            <a:pPr lvl="1"/>
-            <a:r>
-              <a:rPr lang="en-US" dirty="0">
-                <a:solidFill>
-                  <a:schemeClr val="tx1"/>
-                </a:solidFill>
-              </a:rPr>
-              <a:t>}</a:t>
-            </a:r>
-          </a:p>
-        </p:txBody>
-      </p:sp>
-      <p:sp>
-        <p:nvSpPr>
-          <p:cNvPr id="15" name="TextBox 14">
-            <a:extLst>
-              <a:ext uri="{FF2B5EF4-FFF2-40B4-BE49-F238E27FC236}">
-                <a16:creationId xmlns:a16="http://schemas.microsoft.com/office/drawing/2014/main" id="{1F855BD4-C05C-5C4A-AA69-314750DD551A}"/>
+            <a:pPr algn="ctr"/>
+            <a:endParaRPr lang="en-US" dirty="0"/>
+          </a:p>
+        </p:txBody>
+      </p:sp>
+      <p:sp>
+        <p:nvSpPr>
+          <p:cNvPr id="8" name="TextBox 7">
+            <a:extLst>
+              <a:ext uri="{FF2B5EF4-FFF2-40B4-BE49-F238E27FC236}">
+                <a16:creationId xmlns:a16="http://schemas.microsoft.com/office/drawing/2014/main" id="{6403EA4A-E7EB-4525-B0D2-13B3997D5780}"/>
               </a:ext>
             </a:extLst>
           </p:cNvPr>
@@ -7387,8 +7046,8 @@
         </p:nvSpPr>
         <p:spPr>
           <a:xfrm>
-            <a:off x="614911" y="1487243"/>
-            <a:ext cx="4216924" cy="400110"/>
+            <a:off x="9958188" y="6578787"/>
+            <a:ext cx="2682077" cy="276999"/>
           </a:xfrm>
           <a:prstGeom prst="rect">
             <a:avLst/>
@@ -7396,29 +7055,107 @@
           <a:noFill/>
         </p:spPr>
         <p:txBody>
-          <a:bodyPr wrap="none" rtlCol="0">
+          <a:bodyPr wrap="square" rtlCol="0">
             <a:spAutoFit/>
           </a:bodyPr>
           <a:lstStyle/>
           <a:p>
             <a:r>
-              <a:rPr lang="en-US" sz="2000" dirty="0"/>
-              <a:t>Say we define the following in </a:t>
-            </a:r>
-            <a:r>
-              <a:rPr lang="en-US" sz="2000" dirty="0" err="1"/>
-              <a:t>style.css</a:t>
-            </a:r>
-            <a:endParaRPr lang="en-US" sz="2000" dirty="0"/>
-          </a:p>
-        </p:txBody>
-      </p:sp>
-      <p:sp>
-        <p:nvSpPr>
-          <p:cNvPr id="16" name="Rectangle 15">
-            <a:extLst>
-              <a:ext uri="{FF2B5EF4-FFF2-40B4-BE49-F238E27FC236}">
-                <a16:creationId xmlns:a16="http://schemas.microsoft.com/office/drawing/2014/main" id="{1BF9D546-67AE-7949-9016-5768465F47D3}"/>
+              <a:rPr lang="en-US" sz="1200" dirty="0">
+                <a:solidFill>
+                  <a:schemeClr val="bg1"/>
+                </a:solidFill>
+              </a:rPr>
+              <a:t>Lecture 03 | HTML Content</a:t>
+            </a:r>
+          </a:p>
+        </p:txBody>
+      </p:sp>
+      <p:sp>
+        <p:nvSpPr>
+          <p:cNvPr id="18" name="TextBox 17">
+            <a:extLst>
+              <a:ext uri="{FF2B5EF4-FFF2-40B4-BE49-F238E27FC236}">
+                <a16:creationId xmlns:a16="http://schemas.microsoft.com/office/drawing/2014/main" id="{DC7FB4FA-0B22-2145-A867-EBEC90848B89}"/>
+              </a:ext>
+            </a:extLst>
+          </p:cNvPr>
+          <p:cNvSpPr txBox="1"/>
+          <p:nvPr/>
+        </p:nvSpPr>
+        <p:spPr>
+          <a:xfrm>
+            <a:off x="4104170" y="10633"/>
+            <a:ext cx="3880884" cy="1003031"/>
+          </a:xfrm>
+          <a:prstGeom prst="rect">
+            <a:avLst/>
+          </a:prstGeom>
+          <a:noFill/>
+        </p:spPr>
+        <p:txBody>
+          <a:bodyPr wrap="square" rtlCol="0">
+            <a:spAutoFit/>
+          </a:bodyPr>
+          <a:lstStyle/>
+          <a:p>
+            <a:pPr algn="ctr">
+              <a:lnSpc>
+                <a:spcPct val="150000"/>
+              </a:lnSpc>
+            </a:pPr>
+            <a:r>
+              <a:rPr lang="en-US" sz="4400" dirty="0"/>
+              <a:t>Classes &amp; IDs</a:t>
+            </a:r>
+          </a:p>
+        </p:txBody>
+      </p:sp>
+      <p:cxnSp>
+        <p:nvCxnSpPr>
+          <p:cNvPr id="19" name="Straight Connector 18">
+            <a:extLst>
+              <a:ext uri="{FF2B5EF4-FFF2-40B4-BE49-F238E27FC236}">
+                <a16:creationId xmlns:a16="http://schemas.microsoft.com/office/drawing/2014/main" id="{A255D059-2DD1-DE4B-A98E-9692828D118A}"/>
+              </a:ext>
+            </a:extLst>
+          </p:cNvPr>
+          <p:cNvCxnSpPr>
+            <a:cxnSpLocks/>
+          </p:cNvCxnSpPr>
+          <p:nvPr/>
+        </p:nvCxnSpPr>
+        <p:spPr>
+          <a:xfrm>
+            <a:off x="5730956" y="1013664"/>
+            <a:ext cx="419986" cy="0"/>
+          </a:xfrm>
+          <a:prstGeom prst="line">
+            <a:avLst/>
+          </a:prstGeom>
+          <a:ln w="28575"/>
+        </p:spPr>
+        <p:style>
+          <a:lnRef idx="1">
+            <a:schemeClr val="dk1"/>
+          </a:lnRef>
+          <a:fillRef idx="0">
+            <a:schemeClr val="dk1"/>
+          </a:fillRef>
+          <a:effectRef idx="0">
+            <a:schemeClr val="dk1"/>
+          </a:effectRef>
+          <a:fontRef idx="minor">
+            <a:schemeClr val="tx1"/>
+          </a:fontRef>
+        </p:style>
+      </p:cxnSp>
+      <p:sp>
+        <p:nvSpPr>
+          <p:cNvPr id="13" name="Rectangle 12">
+            <a:extLst>
+              <a:ext uri="{FF2B5EF4-FFF2-40B4-BE49-F238E27FC236}">
+                <a16:creationId xmlns:a16="http://schemas.microsoft.com/office/drawing/2014/main" id="{0AC11739-B125-B141-BFF7-59EE8FB77CBC}"/>
               </a:ext>
             </a:extLst>
           </p:cNvPr>
@@ -7427,7 +7164,7 @@
         </p:nvSpPr>
         <p:spPr>
           <a:xfrm>
-            <a:off x="614911" y="3136396"/>
+            <a:off x="614911" y="2111959"/>
             <a:ext cx="10602438" cy="1045182"/>
           </a:xfrm>
           <a:prstGeom prst="rect">
@@ -7466,178 +7203,12 @@
           <a:bodyPr rtlCol="0" anchor="ctr"/>
           <a:lstStyle/>
           <a:p>
-            <a:pPr lvl="1"/>
             <a:r>
               <a:rPr lang="en-US" dirty="0">
                 <a:solidFill>
                   <a:schemeClr val="tx1"/>
                 </a:solidFill>
               </a:rPr>
-              <a:t>.classier-text {</a:t>
-            </a:r>
-          </a:p>
-          <a:p>
-            <a:pPr lvl="1"/>
-            <a:r>
-              <a:rPr lang="en-US" dirty="0">
-                <a:solidFill>
-                  <a:schemeClr val="tx1"/>
-                </a:solidFill>
-              </a:rPr>
-              <a:t>	color: red;</a:t>
-            </a:r>
-          </a:p>
-          <a:p>
-            <a:pPr lvl="1"/>
-            <a:r>
-              <a:rPr lang="en-US" dirty="0">
-                <a:solidFill>
-                  <a:schemeClr val="tx1"/>
-                </a:solidFill>
-              </a:rPr>
-              <a:t>}</a:t>
-            </a:r>
-          </a:p>
-        </p:txBody>
-      </p:sp>
-      <p:sp>
-        <p:nvSpPr>
-          <p:cNvPr id="18" name="TextBox 17">
-            <a:extLst>
-              <a:ext uri="{FF2B5EF4-FFF2-40B4-BE49-F238E27FC236}">
-                <a16:creationId xmlns:a16="http://schemas.microsoft.com/office/drawing/2014/main" id="{DC7FB4FA-0B22-2145-A867-EBEC90848B89}"/>
-              </a:ext>
-            </a:extLst>
-          </p:cNvPr>
-          <p:cNvSpPr txBox="1"/>
-          <p:nvPr/>
-        </p:nvSpPr>
-        <p:spPr>
-          <a:xfrm>
-            <a:off x="4104170" y="10633"/>
-            <a:ext cx="3880884" cy="1003031"/>
-          </a:xfrm>
-          <a:prstGeom prst="rect">
-            <a:avLst/>
-          </a:prstGeom>
-          <a:noFill/>
-        </p:spPr>
-        <p:txBody>
-          <a:bodyPr wrap="square" rtlCol="0">
-            <a:spAutoFit/>
-          </a:bodyPr>
-          <a:lstStyle/>
-          <a:p>
-            <a:pPr algn="ctr">
-              <a:lnSpc>
-                <a:spcPct val="150000"/>
-              </a:lnSpc>
-            </a:pPr>
-            <a:r>
-              <a:rPr lang="en-US" sz="4400" dirty="0"/>
-              <a:t>Classes &amp; IDs</a:t>
-            </a:r>
-          </a:p>
-        </p:txBody>
-      </p:sp>
-      <p:cxnSp>
-        <p:nvCxnSpPr>
-          <p:cNvPr id="19" name="Straight Connector 18">
-            <a:extLst>
-              <a:ext uri="{FF2B5EF4-FFF2-40B4-BE49-F238E27FC236}">
-                <a16:creationId xmlns:a16="http://schemas.microsoft.com/office/drawing/2014/main" id="{A255D059-2DD1-DE4B-A98E-9692828D118A}"/>
-              </a:ext>
-            </a:extLst>
-          </p:cNvPr>
-          <p:cNvCxnSpPr>
-            <a:cxnSpLocks/>
-          </p:cNvCxnSpPr>
-          <p:nvPr/>
-        </p:nvCxnSpPr>
-        <p:spPr>
-          <a:xfrm>
-            <a:off x="5730956" y="1013664"/>
-            <a:ext cx="419986" cy="0"/>
-          </a:xfrm>
-          <a:prstGeom prst="line">
-            <a:avLst/>
-          </a:prstGeom>
-          <a:ln w="28575"/>
-        </p:spPr>
-        <p:style>
-          <a:lnRef idx="1">
-            <a:schemeClr val="dk1"/>
-          </a:lnRef>
-          <a:fillRef idx="0">
-            <a:schemeClr val="dk1"/>
-          </a:fillRef>
-          <a:effectRef idx="0">
-            <a:schemeClr val="dk1"/>
-          </a:effectRef>
-          <a:fontRef idx="minor">
-            <a:schemeClr val="tx1"/>
-          </a:fontRef>
-        </p:style>
-      </p:cxnSp>
-      <p:sp>
-        <p:nvSpPr>
-          <p:cNvPr id="13" name="Rectangle 12">
-            <a:extLst>
-              <a:ext uri="{FF2B5EF4-FFF2-40B4-BE49-F238E27FC236}">
-                <a16:creationId xmlns:a16="http://schemas.microsoft.com/office/drawing/2014/main" id="{0AC11739-B125-B141-BFF7-59EE8FB77CBC}"/>
-              </a:ext>
-            </a:extLst>
-          </p:cNvPr>
-          <p:cNvSpPr/>
-          <p:nvPr/>
-        </p:nvSpPr>
-        <p:spPr>
-          <a:xfrm>
-            <a:off x="614911" y="4982750"/>
-            <a:ext cx="10602438" cy="1045182"/>
-          </a:xfrm>
-          <a:prstGeom prst="rect">
-            <a:avLst/>
-          </a:prstGeom>
-          <a:solidFill>
-            <a:schemeClr val="bg1">
-              <a:lumMod val="95000"/>
-            </a:schemeClr>
-          </a:solidFill>
-          <a:ln w="3175">
-            <a:solidFill>
-              <a:schemeClr val="bg1">
-                <a:lumMod val="85000"/>
-              </a:schemeClr>
-            </a:solidFill>
-          </a:ln>
-        </p:spPr>
-        <p:style>
-          <a:lnRef idx="2">
-            <a:schemeClr val="accent1">
-              <a:shade val="50000"/>
-            </a:schemeClr>
-          </a:lnRef>
-          <a:fillRef idx="1">
-            <a:schemeClr val="accent1"/>
-          </a:fillRef>
-          <a:effectRef idx="0">
-            <a:schemeClr val="accent1"/>
-          </a:effectRef>
-          <a:fontRef idx="minor">
-            <a:schemeClr val="lt1"/>
-          </a:fontRef>
-        </p:style>
-        <p:txBody>
-          <a:bodyPr rtlCol="0" anchor="ctr"/>
-          <a:lstStyle/>
-          <a:p>
-            <a:r>
-              <a:rPr lang="en-US" dirty="0">
-                <a:solidFill>
-                  <a:schemeClr val="tx1"/>
-                </a:solidFill>
-              </a:rPr>
               <a:t>         &lt;</a:t>
             </a:r>
             <a:r>
@@ -7654,7 +7225,7 @@
                   <a:schemeClr val="accent2"/>
                 </a:solidFill>
               </a:rPr>
-              <a:t>class=‘classy-text classier-text’</a:t>
+              <a:t>class=‘classy-text italic-text’</a:t>
             </a:r>
             <a:r>
               <a:rPr lang="en-US" dirty="0">
@@ -7731,8 +7302,8 @@
         </p:nvSpPr>
         <p:spPr>
           <a:xfrm>
-            <a:off x="614911" y="4506161"/>
-            <a:ext cx="4542782" cy="400110"/>
+            <a:off x="614911" y="1647659"/>
+            <a:ext cx="6361934" cy="400110"/>
           </a:xfrm>
           <a:prstGeom prst="rect">
             <a:avLst/>
@@ -7747,134 +7318,76 @@
           <a:p>
             <a:r>
               <a:rPr lang="en-US" sz="2000" dirty="0"/>
-              <a:t>What color will the following element be?</a:t>
-            </a:r>
-          </a:p>
-        </p:txBody>
-      </p:sp>
-      <p:sp>
-        <p:nvSpPr>
-          <p:cNvPr id="17" name="TextBox 16">
-            <a:extLst>
-              <a:ext uri="{FF2B5EF4-FFF2-40B4-BE49-F238E27FC236}">
-                <a16:creationId xmlns:a16="http://schemas.microsoft.com/office/drawing/2014/main" id="{04CFD3C2-CB31-F948-B8AE-180EF400A972}"/>
-              </a:ext>
-            </a:extLst>
-          </p:cNvPr>
-          <p:cNvSpPr txBox="1"/>
-          <p:nvPr/>
-        </p:nvSpPr>
-        <p:spPr>
-          <a:xfrm>
-            <a:off x="5157693" y="4506160"/>
-            <a:ext cx="3180422" cy="400110"/>
+              <a:t>What is displayed as a result of the following in </a:t>
+            </a:r>
+            <a:r>
+              <a:rPr lang="en-US" sz="2000" dirty="0" err="1"/>
+              <a:t>index.html</a:t>
+            </a:r>
+            <a:r>
+              <a:rPr lang="en-US" sz="2000" dirty="0"/>
+              <a:t>?</a:t>
+            </a:r>
+          </a:p>
+        </p:txBody>
+      </p:sp>
+      <p:pic>
+        <p:nvPicPr>
+          <p:cNvPr id="12" name="Picture 2" descr="https://i.gyazo.com/e09008fb16075735ae91e94c6c4174f9.png">
+            <a:extLst>
+              <a:ext uri="{FF2B5EF4-FFF2-40B4-BE49-F238E27FC236}">
+                <a16:creationId xmlns:a16="http://schemas.microsoft.com/office/drawing/2014/main" id="{EE1B814E-9CFE-264D-972A-EB1F506949F1}"/>
+              </a:ext>
+            </a:extLst>
+          </p:cNvPr>
+          <p:cNvPicPr>
+            <a:picLocks noChangeAspect="1" noChangeArrowheads="1"/>
+          </p:cNvPicPr>
+          <p:nvPr/>
+        </p:nvPicPr>
+        <p:blipFill>
+          <a:blip r:embed="rId2">
+            <a:extLst>
+              <a:ext uri="{28A0092B-C50C-407E-A947-70E740481C1C}">
+                <a14:useLocalDpi xmlns:a14="http://schemas.microsoft.com/office/drawing/2010/main" val="0"/>
+              </a:ext>
+            </a:extLst>
+          </a:blip>
+          <a:srcRect/>
+          <a:stretch>
+            <a:fillRect/>
+          </a:stretch>
+        </p:blipFill>
+        <p:spPr bwMode="auto">
+          <a:xfrm>
+            <a:off x="718430" y="3985785"/>
+            <a:ext cx="1647825" cy="581025"/>
           </a:xfrm>
           <a:prstGeom prst="rect">
             <a:avLst/>
           </a:prstGeom>
           <a:noFill/>
-        </p:spPr>
-        <p:txBody>
-          <a:bodyPr wrap="none" rtlCol="0">
-            <a:spAutoFit/>
-          </a:bodyPr>
-          <a:lstStyle/>
-          <a:p>
-            <a:r>
-              <a:rPr lang="en-US" sz="2000" dirty="0"/>
-              <a:t>The most recent declaration.</a:t>
-            </a:r>
-          </a:p>
-        </p:txBody>
-      </p:sp>
+          <a:extLst>
+            <a:ext uri="{909E8E84-426E-40DD-AFC4-6F175D3DCCD1}">
+              <a14:hiddenFill xmlns:a14="http://schemas.microsoft.com/office/drawing/2010/main">
+                <a:solidFill>
+                  <a:srgbClr val="FFFFFF"/>
+                </a:solidFill>
+              </a14:hiddenFill>
+            </a:ext>
+          </a:extLst>
+        </p:spPr>
+      </p:pic>
     </p:spTree>
     <p:extLst>
       <p:ext uri="{BB962C8B-B14F-4D97-AF65-F5344CB8AC3E}">
-        <p14:creationId xmlns:p14="http://schemas.microsoft.com/office/powerpoint/2010/main" val="3420458699"/>
+        <p14:creationId xmlns:p14="http://schemas.microsoft.com/office/powerpoint/2010/main" val="1365984210"/>
       </p:ext>
     </p:extLst>
   </p:cSld>
   <p:clrMapOvr>
     <a:masterClrMapping/>
   </p:clrMapOvr>
-  <p:timing>
-    <p:tnLst>
-      <p:par>
-        <p:cTn id="1" dur="indefinite" restart="never" nodeType="tmRoot">
-          <p:childTnLst>
-            <p:seq concurrent="1" nextAc="seek">
-              <p:cTn id="2" dur="indefinite" nodeType="mainSeq">
-                <p:childTnLst>
-                  <p:par>
-                    <p:cTn id="3" fill="hold">
-                      <p:stCondLst>
-                        <p:cond delay="indefinite"/>
-                      </p:stCondLst>
-                      <p:childTnLst>
-                        <p:par>
-                          <p:cTn id="4" fill="hold">
-                            <p:stCondLst>
-                              <p:cond delay="0"/>
-                            </p:stCondLst>
-                            <p:childTnLst>
-                              <p:par>
-                                <p:cTn id="5" presetID="1" presetClass="entr" presetSubtype="0" fill="hold" grpId="0" nodeType="clickEffect">
-                                  <p:stCondLst>
-                                    <p:cond delay="0"/>
-                                  </p:stCondLst>
-                                  <p:childTnLst>
-                                    <p:set>
-                                      <p:cBhvr>
-                                        <p:cTn id="6" dur="1" fill="hold">
-                                          <p:stCondLst>
-                                            <p:cond delay="0"/>
-                                          </p:stCondLst>
-                                        </p:cTn>
-                                        <p:tgtEl>
-                                          <p:spTgt spid="17"/>
-                                        </p:tgtEl>
-                                        <p:attrNameLst>
-                                          <p:attrName>style.visibility</p:attrName>
-                                        </p:attrNameLst>
-                                      </p:cBhvr>
-                                      <p:to>
-                                        <p:strVal val="visible"/>
-                                      </p:to>
-                                    </p:set>
-                                  </p:childTnLst>
-                                </p:cTn>
-                              </p:par>
-                            </p:childTnLst>
-                          </p:cTn>
-                        </p:par>
-                      </p:childTnLst>
-                    </p:cTn>
-                  </p:par>
-                </p:childTnLst>
-              </p:cTn>
-              <p:prevCondLst>
-                <p:cond evt="onPrev" delay="0">
-                  <p:tgtEl>
-                    <p:sldTgt/>
-                  </p:tgtEl>
-                </p:cond>
-              </p:prevCondLst>
-              <p:nextCondLst>
-                <p:cond evt="onNext" delay="0">
-                  <p:tgtEl>
-                    <p:sldTgt/>
-                  </p:tgtEl>
-                </p:cond>
-              </p:nextCondLst>
-            </p:seq>
-          </p:childTnLst>
-        </p:cTn>
-      </p:par>
-    </p:tnLst>
-    <p:bldLst>
-      <p:bldP spid="17" grpId="0"/>
-    </p:bldLst>
-  </p:timing>
 </p:sld>
 </file>
 
@@ -8145,7 +7658,7 @@
                   <a:schemeClr val="tx1"/>
                 </a:solidFill>
               </a:rPr>
-              <a:t>#classy-id {</a:t>
+              <a:t>.classy-text {</a:t>
             </a:r>
           </a:p>
           <a:p>
@@ -8272,7 +7785,7 @@
                   <a:schemeClr val="tx1"/>
                 </a:solidFill>
               </a:rPr>
-              <a:t>#classier-id {</a:t>
+              <a:t>.classier-text {</a:t>
             </a:r>
           </a:p>
           <a:p>
@@ -8453,7 +7966,7 @@
                   <a:schemeClr val="accent2"/>
                 </a:solidFill>
               </a:rPr>
-              <a:t>id=‘classy-id classier-id’</a:t>
+              <a:t>class=‘classy-text classier-text’</a:t>
             </a:r>
             <a:r>
               <a:rPr lang="en-US" dirty="0">
@@ -8479,7 +7992,7 @@
                   </a:schemeClr>
                 </a:solidFill>
               </a:rPr>
-              <a:t>I’m a bad example</a:t>
+              <a:t>I’ve got multiple classes</a:t>
             </a:r>
             <a:r>
               <a:rPr lang="en-US" dirty="0">
@@ -8556,7 +8069,7 @@
           <p:cNvPr id="17" name="TextBox 16">
             <a:extLst>
               <a:ext uri="{FF2B5EF4-FFF2-40B4-BE49-F238E27FC236}">
-                <a16:creationId xmlns:a16="http://schemas.microsoft.com/office/drawing/2014/main" id="{3EBC776A-F7F8-7547-9BBB-6DD3268B5A41}"/>
+                <a16:creationId xmlns:a16="http://schemas.microsoft.com/office/drawing/2014/main" id="{04CFD3C2-CB31-F948-B8AE-180EF400A972}"/>
               </a:ext>
             </a:extLst>
           </p:cNvPr>
@@ -8566,7 +8079,7 @@
         <p:spPr>
           <a:xfrm>
             <a:off x="5157693" y="4506160"/>
-            <a:ext cx="5447197" cy="400110"/>
+            <a:ext cx="3180422" cy="400110"/>
           </a:xfrm>
           <a:prstGeom prst="rect">
             <a:avLst/>
@@ -8581,7 +8094,7 @@
           <a:p>
             <a:r>
               <a:rPr lang="en-US" sz="2000" dirty="0"/>
-              <a:t>Neither. Elements with multiple IDs are undefined.</a:t>
+              <a:t>The most recent declaration.</a:t>
             </a:r>
           </a:p>
         </p:txBody>
@@ -8589,7 +8102,7 @@
     </p:spTree>
     <p:extLst>
       <p:ext uri="{BB962C8B-B14F-4D97-AF65-F5344CB8AC3E}">
-        <p14:creationId xmlns:p14="http://schemas.microsoft.com/office/powerpoint/2010/main" val="283299522"/>
+        <p14:creationId xmlns:p14="http://schemas.microsoft.com/office/powerpoint/2010/main" val="3420458699"/>
       </p:ext>
     </p:extLst>
   </p:cSld>
@@ -8899,7 +8412,7 @@
         <p:spPr>
           <a:xfrm>
             <a:off x="614911" y="1963832"/>
-            <a:ext cx="10602438" cy="694271"/>
+            <a:ext cx="10602438" cy="1045182"/>
           </a:xfrm>
           <a:prstGeom prst="rect">
             <a:avLst/>
@@ -8944,73 +8457,29 @@
                   <a:schemeClr val="tx1"/>
                 </a:solidFill>
               </a:rPr>
-              <a:t>&lt;</a:t>
-            </a:r>
-            <a:r>
-              <a:rPr lang="en-US" dirty="0">
-                <a:solidFill>
-                  <a:srgbClr val="FF0000"/>
-                </a:solidFill>
-              </a:rPr>
-              <a:t>p </a:t>
-            </a:r>
-            <a:r>
-              <a:rPr lang="en-US" dirty="0">
-                <a:solidFill>
-                  <a:schemeClr val="accent2"/>
-                </a:solidFill>
-              </a:rPr>
-              <a:t>class=‘first-class second-class … nth-class’</a:t>
-            </a:r>
+              <a:t>#classy-id {</a:t>
+            </a:r>
+          </a:p>
+          <a:p>
+            <a:pPr lvl="1"/>
             <a:r>
               <a:rPr lang="en-US" dirty="0">
                 <a:solidFill>
                   <a:schemeClr val="tx1"/>
                 </a:solidFill>
               </a:rPr>
-              <a:t>&gt;</a:t>
-            </a:r>
-            <a:r>
-              <a:rPr lang="en-US" dirty="0">
-                <a:solidFill>
-                  <a:srgbClr val="00B050"/>
-                </a:solidFill>
-              </a:rPr>
-              <a:t> </a:t>
-            </a:r>
-            <a:r>
-              <a:rPr lang="en-US" dirty="0">
-                <a:solidFill>
-                  <a:schemeClr val="accent4">
-                    <a:lumMod val="75000"/>
-                  </a:schemeClr>
-                </a:solidFill>
-              </a:rPr>
-              <a:t>I work fine! </a:t>
-            </a:r>
+              <a:t>	color: green;</a:t>
+            </a:r>
+          </a:p>
+          <a:p>
+            <a:pPr lvl="1"/>
             <a:r>
               <a:rPr lang="en-US" dirty="0">
                 <a:solidFill>
                   <a:schemeClr val="tx1"/>
                 </a:solidFill>
               </a:rPr>
-              <a:t>&lt;/</a:t>
-            </a:r>
-            <a:r>
-              <a:rPr lang="en-US" dirty="0">
-                <a:solidFill>
-                  <a:srgbClr val="FF0000"/>
-                </a:solidFill>
-              </a:rPr>
-              <a:t>p</a:t>
-            </a:r>
-            <a:r>
-              <a:rPr lang="en-US" dirty="0">
-                <a:solidFill>
-                  <a:schemeClr val="tx1"/>
-                </a:solidFill>
-              </a:rPr>
-              <a:t>&gt;</a:t>
+              <a:t>}</a:t>
             </a:r>
           </a:p>
         </p:txBody>
@@ -9029,8 +8498,8 @@
         </p:nvSpPr>
         <p:spPr>
           <a:xfrm>
-            <a:off x="614911" y="1446767"/>
-            <a:ext cx="7253845" cy="400110"/>
+            <a:off x="614911" y="1487243"/>
+            <a:ext cx="4216924" cy="400110"/>
           </a:xfrm>
           <a:prstGeom prst="rect">
             <a:avLst/>
@@ -9043,99 +8512,24 @@
           </a:bodyPr>
           <a:lstStyle/>
           <a:p>
-            <a:pPr algn="ctr"/>
             <a:r>
               <a:rPr lang="en-US" sz="2000" dirty="0"/>
-              <a:t>Classes are useful when you want to stack properties on an element</a:t>
-            </a:r>
-          </a:p>
-        </p:txBody>
-      </p:sp>
-      <p:sp>
-        <p:nvSpPr>
-          <p:cNvPr id="18" name="TextBox 17">
-            <a:extLst>
-              <a:ext uri="{FF2B5EF4-FFF2-40B4-BE49-F238E27FC236}">
-                <a16:creationId xmlns:a16="http://schemas.microsoft.com/office/drawing/2014/main" id="{DC7FB4FA-0B22-2145-A867-EBEC90848B89}"/>
-              </a:ext>
-            </a:extLst>
-          </p:cNvPr>
-          <p:cNvSpPr txBox="1"/>
-          <p:nvPr/>
-        </p:nvSpPr>
-        <p:spPr>
-          <a:xfrm>
-            <a:off x="4104170" y="10633"/>
-            <a:ext cx="3880884" cy="1003031"/>
-          </a:xfrm>
-          <a:prstGeom prst="rect">
-            <a:avLst/>
-          </a:prstGeom>
-          <a:noFill/>
-        </p:spPr>
-        <p:txBody>
-          <a:bodyPr wrap="square" rtlCol="0">
-            <a:spAutoFit/>
-          </a:bodyPr>
-          <a:lstStyle/>
-          <a:p>
-            <a:pPr algn="ctr">
-              <a:lnSpc>
-                <a:spcPct val="150000"/>
-              </a:lnSpc>
-            </a:pPr>
-            <a:r>
-              <a:rPr lang="en-US" sz="4400" dirty="0"/>
-              <a:t>Classes &amp; IDs</a:t>
-            </a:r>
-          </a:p>
-        </p:txBody>
-      </p:sp>
-      <p:cxnSp>
-        <p:nvCxnSpPr>
-          <p:cNvPr id="19" name="Straight Connector 18">
-            <a:extLst>
-              <a:ext uri="{FF2B5EF4-FFF2-40B4-BE49-F238E27FC236}">
-                <a16:creationId xmlns:a16="http://schemas.microsoft.com/office/drawing/2014/main" id="{A255D059-2DD1-DE4B-A98E-9692828D118A}"/>
-              </a:ext>
-            </a:extLst>
-          </p:cNvPr>
-          <p:cNvCxnSpPr>
-            <a:cxnSpLocks/>
-          </p:cNvCxnSpPr>
-          <p:nvPr/>
-        </p:nvCxnSpPr>
-        <p:spPr>
-          <a:xfrm>
-            <a:off x="5730956" y="1013664"/>
-            <a:ext cx="419986" cy="0"/>
-          </a:xfrm>
-          <a:prstGeom prst="line">
-            <a:avLst/>
-          </a:prstGeom>
-          <a:ln w="28575"/>
-        </p:spPr>
-        <p:style>
-          <a:lnRef idx="1">
-            <a:schemeClr val="dk1"/>
-          </a:lnRef>
-          <a:fillRef idx="0">
-            <a:schemeClr val="dk1"/>
-          </a:fillRef>
-          <a:effectRef idx="0">
-            <a:schemeClr val="dk1"/>
-          </a:effectRef>
-          <a:fontRef idx="minor">
-            <a:schemeClr val="tx1"/>
-          </a:fontRef>
-        </p:style>
-      </p:cxnSp>
-      <p:sp>
-        <p:nvSpPr>
-          <p:cNvPr id="12" name="Rectangle 11">
-            <a:extLst>
-              <a:ext uri="{FF2B5EF4-FFF2-40B4-BE49-F238E27FC236}">
-                <a16:creationId xmlns:a16="http://schemas.microsoft.com/office/drawing/2014/main" id="{B2A0E19D-68DC-BB42-A0F2-A9BD7AFAF76F}"/>
+              <a:t>Say we define the following in </a:t>
+            </a:r>
+            <a:r>
+              <a:rPr lang="en-US" sz="2000" dirty="0" err="1"/>
+              <a:t>style.css</a:t>
+            </a:r>
+            <a:endParaRPr lang="en-US" sz="2000" dirty="0"/>
+          </a:p>
+        </p:txBody>
+      </p:sp>
+      <p:sp>
+        <p:nvSpPr>
+          <p:cNvPr id="16" name="Rectangle 15">
+            <a:extLst>
+              <a:ext uri="{FF2B5EF4-FFF2-40B4-BE49-F238E27FC236}">
+                <a16:creationId xmlns:a16="http://schemas.microsoft.com/office/drawing/2014/main" id="{1BF9D546-67AE-7949-9016-5768465F47D3}"/>
               </a:ext>
             </a:extLst>
           </p:cNvPr>
@@ -9144,8 +8538,8 @@
         </p:nvSpPr>
         <p:spPr>
           <a:xfrm>
-            <a:off x="614911" y="3608271"/>
-            <a:ext cx="10602438" cy="694271"/>
+            <a:off x="614911" y="3136396"/>
+            <a:ext cx="10602438" cy="1045182"/>
           </a:xfrm>
           <a:prstGeom prst="rect">
             <a:avLst/>
@@ -9190,7 +8584,172 @@
                   <a:schemeClr val="tx1"/>
                 </a:solidFill>
               </a:rPr>
-              <a:t>&lt;</a:t>
+              <a:t>#classier-id {</a:t>
+            </a:r>
+          </a:p>
+          <a:p>
+            <a:pPr lvl="1"/>
+            <a:r>
+              <a:rPr lang="en-US" dirty="0">
+                <a:solidFill>
+                  <a:schemeClr val="tx1"/>
+                </a:solidFill>
+              </a:rPr>
+              <a:t>	color: red;</a:t>
+            </a:r>
+          </a:p>
+          <a:p>
+            <a:pPr lvl="1"/>
+            <a:r>
+              <a:rPr lang="en-US" dirty="0">
+                <a:solidFill>
+                  <a:schemeClr val="tx1"/>
+                </a:solidFill>
+              </a:rPr>
+              <a:t>}</a:t>
+            </a:r>
+          </a:p>
+        </p:txBody>
+      </p:sp>
+      <p:sp>
+        <p:nvSpPr>
+          <p:cNvPr id="18" name="TextBox 17">
+            <a:extLst>
+              <a:ext uri="{FF2B5EF4-FFF2-40B4-BE49-F238E27FC236}">
+                <a16:creationId xmlns:a16="http://schemas.microsoft.com/office/drawing/2014/main" id="{DC7FB4FA-0B22-2145-A867-EBEC90848B89}"/>
+              </a:ext>
+            </a:extLst>
+          </p:cNvPr>
+          <p:cNvSpPr txBox="1"/>
+          <p:nvPr/>
+        </p:nvSpPr>
+        <p:spPr>
+          <a:xfrm>
+            <a:off x="4104170" y="10633"/>
+            <a:ext cx="3880884" cy="1003031"/>
+          </a:xfrm>
+          <a:prstGeom prst="rect">
+            <a:avLst/>
+          </a:prstGeom>
+          <a:noFill/>
+        </p:spPr>
+        <p:txBody>
+          <a:bodyPr wrap="square" rtlCol="0">
+            <a:spAutoFit/>
+          </a:bodyPr>
+          <a:lstStyle/>
+          <a:p>
+            <a:pPr algn="ctr">
+              <a:lnSpc>
+                <a:spcPct val="150000"/>
+              </a:lnSpc>
+            </a:pPr>
+            <a:r>
+              <a:rPr lang="en-US" sz="4400" dirty="0"/>
+              <a:t>Classes &amp; IDs</a:t>
+            </a:r>
+          </a:p>
+        </p:txBody>
+      </p:sp>
+      <p:cxnSp>
+        <p:nvCxnSpPr>
+          <p:cNvPr id="19" name="Straight Connector 18">
+            <a:extLst>
+              <a:ext uri="{FF2B5EF4-FFF2-40B4-BE49-F238E27FC236}">
+                <a16:creationId xmlns:a16="http://schemas.microsoft.com/office/drawing/2014/main" id="{A255D059-2DD1-DE4B-A98E-9692828D118A}"/>
+              </a:ext>
+            </a:extLst>
+          </p:cNvPr>
+          <p:cNvCxnSpPr>
+            <a:cxnSpLocks/>
+          </p:cNvCxnSpPr>
+          <p:nvPr/>
+        </p:nvCxnSpPr>
+        <p:spPr>
+          <a:xfrm>
+            <a:off x="5730956" y="1013664"/>
+            <a:ext cx="419986" cy="0"/>
+          </a:xfrm>
+          <a:prstGeom prst="line">
+            <a:avLst/>
+          </a:prstGeom>
+          <a:ln w="28575"/>
+        </p:spPr>
+        <p:style>
+          <a:lnRef idx="1">
+            <a:schemeClr val="dk1"/>
+          </a:lnRef>
+          <a:fillRef idx="0">
+            <a:schemeClr val="dk1"/>
+          </a:fillRef>
+          <a:effectRef idx="0">
+            <a:schemeClr val="dk1"/>
+          </a:effectRef>
+          <a:fontRef idx="minor">
+            <a:schemeClr val="tx1"/>
+          </a:fontRef>
+        </p:style>
+      </p:cxnSp>
+      <p:sp>
+        <p:nvSpPr>
+          <p:cNvPr id="13" name="Rectangle 12">
+            <a:extLst>
+              <a:ext uri="{FF2B5EF4-FFF2-40B4-BE49-F238E27FC236}">
+                <a16:creationId xmlns:a16="http://schemas.microsoft.com/office/drawing/2014/main" id="{0AC11739-B125-B141-BFF7-59EE8FB77CBC}"/>
+              </a:ext>
+            </a:extLst>
+          </p:cNvPr>
+          <p:cNvSpPr/>
+          <p:nvPr/>
+        </p:nvSpPr>
+        <p:spPr>
+          <a:xfrm>
+            <a:off x="614911" y="4982750"/>
+            <a:ext cx="10602438" cy="1045182"/>
+          </a:xfrm>
+          <a:prstGeom prst="rect">
+            <a:avLst/>
+          </a:prstGeom>
+          <a:solidFill>
+            <a:schemeClr val="bg1">
+              <a:lumMod val="95000"/>
+            </a:schemeClr>
+          </a:solidFill>
+          <a:ln w="3175">
+            <a:solidFill>
+              <a:schemeClr val="bg1">
+                <a:lumMod val="85000"/>
+              </a:schemeClr>
+            </a:solidFill>
+          </a:ln>
+        </p:spPr>
+        <p:style>
+          <a:lnRef idx="2">
+            <a:schemeClr val="accent1">
+              <a:shade val="50000"/>
+            </a:schemeClr>
+          </a:lnRef>
+          <a:fillRef idx="1">
+            <a:schemeClr val="accent1"/>
+          </a:fillRef>
+          <a:effectRef idx="0">
+            <a:schemeClr val="accent1"/>
+          </a:effectRef>
+          <a:fontRef idx="minor">
+            <a:schemeClr val="lt1"/>
+          </a:fontRef>
+        </p:style>
+        <p:txBody>
+          <a:bodyPr rtlCol="0" anchor="ctr"/>
+          <a:lstStyle/>
+          <a:p>
+            <a:r>
+              <a:rPr lang="en-US" dirty="0">
+                <a:solidFill>
+                  <a:schemeClr val="tx1"/>
+                </a:solidFill>
+              </a:rPr>
+              <a:t>         &lt;</a:t>
             </a:r>
             <a:r>
               <a:rPr lang="en-US" dirty="0">
@@ -9206,7 +8765,7 @@
                   <a:schemeClr val="accent2"/>
                 </a:solidFill>
               </a:rPr>
-              <a:t>id=only-one</a:t>
+              <a:t>id=‘classy-id classier-id’</a:t>
             </a:r>
             <a:r>
               <a:rPr lang="en-US" dirty="0">
@@ -9232,7 +8791,15 @@
                   </a:schemeClr>
                 </a:solidFill>
               </a:rPr>
-              <a:t>I only need one ID! </a:t>
+              <a:t>I’m a bad example</a:t>
+            </a:r>
+            <a:r>
+              <a:rPr lang="en-US" dirty="0">
+                <a:solidFill>
+                  <a:srgbClr val="00B050"/>
+                </a:solidFill>
+              </a:rPr>
+              <a:t> </a:t>
             </a:r>
             <a:r>
               <a:rPr lang="en-US" dirty="0">
@@ -9263,10 +8830,10 @@
       </p:sp>
       <p:sp>
         <p:nvSpPr>
-          <p:cNvPr id="13" name="TextBox 12">
-            <a:extLst>
-              <a:ext uri="{FF2B5EF4-FFF2-40B4-BE49-F238E27FC236}">
-                <a16:creationId xmlns:a16="http://schemas.microsoft.com/office/drawing/2014/main" id="{5EE3CF2F-7646-DF4D-90A3-8CEEEC5046DB}"/>
+          <p:cNvPr id="14" name="TextBox 13">
+            <a:extLst>
+              <a:ext uri="{FF2B5EF4-FFF2-40B4-BE49-F238E27FC236}">
+                <a16:creationId xmlns:a16="http://schemas.microsoft.com/office/drawing/2014/main" id="{8E6E53D8-6E62-9A41-B6DE-FD4A6450C380}"/>
               </a:ext>
             </a:extLst>
           </p:cNvPr>
@@ -9275,8 +8842,8 @@
         </p:nvSpPr>
         <p:spPr>
           <a:xfrm>
-            <a:off x="614911" y="3091206"/>
-            <a:ext cx="7677679" cy="400110"/>
+            <a:off x="614911" y="4506161"/>
+            <a:ext cx="4542782" cy="400110"/>
           </a:xfrm>
           <a:prstGeom prst="rect">
             <a:avLst/>
@@ -9289,10 +8856,44 @@
           </a:bodyPr>
           <a:lstStyle/>
           <a:p>
-            <a:pPr algn="ctr"/>
             <a:r>
               <a:rPr lang="en-US" sz="2000" dirty="0"/>
-              <a:t>IDs are useful when you want unique properties for a group of elements</a:t>
+              <a:t>What color will the following element be?</a:t>
+            </a:r>
+          </a:p>
+        </p:txBody>
+      </p:sp>
+      <p:sp>
+        <p:nvSpPr>
+          <p:cNvPr id="17" name="TextBox 16">
+            <a:extLst>
+              <a:ext uri="{FF2B5EF4-FFF2-40B4-BE49-F238E27FC236}">
+                <a16:creationId xmlns:a16="http://schemas.microsoft.com/office/drawing/2014/main" id="{3EBC776A-F7F8-7547-9BBB-6DD3268B5A41}"/>
+              </a:ext>
+            </a:extLst>
+          </p:cNvPr>
+          <p:cNvSpPr txBox="1"/>
+          <p:nvPr/>
+        </p:nvSpPr>
+        <p:spPr>
+          <a:xfrm>
+            <a:off x="5157693" y="4506160"/>
+            <a:ext cx="5447197" cy="400110"/>
+          </a:xfrm>
+          <a:prstGeom prst="rect">
+            <a:avLst/>
+          </a:prstGeom>
+          <a:noFill/>
+        </p:spPr>
+        <p:txBody>
+          <a:bodyPr wrap="none" rtlCol="0">
+            <a:spAutoFit/>
+          </a:bodyPr>
+          <a:lstStyle/>
+          <a:p>
+            <a:r>
+              <a:rPr lang="en-US" sz="2000" dirty="0"/>
+              <a:t>Neither. Elements with multiple IDs are undefined.</a:t>
             </a:r>
           </a:p>
         </p:txBody>
@@ -9300,13 +8901,91 @@
     </p:spTree>
     <p:extLst>
       <p:ext uri="{BB962C8B-B14F-4D97-AF65-F5344CB8AC3E}">
-        <p14:creationId xmlns:p14="http://schemas.microsoft.com/office/powerpoint/2010/main" val="3756884609"/>
+        <p14:creationId xmlns:p14="http://schemas.microsoft.com/office/powerpoint/2010/main" val="283299522"/>
       </p:ext>
     </p:extLst>
   </p:cSld>
   <p:clrMapOvr>
     <a:masterClrMapping/>
   </p:clrMapOvr>
+  <p:timing>
+    <p:tnLst>
+      <p:par>
+        <p:cTn id="1" dur="indefinite" restart="never" nodeType="tmRoot">
+          <p:childTnLst>
+            <p:seq concurrent="1" nextAc="seek">
+              <p:cTn id="2" dur="indefinite" nodeType="mainSeq">
+                <p:childTnLst>
+                  <p:par>
+                    <p:cTn id="3" fill="hold">
+                      <p:stCondLst>
+                        <p:cond delay="indefinite"/>
+                      </p:stCondLst>
+                      <p:childTnLst>
+                        <p:par>
+                          <p:cTn id="4" fill="hold">
+                            <p:stCondLst>
+                              <p:cond delay="0"/>
+                            </p:stCondLst>
+                            <p:childTnLst>
+                              <p:par>
+                                <p:cTn id="5" presetID="1" presetClass="entr" presetSubtype="0" fill="hold" grpId="0" nodeType="clickEffect">
+                                  <p:stCondLst>
+                                    <p:cond delay="0"/>
+                                  </p:stCondLst>
+                                  <p:childTnLst>
+                                    <p:set>
+                                      <p:cBhvr>
+                                        <p:cTn id="6" dur="1" fill="hold">
+                                          <p:stCondLst>
+                                            <p:cond delay="0"/>
+                                          </p:stCondLst>
+                                        </p:cTn>
+                                        <p:tgtEl>
+                                          <p:spTgt spid="17"/>
+                                        </p:tgtEl>
+                                        <p:attrNameLst>
+                                          <p:attrName>style.visibility</p:attrName>
+                                        </p:attrNameLst>
+                                      </p:cBhvr>
+                                      <p:to>
+                                        <p:strVal val="visible"/>
+                                      </p:to>
+                                    </p:set>
+                                  </p:childTnLst>
+                                </p:cTn>
+                              </p:par>
+                            </p:childTnLst>
+                          </p:cTn>
+                        </p:par>
+                      </p:childTnLst>
+                    </p:cTn>
+                  </p:par>
+                </p:childTnLst>
+              </p:cTn>
+              <p:prevCondLst>
+                <p:cond evt="onPrev" delay="0">
+                  <p:tgtEl>
+                    <p:sldTgt/>
+                  </p:tgtEl>
+                </p:cond>
+              </p:prevCondLst>
+              <p:nextCondLst>
+                <p:cond evt="onNext" delay="0">
+                  <p:tgtEl>
+                    <p:sldTgt/>
+                  </p:tgtEl>
+                </p:cond>
+              </p:nextCondLst>
+            </p:seq>
+          </p:childTnLst>
+        </p:cTn>
+      </p:par>
+    </p:tnLst>
+    <p:bldLst>
+      <p:bldP spid="17" grpId="0"/>
+    </p:bldLst>
+  </p:timing>
 </p:sld>
 </file>
 
@@ -9519,10 +9198,141 @@
       </p:sp>
       <p:sp>
         <p:nvSpPr>
-          <p:cNvPr id="3" name="TextBox 2">
-            <a:extLst>
-              <a:ext uri="{FF2B5EF4-FFF2-40B4-BE49-F238E27FC236}">
-                <a16:creationId xmlns:a16="http://schemas.microsoft.com/office/drawing/2014/main" id="{3720B5D8-AC15-4502-8D58-9C3FDF958DB1}"/>
+          <p:cNvPr id="10" name="Rectangle 9">
+            <a:extLst>
+              <a:ext uri="{FF2B5EF4-FFF2-40B4-BE49-F238E27FC236}">
+                <a16:creationId xmlns:a16="http://schemas.microsoft.com/office/drawing/2014/main" id="{C1104CCC-8B38-3944-8A1A-D62DDB9C05EA}"/>
+              </a:ext>
+            </a:extLst>
+          </p:cNvPr>
+          <p:cNvSpPr/>
+          <p:nvPr/>
+        </p:nvSpPr>
+        <p:spPr>
+          <a:xfrm>
+            <a:off x="614911" y="1963832"/>
+            <a:ext cx="10602438" cy="694271"/>
+          </a:xfrm>
+          <a:prstGeom prst="rect">
+            <a:avLst/>
+          </a:prstGeom>
+          <a:solidFill>
+            <a:schemeClr val="bg1">
+              <a:lumMod val="95000"/>
+            </a:schemeClr>
+          </a:solidFill>
+          <a:ln w="3175">
+            <a:solidFill>
+              <a:schemeClr val="bg1">
+                <a:lumMod val="85000"/>
+              </a:schemeClr>
+            </a:solidFill>
+          </a:ln>
+        </p:spPr>
+        <p:style>
+          <a:lnRef idx="2">
+            <a:schemeClr val="accent1">
+              <a:shade val="50000"/>
+            </a:schemeClr>
+          </a:lnRef>
+          <a:fillRef idx="1">
+            <a:schemeClr val="accent1"/>
+          </a:fillRef>
+          <a:effectRef idx="0">
+            <a:schemeClr val="accent1"/>
+          </a:effectRef>
+          <a:fontRef idx="minor">
+            <a:schemeClr val="lt1"/>
+          </a:fontRef>
+        </p:style>
+        <p:txBody>
+          <a:bodyPr rtlCol="0" anchor="ctr"/>
+          <a:lstStyle/>
+          <a:p>
+            <a:pPr lvl="1"/>
+            <a:r>
+              <a:rPr lang="en-US" dirty="0">
+                <a:solidFill>
+                  <a:schemeClr val="tx1"/>
+                </a:solidFill>
+              </a:rPr>
+              <a:t>&lt;</a:t>
+            </a:r>
+            <a:r>
+              <a:rPr lang="en-US" dirty="0">
+                <a:solidFill>
+                  <a:srgbClr val="FF0000"/>
+                </a:solidFill>
+              </a:rPr>
+              <a:t>p </a:t>
+            </a:r>
+            <a:r>
+              <a:rPr lang="en-US" dirty="0">
+                <a:solidFill>
+                  <a:schemeClr val="accent2"/>
+                </a:solidFill>
+              </a:rPr>
+              <a:t>class=‘first-class second-class … nth-class’</a:t>
+            </a:r>
+            <a:r>
+              <a:rPr lang="en-US" dirty="0">
+                <a:solidFill>
+                  <a:schemeClr val="tx1"/>
+                </a:solidFill>
+              </a:rPr>
+              <a:t>&gt;</a:t>
+            </a:r>
+            <a:r>
+              <a:rPr lang="en-US" dirty="0">
+                <a:solidFill>
+                  <a:srgbClr val="00B050"/>
+                </a:solidFill>
+              </a:rPr>
+              <a:t> </a:t>
+            </a:r>
+            <a:r>
+              <a:rPr lang="en-US" dirty="0">
+                <a:solidFill>
+                  <a:schemeClr val="accent4">
+                    <a:lumMod val="75000"/>
+                  </a:schemeClr>
+                </a:solidFill>
+              </a:rPr>
+              <a:t>I work fine! </a:t>
+            </a:r>
+            <a:r>
+              <a:rPr lang="en-US" dirty="0">
+                <a:solidFill>
+                  <a:schemeClr val="tx1"/>
+                </a:solidFill>
+              </a:rPr>
+              <a:t>&lt;/</a:t>
+            </a:r>
+            <a:r>
+              <a:rPr lang="en-US" dirty="0">
+                <a:solidFill>
+                  <a:srgbClr val="FF0000"/>
+                </a:solidFill>
+              </a:rPr>
+              <a:t>p</a:t>
+            </a:r>
+            <a:r>
+              <a:rPr lang="en-US" dirty="0">
+                <a:solidFill>
+                  <a:schemeClr val="tx1"/>
+                </a:solidFill>
+              </a:rPr>
+              <a:t>&gt;</a:t>
+            </a:r>
+          </a:p>
+        </p:txBody>
+      </p:sp>
+      <p:sp>
+        <p:nvSpPr>
+          <p:cNvPr id="15" name="TextBox 14">
+            <a:extLst>
+              <a:ext uri="{FF2B5EF4-FFF2-40B4-BE49-F238E27FC236}">
+                <a16:creationId xmlns:a16="http://schemas.microsoft.com/office/drawing/2014/main" id="{1F855BD4-C05C-5C4A-AA69-314750DD551A}"/>
               </a:ext>
             </a:extLst>
           </p:cNvPr>
@@ -9531,8 +9341,44 @@
         </p:nvSpPr>
         <p:spPr>
           <a:xfrm>
-            <a:off x="340241" y="2753833"/>
-            <a:ext cx="9976267" cy="3034357"/>
+            <a:off x="614911" y="1446767"/>
+            <a:ext cx="7253845" cy="400110"/>
+          </a:xfrm>
+          <a:prstGeom prst="rect">
+            <a:avLst/>
+          </a:prstGeom>
+          <a:noFill/>
+        </p:spPr>
+        <p:txBody>
+          <a:bodyPr wrap="none" rtlCol="0">
+            <a:spAutoFit/>
+          </a:bodyPr>
+          <a:lstStyle/>
+          <a:p>
+            <a:pPr algn="ctr"/>
+            <a:r>
+              <a:rPr lang="en-US" sz="2000" dirty="0"/>
+              <a:t>Classes are useful when you want to stack properties on an element</a:t>
+            </a:r>
+          </a:p>
+        </p:txBody>
+      </p:sp>
+      <p:sp>
+        <p:nvSpPr>
+          <p:cNvPr id="18" name="TextBox 17">
+            <a:extLst>
+              <a:ext uri="{FF2B5EF4-FFF2-40B4-BE49-F238E27FC236}">
+                <a16:creationId xmlns:a16="http://schemas.microsoft.com/office/drawing/2014/main" id="{DC7FB4FA-0B22-2145-A867-EBEC90848B89}"/>
+              </a:ext>
+            </a:extLst>
+          </p:cNvPr>
+          <p:cNvSpPr txBox="1"/>
+          <p:nvPr/>
+        </p:nvSpPr>
+        <p:spPr>
+          <a:xfrm>
+            <a:off x="4104170" y="10633"/>
+            <a:ext cx="3880884" cy="1003031"/>
           </a:xfrm>
           <a:prstGeom prst="rect">
             <a:avLst/>
@@ -9545,64 +9391,220 @@
           </a:bodyPr>
           <a:lstStyle/>
           <a:p>
-            <a:pPr marL="285750" indent="-285750">
+            <a:pPr algn="ctr">
               <a:lnSpc>
                 <a:spcPct val="150000"/>
               </a:lnSpc>
-              <a:buFont typeface="Arial" panose="020B0604020202020204" pitchFamily="34" charset="0"/>
-              <a:buChar char="•"/>
             </a:pPr>
             <a:r>
-              <a:rPr lang="en-US" sz="4400" dirty="0">
-                <a:solidFill>
-                  <a:schemeClr val="bg1">
-                    <a:lumMod val="65000"/>
+              <a:rPr lang="en-US" sz="4400" dirty="0"/>
+              <a:t>Classes &amp; IDs</a:t>
+            </a:r>
+          </a:p>
+        </p:txBody>
+      </p:sp>
+      <p:cxnSp>
+        <p:nvCxnSpPr>
+          <p:cNvPr id="19" name="Straight Connector 18">
+            <a:extLst>
+              <a:ext uri="{FF2B5EF4-FFF2-40B4-BE49-F238E27FC236}">
+                <a16:creationId xmlns:a16="http://schemas.microsoft.com/office/drawing/2014/main" id="{A255D059-2DD1-DE4B-A98E-9692828D118A}"/>
+              </a:ext>
+            </a:extLst>
+          </p:cNvPr>
+          <p:cNvCxnSpPr>
+            <a:cxnSpLocks/>
+          </p:cNvCxnSpPr>
+          <p:nvPr/>
+        </p:nvCxnSpPr>
+        <p:spPr>
+          <a:xfrm>
+            <a:off x="5730956" y="1013664"/>
+            <a:ext cx="419986" cy="0"/>
+          </a:xfrm>
+          <a:prstGeom prst="line">
+            <a:avLst/>
+          </a:prstGeom>
+          <a:ln w="28575"/>
+        </p:spPr>
+        <p:style>
+          <a:lnRef idx="1">
+            <a:schemeClr val="dk1"/>
+          </a:lnRef>
+          <a:fillRef idx="0">
+            <a:schemeClr val="dk1"/>
+          </a:fillRef>
+          <a:effectRef idx="0">
+            <a:schemeClr val="dk1"/>
+          </a:effectRef>
+          <a:fontRef idx="minor">
+            <a:schemeClr val="tx1"/>
+          </a:fontRef>
+        </p:style>
+      </p:cxnSp>
+      <p:sp>
+        <p:nvSpPr>
+          <p:cNvPr id="12" name="Rectangle 11">
+            <a:extLst>
+              <a:ext uri="{FF2B5EF4-FFF2-40B4-BE49-F238E27FC236}">
+                <a16:creationId xmlns:a16="http://schemas.microsoft.com/office/drawing/2014/main" id="{B2A0E19D-68DC-BB42-A0F2-A9BD7AFAF76F}"/>
+              </a:ext>
+            </a:extLst>
+          </p:cNvPr>
+          <p:cNvSpPr/>
+          <p:nvPr/>
+        </p:nvSpPr>
+        <p:spPr>
+          <a:xfrm>
+            <a:off x="614911" y="3608271"/>
+            <a:ext cx="10602438" cy="694271"/>
+          </a:xfrm>
+          <a:prstGeom prst="rect">
+            <a:avLst/>
+          </a:prstGeom>
+          <a:solidFill>
+            <a:schemeClr val="bg1">
+              <a:lumMod val="95000"/>
+            </a:schemeClr>
+          </a:solidFill>
+          <a:ln w="3175">
+            <a:solidFill>
+              <a:schemeClr val="bg1">
+                <a:lumMod val="85000"/>
+              </a:schemeClr>
+            </a:solidFill>
+          </a:ln>
+        </p:spPr>
+        <p:style>
+          <a:lnRef idx="2">
+            <a:schemeClr val="accent1">
+              <a:shade val="50000"/>
+            </a:schemeClr>
+          </a:lnRef>
+          <a:fillRef idx="1">
+            <a:schemeClr val="accent1"/>
+          </a:fillRef>
+          <a:effectRef idx="0">
+            <a:schemeClr val="accent1"/>
+          </a:effectRef>
+          <a:fontRef idx="minor">
+            <a:schemeClr val="lt1"/>
+          </a:fontRef>
+        </p:style>
+        <p:txBody>
+          <a:bodyPr rtlCol="0" anchor="ctr"/>
+          <a:lstStyle/>
+          <a:p>
+            <a:pPr lvl="1"/>
+            <a:r>
+              <a:rPr lang="en-US" dirty="0">
+                <a:solidFill>
+                  <a:schemeClr val="tx1"/>
+                </a:solidFill>
+              </a:rPr>
+              <a:t>&lt;</a:t>
+            </a:r>
+            <a:r>
+              <a:rPr lang="en-US" dirty="0">
+                <a:solidFill>
+                  <a:srgbClr val="FF0000"/>
+                </a:solidFill>
+              </a:rPr>
+              <a:t>p </a:t>
+            </a:r>
+            <a:r>
+              <a:rPr lang="en-US" dirty="0">
+                <a:solidFill>
+                  <a:schemeClr val="accent2"/>
+                </a:solidFill>
+              </a:rPr>
+              <a:t>id=only-one</a:t>
+            </a:r>
+            <a:r>
+              <a:rPr lang="en-US" dirty="0">
+                <a:solidFill>
+                  <a:schemeClr val="tx1"/>
+                </a:solidFill>
+              </a:rPr>
+              <a:t>&gt;</a:t>
+            </a:r>
+            <a:r>
+              <a:rPr lang="en-US" dirty="0">
+                <a:solidFill>
+                  <a:srgbClr val="00B050"/>
+                </a:solidFill>
+              </a:rPr>
+              <a:t> </a:t>
+            </a:r>
+            <a:r>
+              <a:rPr lang="en-US" dirty="0">
+                <a:solidFill>
+                  <a:schemeClr val="accent4">
+                    <a:lumMod val="75000"/>
                   </a:schemeClr>
                 </a:solidFill>
               </a:rPr>
-              <a:t> </a:t>
-            </a:r>
-            <a:r>
-              <a:rPr lang="en-US" sz="4400" strike="sngStrike" dirty="0">
-                <a:solidFill>
-                  <a:schemeClr val="bg1">
-                    <a:lumMod val="65000"/>
-                  </a:schemeClr>
-                </a:solidFill>
-              </a:rPr>
-              <a:t>HTML Tags</a:t>
-            </a:r>
-          </a:p>
-          <a:p>
-            <a:pPr marL="285750" indent="-285750">
-              <a:lnSpc>
-                <a:spcPct val="150000"/>
-              </a:lnSpc>
-              <a:buFont typeface="Arial" panose="020B0604020202020204" pitchFamily="34" charset="0"/>
-              <a:buChar char="•"/>
-            </a:pPr>
-            <a:r>
-              <a:rPr lang="en-US" sz="4400" strike="sngStrike" dirty="0">
-                <a:solidFill>
-                  <a:schemeClr val="bg1">
-                    <a:lumMod val="65000"/>
-                  </a:schemeClr>
-                </a:solidFill>
-              </a:rPr>
-              <a:t> Class vs ID</a:t>
-            </a:r>
-          </a:p>
-          <a:p>
-            <a:pPr marL="285750" indent="-285750">
-              <a:lnSpc>
-                <a:spcPct val="150000"/>
-              </a:lnSpc>
-              <a:buFont typeface="Arial" panose="020B0604020202020204" pitchFamily="34" charset="0"/>
-              <a:buChar char="•"/>
-            </a:pPr>
-            <a:r>
-              <a:rPr lang="en-US" sz="4400" dirty="0"/>
-              <a:t> Input Fields</a:t>
+              <a:t>I only need one ID! </a:t>
+            </a:r>
+            <a:r>
+              <a:rPr lang="en-US" dirty="0">
+                <a:solidFill>
+                  <a:schemeClr val="tx1"/>
+                </a:solidFill>
+              </a:rPr>
+              <a:t>&lt;/</a:t>
+            </a:r>
+            <a:r>
+              <a:rPr lang="en-US" dirty="0">
+                <a:solidFill>
+                  <a:srgbClr val="FF0000"/>
+                </a:solidFill>
+              </a:rPr>
+              <a:t>p</a:t>
+            </a:r>
+            <a:r>
+              <a:rPr lang="en-US" dirty="0">
+                <a:solidFill>
+                  <a:schemeClr val="tx1"/>
+                </a:solidFill>
+              </a:rPr>
+              <a:t>&gt;</a:t>
+            </a:r>
+          </a:p>
+        </p:txBody>
+      </p:sp>
+      <p:sp>
+        <p:nvSpPr>
+          <p:cNvPr id="13" name="TextBox 12">
+            <a:extLst>
+              <a:ext uri="{FF2B5EF4-FFF2-40B4-BE49-F238E27FC236}">
+                <a16:creationId xmlns:a16="http://schemas.microsoft.com/office/drawing/2014/main" id="{5EE3CF2F-7646-DF4D-90A3-8CEEEC5046DB}"/>
+              </a:ext>
+            </a:extLst>
+          </p:cNvPr>
+          <p:cNvSpPr txBox="1"/>
+          <p:nvPr/>
+        </p:nvSpPr>
+        <p:spPr>
+          <a:xfrm>
+            <a:off x="614911" y="3091206"/>
+            <a:ext cx="7677679" cy="400110"/>
+          </a:xfrm>
+          <a:prstGeom prst="rect">
+            <a:avLst/>
+          </a:prstGeom>
+          <a:noFill/>
+        </p:spPr>
+        <p:txBody>
+          <a:bodyPr wrap="none" rtlCol="0">
+            <a:spAutoFit/>
+          </a:bodyPr>
+          <a:lstStyle/>
+          <a:p>
+            <a:pPr algn="ctr"/>
+            <a:r>
+              <a:rPr lang="en-US" sz="2000" dirty="0"/>
+              <a:t>IDs are useful when you want unique properties for a group of elements</a:t>
             </a:r>
           </a:p>
         </p:txBody>
@@ -9610,7 +9612,7 @@
     </p:spTree>
     <p:extLst>
       <p:ext uri="{BB962C8B-B14F-4D97-AF65-F5344CB8AC3E}">
-        <p14:creationId xmlns:p14="http://schemas.microsoft.com/office/powerpoint/2010/main" val="2725683706"/>
+        <p14:creationId xmlns:p14="http://schemas.microsoft.com/office/powerpoint/2010/main" val="3756884609"/>
       </p:ext>
     </p:extLst>
   </p:cSld>
@@ -9647,10 +9649,10 @@
       </p:grpSpPr>
       <p:sp>
         <p:nvSpPr>
-          <p:cNvPr id="14" name="Rectangle 13">
-            <a:extLst>
-              <a:ext uri="{FF2B5EF4-FFF2-40B4-BE49-F238E27FC236}">
-                <a16:creationId xmlns:a16="http://schemas.microsoft.com/office/drawing/2014/main" id="{133A17CE-979C-5B4D-A661-724745A36FB2}"/>
+          <p:cNvPr id="4" name="Rectangle 3">
+            <a:extLst>
+              <a:ext uri="{FF2B5EF4-FFF2-40B4-BE49-F238E27FC236}">
+                <a16:creationId xmlns:a16="http://schemas.microsoft.com/office/drawing/2014/main" id="{678F1DA2-2833-49FF-9287-44720AC6C8D2}"/>
               </a:ext>
             </a:extLst>
           </p:cNvPr>
@@ -9659,16 +9661,16 @@
         </p:nvSpPr>
         <p:spPr>
           <a:xfrm>
-            <a:off x="613726" y="3428411"/>
-            <a:ext cx="10602438" cy="1543049"/>
+            <a:off x="0" y="6581001"/>
+            <a:ext cx="9976268" cy="276999"/>
           </a:xfrm>
           <a:prstGeom prst="rect">
             <a:avLst/>
           </a:prstGeom>
           <a:solidFill>
-            <a:schemeClr val="bg1"/>
+            <a:srgbClr val="92D050"/>
           </a:solidFill>
-          <a:ln w="3175">
+          <a:ln>
             <a:noFill/>
           </a:ln>
         </p:spPr>
@@ -9692,20 +9694,56 @@
           <a:bodyPr rtlCol="0" anchor="ctr"/>
           <a:lstStyle/>
           <a:p>
-            <a:endParaRPr lang="en-US" dirty="0">
-              <a:solidFill>
-                <a:schemeClr val="tx1"/>
-              </a:solidFill>
-            </a:endParaRPr>
-          </a:p>
-        </p:txBody>
-      </p:sp>
-      <p:sp>
-        <p:nvSpPr>
-          <p:cNvPr id="4" name="Rectangle 3">
-            <a:extLst>
-              <a:ext uri="{FF2B5EF4-FFF2-40B4-BE49-F238E27FC236}">
-                <a16:creationId xmlns:a16="http://schemas.microsoft.com/office/drawing/2014/main" id="{678F1DA2-2833-49FF-9287-44720AC6C8D2}"/>
+            <a:pPr algn="ctr"/>
+            <a:endParaRPr lang="en-US" dirty="0"/>
+          </a:p>
+        </p:txBody>
+      </p:sp>
+      <p:sp>
+        <p:nvSpPr>
+          <p:cNvPr id="5" name="TextBox 4">
+            <a:extLst>
+              <a:ext uri="{FF2B5EF4-FFF2-40B4-BE49-F238E27FC236}">
+                <a16:creationId xmlns:a16="http://schemas.microsoft.com/office/drawing/2014/main" id="{9758F7A4-2143-4CCD-B8B3-8B4A1461ECF9}"/>
+              </a:ext>
+            </a:extLst>
+          </p:cNvPr>
+          <p:cNvSpPr txBox="1"/>
+          <p:nvPr/>
+        </p:nvSpPr>
+        <p:spPr>
+          <a:xfrm>
+            <a:off x="36674" y="6583215"/>
+            <a:ext cx="2682077" cy="276999"/>
+          </a:xfrm>
+          <a:prstGeom prst="rect">
+            <a:avLst/>
+          </a:prstGeom>
+          <a:noFill/>
+        </p:spPr>
+        <p:txBody>
+          <a:bodyPr wrap="square" rtlCol="0">
+            <a:spAutoFit/>
+          </a:bodyPr>
+          <a:lstStyle/>
+          <a:p>
+            <a:r>
+              <a:rPr lang="en-US" sz="1200" dirty="0">
+                <a:solidFill>
+                  <a:schemeClr val="bg1"/>
+                </a:solidFill>
+              </a:rPr>
+              <a:t>Building Personal Websites</a:t>
+            </a:r>
+          </a:p>
+        </p:txBody>
+      </p:sp>
+      <p:sp>
+        <p:nvSpPr>
+          <p:cNvPr id="6" name="Rectangle 5">
+            <a:extLst>
+              <a:ext uri="{FF2B5EF4-FFF2-40B4-BE49-F238E27FC236}">
+                <a16:creationId xmlns:a16="http://schemas.microsoft.com/office/drawing/2014/main" id="{40845236-8634-4353-BA0D-8817FE36EC7A}"/>
               </a:ext>
             </a:extLst>
           </p:cNvPr>
@@ -9714,14 +9752,14 @@
         </p:nvSpPr>
         <p:spPr>
           <a:xfrm>
-            <a:off x="0" y="6581001"/>
-            <a:ext cx="9976268" cy="276999"/>
+            <a:off x="9921514" y="6581001"/>
+            <a:ext cx="2270485" cy="276999"/>
           </a:xfrm>
           <a:prstGeom prst="rect">
             <a:avLst/>
           </a:prstGeom>
           <a:solidFill>
-            <a:srgbClr val="92D050"/>
+            <a:srgbClr val="00B0F0"/>
           </a:solidFill>
           <a:ln>
             <a:noFill/>
@@ -9754,10 +9792,10 @@
       </p:sp>
       <p:sp>
         <p:nvSpPr>
-          <p:cNvPr id="5" name="TextBox 4">
-            <a:extLst>
-              <a:ext uri="{FF2B5EF4-FFF2-40B4-BE49-F238E27FC236}">
-                <a16:creationId xmlns:a16="http://schemas.microsoft.com/office/drawing/2014/main" id="{9758F7A4-2143-4CCD-B8B3-8B4A1461ECF9}"/>
+          <p:cNvPr id="8" name="TextBox 7">
+            <a:extLst>
+              <a:ext uri="{FF2B5EF4-FFF2-40B4-BE49-F238E27FC236}">
+                <a16:creationId xmlns:a16="http://schemas.microsoft.com/office/drawing/2014/main" id="{6403EA4A-E7EB-4525-B0D2-13B3997D5780}"/>
               </a:ext>
             </a:extLst>
           </p:cNvPr>
@@ -9766,7 +9804,7 @@
         </p:nvSpPr>
         <p:spPr>
           <a:xfrm>
-            <a:off x="36674" y="6583215"/>
+            <a:off x="9958188" y="6578787"/>
             <a:ext cx="2682077" cy="276999"/>
           </a:xfrm>
           <a:prstGeom prst="rect">
@@ -9786,69 +9824,17 @@
                   <a:schemeClr val="bg1"/>
                 </a:solidFill>
               </a:rPr>
-              <a:t>Building Personal Websites</a:t>
-            </a:r>
-          </a:p>
-        </p:txBody>
-      </p:sp>
-      <p:sp>
-        <p:nvSpPr>
-          <p:cNvPr id="6" name="Rectangle 5">
-            <a:extLst>
-              <a:ext uri="{FF2B5EF4-FFF2-40B4-BE49-F238E27FC236}">
-                <a16:creationId xmlns:a16="http://schemas.microsoft.com/office/drawing/2014/main" id="{40845236-8634-4353-BA0D-8817FE36EC7A}"/>
-              </a:ext>
-            </a:extLst>
-          </p:cNvPr>
-          <p:cNvSpPr/>
-          <p:nvPr/>
-        </p:nvSpPr>
-        <p:spPr>
-          <a:xfrm>
-            <a:off x="9921514" y="6581001"/>
-            <a:ext cx="2270485" cy="276999"/>
-          </a:xfrm>
-          <a:prstGeom prst="rect">
-            <a:avLst/>
-          </a:prstGeom>
-          <a:solidFill>
-            <a:srgbClr val="00B0F0"/>
-          </a:solidFill>
-          <a:ln>
-            <a:noFill/>
-          </a:ln>
-        </p:spPr>
-        <p:style>
-          <a:lnRef idx="2">
-            <a:schemeClr val="accent1">
-              <a:shade val="50000"/>
-            </a:schemeClr>
-          </a:lnRef>
-          <a:fillRef idx="1">
-            <a:schemeClr val="accent1"/>
-          </a:fillRef>
-          <a:effectRef idx="0">
-            <a:schemeClr val="accent1"/>
-          </a:effectRef>
-          <a:fontRef idx="minor">
-            <a:schemeClr val="lt1"/>
-          </a:fontRef>
-        </p:style>
-        <p:txBody>
-          <a:bodyPr rtlCol="0" anchor="ctr"/>
-          <a:lstStyle/>
-          <a:p>
-            <a:pPr algn="ctr"/>
-            <a:endParaRPr lang="en-US" dirty="0"/>
-          </a:p>
-        </p:txBody>
-      </p:sp>
-      <p:sp>
-        <p:nvSpPr>
-          <p:cNvPr id="8" name="TextBox 7">
-            <a:extLst>
-              <a:ext uri="{FF2B5EF4-FFF2-40B4-BE49-F238E27FC236}">
-                <a16:creationId xmlns:a16="http://schemas.microsoft.com/office/drawing/2014/main" id="{6403EA4A-E7EB-4525-B0D2-13B3997D5780}"/>
+              <a:t>Lecture 03 | HTML Content</a:t>
+            </a:r>
+          </a:p>
+        </p:txBody>
+      </p:sp>
+      <p:sp>
+        <p:nvSpPr>
+          <p:cNvPr id="3" name="TextBox 2">
+            <a:extLst>
+              <a:ext uri="{FF2B5EF4-FFF2-40B4-BE49-F238E27FC236}">
+                <a16:creationId xmlns:a16="http://schemas.microsoft.com/office/drawing/2014/main" id="{3720B5D8-AC15-4502-8D58-9C3FDF958DB1}"/>
               </a:ext>
             </a:extLst>
           </p:cNvPr>
@@ -9857,8 +9843,8 @@
         </p:nvSpPr>
         <p:spPr>
           <a:xfrm>
-            <a:off x="9958188" y="6578787"/>
-            <a:ext cx="2682077" cy="276999"/>
+            <a:off x="340241" y="2753833"/>
+            <a:ext cx="9976267" cy="3034357"/>
           </a:xfrm>
           <a:prstGeom prst="rect">
             <a:avLst/>
@@ -9871,391 +9857,64 @@
           </a:bodyPr>
           <a:lstStyle/>
           <a:p>
-            <a:r>
-              <a:rPr lang="en-US" sz="1200" dirty="0">
-                <a:solidFill>
-                  <a:schemeClr val="bg1"/>
-                </a:solidFill>
-              </a:rPr>
-              <a:t>Lecture 03 | HTML Content</a:t>
-            </a:r>
-          </a:p>
-        </p:txBody>
-      </p:sp>
-      <p:pic>
-        <p:nvPicPr>
-          <p:cNvPr id="4098" name="Picture 2" descr="https://i.gyazo.com/fec47496789936510eac0864ae0367b9.png">
-            <a:extLst>
-              <a:ext uri="{FF2B5EF4-FFF2-40B4-BE49-F238E27FC236}">
-                <a16:creationId xmlns:a16="http://schemas.microsoft.com/office/drawing/2014/main" id="{F039617D-14F9-4594-BCA7-CCF952A6E95A}"/>
-              </a:ext>
-            </a:extLst>
-          </p:cNvPr>
-          <p:cNvPicPr>
-            <a:picLocks noChangeAspect="1" noChangeArrowheads="1"/>
-          </p:cNvPicPr>
-          <p:nvPr/>
-        </p:nvPicPr>
-        <p:blipFill>
-          <a:blip r:embed="rId2">
-            <a:extLst>
-              <a:ext uri="{28A0092B-C50C-407E-A947-70E740481C1C}">
-                <a14:useLocalDpi xmlns:a14="http://schemas.microsoft.com/office/drawing/2010/main" val="0"/>
-              </a:ext>
-            </a:extLst>
-          </a:blip>
-          <a:srcRect/>
-          <a:stretch>
-            <a:fillRect/>
-          </a:stretch>
-        </p:blipFill>
-        <p:spPr bwMode="auto">
-          <a:xfrm>
-            <a:off x="749788" y="3690347"/>
-            <a:ext cx="2514600" cy="1019175"/>
-          </a:xfrm>
-          <a:prstGeom prst="rect">
-            <a:avLst/>
-          </a:prstGeom>
-          <a:noFill/>
-          <a:extLst>
-            <a:ext uri="{909E8E84-426E-40DD-AFC4-6F175D3DCCD1}">
-              <a14:hiddenFill xmlns:a14="http://schemas.microsoft.com/office/drawing/2010/main">
-                <a:solidFill>
-                  <a:srgbClr val="FFFFFF"/>
-                </a:solidFill>
-              </a14:hiddenFill>
-            </a:ext>
-          </a:extLst>
-        </p:spPr>
-      </p:pic>
-      <p:sp>
-        <p:nvSpPr>
-          <p:cNvPr id="9" name="TextBox 8">
-            <a:extLst>
-              <a:ext uri="{FF2B5EF4-FFF2-40B4-BE49-F238E27FC236}">
-                <a16:creationId xmlns:a16="http://schemas.microsoft.com/office/drawing/2014/main" id="{4A773596-A3E8-4642-B42E-78DAB813D3F0}"/>
-              </a:ext>
-            </a:extLst>
-          </p:cNvPr>
-          <p:cNvSpPr txBox="1"/>
-          <p:nvPr/>
-        </p:nvSpPr>
-        <p:spPr>
-          <a:xfrm>
-            <a:off x="4104170" y="10633"/>
-            <a:ext cx="3880884" cy="1003031"/>
-          </a:xfrm>
-          <a:prstGeom prst="rect">
-            <a:avLst/>
-          </a:prstGeom>
-          <a:noFill/>
-        </p:spPr>
-        <p:txBody>
-          <a:bodyPr wrap="square" rtlCol="0">
-            <a:spAutoFit/>
-          </a:bodyPr>
-          <a:lstStyle/>
-          <a:p>
-            <a:pPr algn="ctr">
+            <a:pPr marL="285750" indent="-285750">
               <a:lnSpc>
                 <a:spcPct val="150000"/>
               </a:lnSpc>
+              <a:buFont typeface="Arial" panose="020B0604020202020204" pitchFamily="34" charset="0"/>
+              <a:buChar char="•"/>
             </a:pPr>
             <a:r>
+              <a:rPr lang="en-US" sz="4400" dirty="0">
+                <a:solidFill>
+                  <a:schemeClr val="bg1">
+                    <a:lumMod val="65000"/>
+                  </a:schemeClr>
+                </a:solidFill>
+              </a:rPr>
+              <a:t> </a:t>
+            </a:r>
+            <a:r>
+              <a:rPr lang="en-US" sz="4400" strike="sngStrike" dirty="0">
+                <a:solidFill>
+                  <a:schemeClr val="bg1">
+                    <a:lumMod val="65000"/>
+                  </a:schemeClr>
+                </a:solidFill>
+              </a:rPr>
+              <a:t>HTML Tags</a:t>
+            </a:r>
+          </a:p>
+          <a:p>
+            <a:pPr marL="285750" indent="-285750">
+              <a:lnSpc>
+                <a:spcPct val="150000"/>
+              </a:lnSpc>
+              <a:buFont typeface="Arial" panose="020B0604020202020204" pitchFamily="34" charset="0"/>
+              <a:buChar char="•"/>
+            </a:pPr>
+            <a:r>
+              <a:rPr lang="en-US" sz="4400" strike="sngStrike" dirty="0">
+                <a:solidFill>
+                  <a:schemeClr val="bg1">
+                    <a:lumMod val="65000"/>
+                  </a:schemeClr>
+                </a:solidFill>
+              </a:rPr>
+              <a:t> Class vs ID</a:t>
+            </a:r>
+          </a:p>
+          <a:p>
+            <a:pPr marL="285750" indent="-285750">
+              <a:lnSpc>
+                <a:spcPct val="150000"/>
+              </a:lnSpc>
+              <a:buFont typeface="Arial" panose="020B0604020202020204" pitchFamily="34" charset="0"/>
+              <a:buChar char="•"/>
+            </a:pPr>
+            <a:r>
               <a:rPr lang="en-US" sz="4400" dirty="0"/>
-              <a:t>Input Fields</a:t>
-            </a:r>
-          </a:p>
-        </p:txBody>
-      </p:sp>
-      <p:cxnSp>
-        <p:nvCxnSpPr>
-          <p:cNvPr id="10" name="Straight Connector 9">
-            <a:extLst>
-              <a:ext uri="{FF2B5EF4-FFF2-40B4-BE49-F238E27FC236}">
-                <a16:creationId xmlns:a16="http://schemas.microsoft.com/office/drawing/2014/main" id="{D108A4D9-1C1E-CD4B-9C85-B46309BE520A}"/>
-              </a:ext>
-            </a:extLst>
-          </p:cNvPr>
-          <p:cNvCxnSpPr>
-            <a:cxnSpLocks/>
-          </p:cNvCxnSpPr>
-          <p:nvPr/>
-        </p:nvCxnSpPr>
-        <p:spPr>
-          <a:xfrm>
-            <a:off x="5730956" y="1013664"/>
-            <a:ext cx="419986" cy="0"/>
-          </a:xfrm>
-          <a:prstGeom prst="line">
-            <a:avLst/>
-          </a:prstGeom>
-          <a:ln w="28575"/>
-        </p:spPr>
-        <p:style>
-          <a:lnRef idx="1">
-            <a:schemeClr val="dk1"/>
-          </a:lnRef>
-          <a:fillRef idx="0">
-            <a:schemeClr val="dk1"/>
-          </a:fillRef>
-          <a:effectRef idx="0">
-            <a:schemeClr val="dk1"/>
-          </a:effectRef>
-          <a:fontRef idx="minor">
-            <a:schemeClr val="tx1"/>
-          </a:fontRef>
-        </p:style>
-      </p:cxnSp>
-      <p:sp>
-        <p:nvSpPr>
-          <p:cNvPr id="11" name="Rectangle 10">
-            <a:extLst>
-              <a:ext uri="{FF2B5EF4-FFF2-40B4-BE49-F238E27FC236}">
-                <a16:creationId xmlns:a16="http://schemas.microsoft.com/office/drawing/2014/main" id="{7CB8D162-7938-C344-9878-9B6CC839ED97}"/>
-              </a:ext>
-            </a:extLst>
-          </p:cNvPr>
-          <p:cNvSpPr/>
-          <p:nvPr/>
-        </p:nvSpPr>
-        <p:spPr>
-          <a:xfrm>
-            <a:off x="614911" y="2378129"/>
-            <a:ext cx="10602438" cy="928597"/>
-          </a:xfrm>
-          <a:prstGeom prst="rect">
-            <a:avLst/>
-          </a:prstGeom>
-          <a:solidFill>
-            <a:schemeClr val="bg1">
-              <a:lumMod val="95000"/>
-            </a:schemeClr>
-          </a:solidFill>
-          <a:ln w="3175">
-            <a:solidFill>
-              <a:schemeClr val="bg1">
-                <a:lumMod val="85000"/>
-              </a:schemeClr>
-            </a:solidFill>
-          </a:ln>
-        </p:spPr>
-        <p:style>
-          <a:lnRef idx="2">
-            <a:schemeClr val="accent1">
-              <a:shade val="50000"/>
-            </a:schemeClr>
-          </a:lnRef>
-          <a:fillRef idx="1">
-            <a:schemeClr val="accent1"/>
-          </a:fillRef>
-          <a:effectRef idx="0">
-            <a:schemeClr val="accent1"/>
-          </a:effectRef>
-          <a:fontRef idx="minor">
-            <a:schemeClr val="lt1"/>
-          </a:fontRef>
-        </p:style>
-        <p:txBody>
-          <a:bodyPr rtlCol="0" anchor="ctr"/>
-          <a:lstStyle/>
-          <a:p>
-            <a:pPr lvl="1"/>
-            <a:r>
-              <a:rPr lang="en-US" dirty="0">
-                <a:solidFill>
-                  <a:schemeClr val="tx1"/>
-                </a:solidFill>
-              </a:rPr>
-              <a:t>&lt;</a:t>
-            </a:r>
-            <a:r>
-              <a:rPr lang="en-US" dirty="0">
-                <a:solidFill>
-                  <a:srgbClr val="FF0000"/>
-                </a:solidFill>
-              </a:rPr>
-              <a:t>p</a:t>
-            </a:r>
-            <a:r>
-              <a:rPr lang="en-US" dirty="0">
-                <a:solidFill>
-                  <a:schemeClr val="tx1"/>
-                </a:solidFill>
-              </a:rPr>
-              <a:t>&gt;</a:t>
-            </a:r>
-            <a:r>
-              <a:rPr lang="en-US" dirty="0">
-                <a:solidFill>
-                  <a:srgbClr val="00B050"/>
-                </a:solidFill>
-              </a:rPr>
-              <a:t> </a:t>
-            </a:r>
-            <a:r>
-              <a:rPr lang="en-US" dirty="0">
-                <a:solidFill>
-                  <a:schemeClr val="accent4">
-                    <a:lumMod val="75000"/>
-                  </a:schemeClr>
-                </a:solidFill>
-              </a:rPr>
-              <a:t>Please enter your name </a:t>
-            </a:r>
-            <a:r>
-              <a:rPr lang="en-US" dirty="0">
-                <a:solidFill>
-                  <a:schemeClr val="tx1"/>
-                </a:solidFill>
-              </a:rPr>
-              <a:t>&lt;/</a:t>
-            </a:r>
-            <a:r>
-              <a:rPr lang="en-US" dirty="0">
-                <a:solidFill>
-                  <a:srgbClr val="FF0000"/>
-                </a:solidFill>
-              </a:rPr>
-              <a:t>p</a:t>
-            </a:r>
-            <a:r>
-              <a:rPr lang="en-US" dirty="0">
-                <a:solidFill>
-                  <a:schemeClr val="tx1"/>
-                </a:solidFill>
-              </a:rPr>
-              <a:t>&gt;</a:t>
-            </a:r>
-          </a:p>
-          <a:p>
-            <a:pPr lvl="1"/>
-            <a:r>
-              <a:rPr lang="en-US" dirty="0">
-                <a:solidFill>
-                  <a:schemeClr val="tx1"/>
-                </a:solidFill>
-              </a:rPr>
-              <a:t>&lt;</a:t>
-            </a:r>
-            <a:r>
-              <a:rPr lang="en-US" dirty="0">
-                <a:solidFill>
-                  <a:srgbClr val="FF0000"/>
-                </a:solidFill>
-              </a:rPr>
-              <a:t>input</a:t>
-            </a:r>
-            <a:r>
-              <a:rPr lang="en-US" dirty="0">
-                <a:solidFill>
-                  <a:schemeClr val="tx1"/>
-                </a:solidFill>
-              </a:rPr>
-              <a:t> </a:t>
-            </a:r>
-            <a:r>
-              <a:rPr lang="en-US" dirty="0">
-                <a:solidFill>
-                  <a:srgbClr val="00B050"/>
-                </a:solidFill>
-              </a:rPr>
-              <a:t>type=”text” </a:t>
-            </a:r>
-            <a:r>
-              <a:rPr lang="en-US" dirty="0">
-                <a:solidFill>
-                  <a:schemeClr val="accent2"/>
-                </a:solidFill>
-              </a:rPr>
-              <a:t>id=‘name-field’</a:t>
-            </a:r>
-            <a:r>
-              <a:rPr lang="en-US" dirty="0">
-                <a:solidFill>
-                  <a:schemeClr val="tx1"/>
-                </a:solidFill>
-              </a:rPr>
-              <a:t>&gt;</a:t>
-            </a:r>
-          </a:p>
-        </p:txBody>
-      </p:sp>
-      <p:sp>
-        <p:nvSpPr>
-          <p:cNvPr id="13" name="TextBox 12">
-            <a:extLst>
-              <a:ext uri="{FF2B5EF4-FFF2-40B4-BE49-F238E27FC236}">
-                <a16:creationId xmlns:a16="http://schemas.microsoft.com/office/drawing/2014/main" id="{B60E7538-C42C-D740-B004-F744A34DFA7E}"/>
-              </a:ext>
-            </a:extLst>
-          </p:cNvPr>
-          <p:cNvSpPr txBox="1"/>
-          <p:nvPr/>
-        </p:nvSpPr>
-        <p:spPr>
-          <a:xfrm>
-            <a:off x="613726" y="1856334"/>
-            <a:ext cx="5422959" cy="400110"/>
-          </a:xfrm>
-          <a:prstGeom prst="rect">
-            <a:avLst/>
-          </a:prstGeom>
-          <a:noFill/>
-        </p:spPr>
-        <p:txBody>
-          <a:bodyPr wrap="none" rtlCol="0">
-            <a:spAutoFit/>
-          </a:bodyPr>
-          <a:lstStyle/>
-          <a:p>
-            <a:r>
-              <a:rPr lang="en-US" sz="2000" dirty="0"/>
-              <a:t>HTML has specific input tags to handle entry fields</a:t>
-            </a:r>
-          </a:p>
-        </p:txBody>
-      </p:sp>
-      <p:sp>
-        <p:nvSpPr>
-          <p:cNvPr id="15" name="TextBox 14">
-            <a:extLst>
-              <a:ext uri="{FF2B5EF4-FFF2-40B4-BE49-F238E27FC236}">
-                <a16:creationId xmlns:a16="http://schemas.microsoft.com/office/drawing/2014/main" id="{A80EF0F4-B833-9845-977C-7278D76144E1}"/>
-              </a:ext>
-            </a:extLst>
-          </p:cNvPr>
-          <p:cNvSpPr txBox="1"/>
-          <p:nvPr/>
-        </p:nvSpPr>
-        <p:spPr>
-          <a:xfrm>
-            <a:off x="613725" y="5174958"/>
-            <a:ext cx="5954322" cy="400110"/>
-          </a:xfrm>
-          <a:prstGeom prst="rect">
-            <a:avLst/>
-          </a:prstGeom>
-          <a:noFill/>
-        </p:spPr>
-        <p:txBody>
-          <a:bodyPr wrap="none" rtlCol="0">
-            <a:spAutoFit/>
-          </a:bodyPr>
-          <a:lstStyle/>
-          <a:p>
-            <a:r>
-              <a:rPr lang="en-US" sz="2000" dirty="0"/>
-              <a:t>We will learn later how to use </a:t>
-            </a:r>
-            <a:r>
-              <a:rPr lang="en-US" sz="2000" dirty="0" err="1"/>
-              <a:t>JQuery</a:t>
-            </a:r>
-            <a:r>
-              <a:rPr lang="en-US" sz="2000" dirty="0"/>
-              <a:t> to parse the input</a:t>
+              <a:t> Input Fields</a:t>
             </a:r>
           </a:p>
         </p:txBody>
@@ -10263,7 +9922,7 @@
     </p:spTree>
     <p:extLst>
       <p:ext uri="{BB962C8B-B14F-4D97-AF65-F5344CB8AC3E}">
-        <p14:creationId xmlns:p14="http://schemas.microsoft.com/office/powerpoint/2010/main" val="1750556030"/>
+        <p14:creationId xmlns:p14="http://schemas.microsoft.com/office/powerpoint/2010/main" val="2725683706"/>
       </p:ext>
     </p:extLst>
   </p:cSld>
@@ -10600,10 +10259,10 @@
       </p:grpSpPr>
       <p:sp>
         <p:nvSpPr>
-          <p:cNvPr id="4" name="Rectangle 3">
-            <a:extLst>
-              <a:ext uri="{FF2B5EF4-FFF2-40B4-BE49-F238E27FC236}">
-                <a16:creationId xmlns:a16="http://schemas.microsoft.com/office/drawing/2014/main" id="{678F1DA2-2833-49FF-9287-44720AC6C8D2}"/>
+          <p:cNvPr id="14" name="Rectangle 13">
+            <a:extLst>
+              <a:ext uri="{FF2B5EF4-FFF2-40B4-BE49-F238E27FC236}">
+                <a16:creationId xmlns:a16="http://schemas.microsoft.com/office/drawing/2014/main" id="{133A17CE-979C-5B4D-A661-724745A36FB2}"/>
               </a:ext>
             </a:extLst>
           </p:cNvPr>
@@ -10612,16 +10271,16 @@
         </p:nvSpPr>
         <p:spPr>
           <a:xfrm>
-            <a:off x="0" y="6581001"/>
-            <a:ext cx="9976268" cy="276999"/>
+            <a:off x="613726" y="3428411"/>
+            <a:ext cx="10602438" cy="1543049"/>
           </a:xfrm>
           <a:prstGeom prst="rect">
             <a:avLst/>
           </a:prstGeom>
           <a:solidFill>
-            <a:srgbClr val="92D050"/>
+            <a:schemeClr val="bg1"/>
           </a:solidFill>
-          <a:ln>
+          <a:ln w="3175">
             <a:noFill/>
           </a:ln>
         </p:spPr>
@@ -10645,56 +10304,20 @@
           <a:bodyPr rtlCol="0" anchor="ctr"/>
           <a:lstStyle/>
           <a:p>
-            <a:pPr algn="ctr"/>
-            <a:endParaRPr lang="en-US" dirty="0"/>
-          </a:p>
-        </p:txBody>
-      </p:sp>
-      <p:sp>
-        <p:nvSpPr>
-          <p:cNvPr id="5" name="TextBox 4">
-            <a:extLst>
-              <a:ext uri="{FF2B5EF4-FFF2-40B4-BE49-F238E27FC236}">
-                <a16:creationId xmlns:a16="http://schemas.microsoft.com/office/drawing/2014/main" id="{9758F7A4-2143-4CCD-B8B3-8B4A1461ECF9}"/>
-              </a:ext>
-            </a:extLst>
-          </p:cNvPr>
-          <p:cNvSpPr txBox="1"/>
-          <p:nvPr/>
-        </p:nvSpPr>
-        <p:spPr>
-          <a:xfrm>
-            <a:off x="36674" y="6583215"/>
-            <a:ext cx="2682077" cy="276999"/>
-          </a:xfrm>
-          <a:prstGeom prst="rect">
-            <a:avLst/>
-          </a:prstGeom>
-          <a:noFill/>
-        </p:spPr>
-        <p:txBody>
-          <a:bodyPr wrap="square" rtlCol="0">
-            <a:spAutoFit/>
-          </a:bodyPr>
-          <a:lstStyle/>
-          <a:p>
-            <a:r>
-              <a:rPr lang="en-US" sz="1200" dirty="0">
-                <a:solidFill>
-                  <a:schemeClr val="bg1"/>
-                </a:solidFill>
-              </a:rPr>
-              <a:t>Building Personal Websites</a:t>
-            </a:r>
-          </a:p>
-        </p:txBody>
-      </p:sp>
-      <p:sp>
-        <p:nvSpPr>
-          <p:cNvPr id="6" name="Rectangle 5">
-            <a:extLst>
-              <a:ext uri="{FF2B5EF4-FFF2-40B4-BE49-F238E27FC236}">
-                <a16:creationId xmlns:a16="http://schemas.microsoft.com/office/drawing/2014/main" id="{40845236-8634-4353-BA0D-8817FE36EC7A}"/>
+            <a:endParaRPr lang="en-US" dirty="0">
+              <a:solidFill>
+                <a:schemeClr val="tx1"/>
+              </a:solidFill>
+            </a:endParaRPr>
+          </a:p>
+        </p:txBody>
+      </p:sp>
+      <p:sp>
+        <p:nvSpPr>
+          <p:cNvPr id="4" name="Rectangle 3">
+            <a:extLst>
+              <a:ext uri="{FF2B5EF4-FFF2-40B4-BE49-F238E27FC236}">
+                <a16:creationId xmlns:a16="http://schemas.microsoft.com/office/drawing/2014/main" id="{678F1DA2-2833-49FF-9287-44720AC6C8D2}"/>
               </a:ext>
             </a:extLst>
           </p:cNvPr>
@@ -10703,14 +10326,14 @@
         </p:nvSpPr>
         <p:spPr>
           <a:xfrm>
-            <a:off x="9921514" y="6581001"/>
-            <a:ext cx="2270485" cy="276999"/>
+            <a:off x="0" y="6581001"/>
+            <a:ext cx="9976268" cy="276999"/>
           </a:xfrm>
           <a:prstGeom prst="rect">
             <a:avLst/>
           </a:prstGeom>
           <a:solidFill>
-            <a:srgbClr val="00B0F0"/>
+            <a:srgbClr val="92D050"/>
           </a:solidFill>
           <a:ln>
             <a:noFill/>
@@ -10743,10 +10366,10 @@
       </p:sp>
       <p:sp>
         <p:nvSpPr>
-          <p:cNvPr id="8" name="TextBox 7">
-            <a:extLst>
-              <a:ext uri="{FF2B5EF4-FFF2-40B4-BE49-F238E27FC236}">
-                <a16:creationId xmlns:a16="http://schemas.microsoft.com/office/drawing/2014/main" id="{6403EA4A-E7EB-4525-B0D2-13B3997D5780}"/>
+          <p:cNvPr id="5" name="TextBox 4">
+            <a:extLst>
+              <a:ext uri="{FF2B5EF4-FFF2-40B4-BE49-F238E27FC236}">
+                <a16:creationId xmlns:a16="http://schemas.microsoft.com/office/drawing/2014/main" id="{9758F7A4-2143-4CCD-B8B3-8B4A1461ECF9}"/>
               </a:ext>
             </a:extLst>
           </p:cNvPr>
@@ -10755,7 +10378,7 @@
         </p:nvSpPr>
         <p:spPr>
           <a:xfrm>
-            <a:off x="9958188" y="6578787"/>
+            <a:off x="36674" y="6583215"/>
             <a:ext cx="2682077" cy="276999"/>
           </a:xfrm>
           <a:prstGeom prst="rect">
@@ -10775,96 +10398,17 @@
                   <a:schemeClr val="bg1"/>
                 </a:solidFill>
               </a:rPr>
-              <a:t>Lecture 03 | HTML Content</a:t>
-            </a:r>
-          </a:p>
-        </p:txBody>
-      </p:sp>
-      <p:sp>
-        <p:nvSpPr>
-          <p:cNvPr id="9" name="TextBox 8">
-            <a:extLst>
-              <a:ext uri="{FF2B5EF4-FFF2-40B4-BE49-F238E27FC236}">
-                <a16:creationId xmlns:a16="http://schemas.microsoft.com/office/drawing/2014/main" id="{4A773596-A3E8-4642-B42E-78DAB813D3F0}"/>
-              </a:ext>
-            </a:extLst>
-          </p:cNvPr>
-          <p:cNvSpPr txBox="1"/>
-          <p:nvPr/>
-        </p:nvSpPr>
-        <p:spPr>
-          <a:xfrm>
-            <a:off x="4104170" y="10633"/>
-            <a:ext cx="3880884" cy="1003031"/>
-          </a:xfrm>
-          <a:prstGeom prst="rect">
-            <a:avLst/>
-          </a:prstGeom>
-          <a:noFill/>
-        </p:spPr>
-        <p:txBody>
-          <a:bodyPr wrap="square" rtlCol="0">
-            <a:spAutoFit/>
-          </a:bodyPr>
-          <a:lstStyle/>
-          <a:p>
-            <a:pPr algn="ctr">
-              <a:lnSpc>
-                <a:spcPct val="150000"/>
-              </a:lnSpc>
-            </a:pPr>
-            <a:r>
-              <a:rPr lang="en-US" sz="4400" dirty="0"/>
-              <a:t>Input Fields</a:t>
-            </a:r>
-          </a:p>
-        </p:txBody>
-      </p:sp>
-      <p:cxnSp>
-        <p:nvCxnSpPr>
-          <p:cNvPr id="10" name="Straight Connector 9">
-            <a:extLst>
-              <a:ext uri="{FF2B5EF4-FFF2-40B4-BE49-F238E27FC236}">
-                <a16:creationId xmlns:a16="http://schemas.microsoft.com/office/drawing/2014/main" id="{D108A4D9-1C1E-CD4B-9C85-B46309BE520A}"/>
-              </a:ext>
-            </a:extLst>
-          </p:cNvPr>
-          <p:cNvCxnSpPr>
-            <a:cxnSpLocks/>
-          </p:cNvCxnSpPr>
-          <p:nvPr/>
-        </p:nvCxnSpPr>
-        <p:spPr>
-          <a:xfrm>
-            <a:off x="5730956" y="1013664"/>
-            <a:ext cx="419986" cy="0"/>
-          </a:xfrm>
-          <a:prstGeom prst="line">
-            <a:avLst/>
-          </a:prstGeom>
-          <a:ln w="28575"/>
-        </p:spPr>
-        <p:style>
-          <a:lnRef idx="1">
-            <a:schemeClr val="dk1"/>
-          </a:lnRef>
-          <a:fillRef idx="0">
-            <a:schemeClr val="dk1"/>
-          </a:fillRef>
-          <a:effectRef idx="0">
-            <a:schemeClr val="dk1"/>
-          </a:effectRef>
-          <a:fontRef idx="minor">
-            <a:schemeClr val="tx1"/>
-          </a:fontRef>
-        </p:style>
-      </p:cxnSp>
-      <p:sp>
-        <p:nvSpPr>
-          <p:cNvPr id="11" name="Rectangle 10">
-            <a:extLst>
-              <a:ext uri="{FF2B5EF4-FFF2-40B4-BE49-F238E27FC236}">
-                <a16:creationId xmlns:a16="http://schemas.microsoft.com/office/drawing/2014/main" id="{7CB8D162-7938-C344-9878-9B6CC839ED97}"/>
+              <a:t>Building Personal Websites</a:t>
+            </a:r>
+          </a:p>
+        </p:txBody>
+      </p:sp>
+      <p:sp>
+        <p:nvSpPr>
+          <p:cNvPr id="6" name="Rectangle 5">
+            <a:extLst>
+              <a:ext uri="{FF2B5EF4-FFF2-40B4-BE49-F238E27FC236}">
+                <a16:creationId xmlns:a16="http://schemas.microsoft.com/office/drawing/2014/main" id="{40845236-8634-4353-BA0D-8817FE36EC7A}"/>
               </a:ext>
             </a:extLst>
           </p:cNvPr>
@@ -10873,23 +10417,17 @@
         </p:nvSpPr>
         <p:spPr>
           <a:xfrm>
-            <a:off x="614911" y="2378129"/>
-            <a:ext cx="10602438" cy="3140163"/>
+            <a:off x="9921514" y="6581001"/>
+            <a:ext cx="2270485" cy="276999"/>
           </a:xfrm>
           <a:prstGeom prst="rect">
             <a:avLst/>
           </a:prstGeom>
           <a:solidFill>
-            <a:schemeClr val="bg1">
-              <a:lumMod val="95000"/>
-            </a:schemeClr>
+            <a:srgbClr val="00B0F0"/>
           </a:solidFill>
-          <a:ln w="3175">
-            <a:solidFill>
-              <a:schemeClr val="bg1">
-                <a:lumMod val="85000"/>
-              </a:schemeClr>
-            </a:solidFill>
+          <a:ln>
+            <a:noFill/>
           </a:ln>
         </p:spPr>
         <p:style>
@@ -10912,6 +10450,780 @@
           <a:bodyPr rtlCol="0" anchor="ctr"/>
           <a:lstStyle/>
           <a:p>
+            <a:pPr algn="ctr"/>
+            <a:endParaRPr lang="en-US" dirty="0"/>
+          </a:p>
+        </p:txBody>
+      </p:sp>
+      <p:sp>
+        <p:nvSpPr>
+          <p:cNvPr id="8" name="TextBox 7">
+            <a:extLst>
+              <a:ext uri="{FF2B5EF4-FFF2-40B4-BE49-F238E27FC236}">
+                <a16:creationId xmlns:a16="http://schemas.microsoft.com/office/drawing/2014/main" id="{6403EA4A-E7EB-4525-B0D2-13B3997D5780}"/>
+              </a:ext>
+            </a:extLst>
+          </p:cNvPr>
+          <p:cNvSpPr txBox="1"/>
+          <p:nvPr/>
+        </p:nvSpPr>
+        <p:spPr>
+          <a:xfrm>
+            <a:off x="9958188" y="6578787"/>
+            <a:ext cx="2682077" cy="276999"/>
+          </a:xfrm>
+          <a:prstGeom prst="rect">
+            <a:avLst/>
+          </a:prstGeom>
+          <a:noFill/>
+        </p:spPr>
+        <p:txBody>
+          <a:bodyPr wrap="square" rtlCol="0">
+            <a:spAutoFit/>
+          </a:bodyPr>
+          <a:lstStyle/>
+          <a:p>
+            <a:r>
+              <a:rPr lang="en-US" sz="1200" dirty="0">
+                <a:solidFill>
+                  <a:schemeClr val="bg1"/>
+                </a:solidFill>
+              </a:rPr>
+              <a:t>Lecture 03 | HTML Content</a:t>
+            </a:r>
+          </a:p>
+        </p:txBody>
+      </p:sp>
+      <p:pic>
+        <p:nvPicPr>
+          <p:cNvPr id="4098" name="Picture 2" descr="https://i.gyazo.com/fec47496789936510eac0864ae0367b9.png">
+            <a:extLst>
+              <a:ext uri="{FF2B5EF4-FFF2-40B4-BE49-F238E27FC236}">
+                <a16:creationId xmlns:a16="http://schemas.microsoft.com/office/drawing/2014/main" id="{F039617D-14F9-4594-BCA7-CCF952A6E95A}"/>
+              </a:ext>
+            </a:extLst>
+          </p:cNvPr>
+          <p:cNvPicPr>
+            <a:picLocks noChangeAspect="1" noChangeArrowheads="1"/>
+          </p:cNvPicPr>
+          <p:nvPr/>
+        </p:nvPicPr>
+        <p:blipFill>
+          <a:blip r:embed="rId2">
+            <a:extLst>
+              <a:ext uri="{28A0092B-C50C-407E-A947-70E740481C1C}">
+                <a14:useLocalDpi xmlns:a14="http://schemas.microsoft.com/office/drawing/2010/main" val="0"/>
+              </a:ext>
+            </a:extLst>
+          </a:blip>
+          <a:srcRect/>
+          <a:stretch>
+            <a:fillRect/>
+          </a:stretch>
+        </p:blipFill>
+        <p:spPr bwMode="auto">
+          <a:xfrm>
+            <a:off x="749788" y="3690347"/>
+            <a:ext cx="2514600" cy="1019175"/>
+          </a:xfrm>
+          <a:prstGeom prst="rect">
+            <a:avLst/>
+          </a:prstGeom>
+          <a:noFill/>
+          <a:extLst>
+            <a:ext uri="{909E8E84-426E-40DD-AFC4-6F175D3DCCD1}">
+              <a14:hiddenFill xmlns:a14="http://schemas.microsoft.com/office/drawing/2010/main">
+                <a:solidFill>
+                  <a:srgbClr val="FFFFFF"/>
+                </a:solidFill>
+              </a14:hiddenFill>
+            </a:ext>
+          </a:extLst>
+        </p:spPr>
+      </p:pic>
+      <p:sp>
+        <p:nvSpPr>
+          <p:cNvPr id="9" name="TextBox 8">
+            <a:extLst>
+              <a:ext uri="{FF2B5EF4-FFF2-40B4-BE49-F238E27FC236}">
+                <a16:creationId xmlns:a16="http://schemas.microsoft.com/office/drawing/2014/main" id="{4A773596-A3E8-4642-B42E-78DAB813D3F0}"/>
+              </a:ext>
+            </a:extLst>
+          </p:cNvPr>
+          <p:cNvSpPr txBox="1"/>
+          <p:nvPr/>
+        </p:nvSpPr>
+        <p:spPr>
+          <a:xfrm>
+            <a:off x="4104170" y="10633"/>
+            <a:ext cx="3880884" cy="1003031"/>
+          </a:xfrm>
+          <a:prstGeom prst="rect">
+            <a:avLst/>
+          </a:prstGeom>
+          <a:noFill/>
+        </p:spPr>
+        <p:txBody>
+          <a:bodyPr wrap="square" rtlCol="0">
+            <a:spAutoFit/>
+          </a:bodyPr>
+          <a:lstStyle/>
+          <a:p>
+            <a:pPr algn="ctr">
+              <a:lnSpc>
+                <a:spcPct val="150000"/>
+              </a:lnSpc>
+            </a:pPr>
+            <a:r>
+              <a:rPr lang="en-US" sz="4400" dirty="0"/>
+              <a:t>Input Fields</a:t>
+            </a:r>
+          </a:p>
+        </p:txBody>
+      </p:sp>
+      <p:cxnSp>
+        <p:nvCxnSpPr>
+          <p:cNvPr id="10" name="Straight Connector 9">
+            <a:extLst>
+              <a:ext uri="{FF2B5EF4-FFF2-40B4-BE49-F238E27FC236}">
+                <a16:creationId xmlns:a16="http://schemas.microsoft.com/office/drawing/2014/main" id="{D108A4D9-1C1E-CD4B-9C85-B46309BE520A}"/>
+              </a:ext>
+            </a:extLst>
+          </p:cNvPr>
+          <p:cNvCxnSpPr>
+            <a:cxnSpLocks/>
+          </p:cNvCxnSpPr>
+          <p:nvPr/>
+        </p:nvCxnSpPr>
+        <p:spPr>
+          <a:xfrm>
+            <a:off x="5730956" y="1013664"/>
+            <a:ext cx="419986" cy="0"/>
+          </a:xfrm>
+          <a:prstGeom prst="line">
+            <a:avLst/>
+          </a:prstGeom>
+          <a:ln w="28575"/>
+        </p:spPr>
+        <p:style>
+          <a:lnRef idx="1">
+            <a:schemeClr val="dk1"/>
+          </a:lnRef>
+          <a:fillRef idx="0">
+            <a:schemeClr val="dk1"/>
+          </a:fillRef>
+          <a:effectRef idx="0">
+            <a:schemeClr val="dk1"/>
+          </a:effectRef>
+          <a:fontRef idx="minor">
+            <a:schemeClr val="tx1"/>
+          </a:fontRef>
+        </p:style>
+      </p:cxnSp>
+      <p:sp>
+        <p:nvSpPr>
+          <p:cNvPr id="11" name="Rectangle 10">
+            <a:extLst>
+              <a:ext uri="{FF2B5EF4-FFF2-40B4-BE49-F238E27FC236}">
+                <a16:creationId xmlns:a16="http://schemas.microsoft.com/office/drawing/2014/main" id="{7CB8D162-7938-C344-9878-9B6CC839ED97}"/>
+              </a:ext>
+            </a:extLst>
+          </p:cNvPr>
+          <p:cNvSpPr/>
+          <p:nvPr/>
+        </p:nvSpPr>
+        <p:spPr>
+          <a:xfrm>
+            <a:off x="614911" y="2378129"/>
+            <a:ext cx="10602438" cy="928597"/>
+          </a:xfrm>
+          <a:prstGeom prst="rect">
+            <a:avLst/>
+          </a:prstGeom>
+          <a:solidFill>
+            <a:schemeClr val="bg1">
+              <a:lumMod val="95000"/>
+            </a:schemeClr>
+          </a:solidFill>
+          <a:ln w="3175">
+            <a:solidFill>
+              <a:schemeClr val="bg1">
+                <a:lumMod val="85000"/>
+              </a:schemeClr>
+            </a:solidFill>
+          </a:ln>
+        </p:spPr>
+        <p:style>
+          <a:lnRef idx="2">
+            <a:schemeClr val="accent1">
+              <a:shade val="50000"/>
+            </a:schemeClr>
+          </a:lnRef>
+          <a:fillRef idx="1">
+            <a:schemeClr val="accent1"/>
+          </a:fillRef>
+          <a:effectRef idx="0">
+            <a:schemeClr val="accent1"/>
+          </a:effectRef>
+          <a:fontRef idx="minor">
+            <a:schemeClr val="lt1"/>
+          </a:fontRef>
+        </p:style>
+        <p:txBody>
+          <a:bodyPr rtlCol="0" anchor="ctr"/>
+          <a:lstStyle/>
+          <a:p>
+            <a:pPr lvl="1"/>
+            <a:r>
+              <a:rPr lang="en-US" dirty="0">
+                <a:solidFill>
+                  <a:schemeClr val="tx1"/>
+                </a:solidFill>
+              </a:rPr>
+              <a:t>&lt;</a:t>
+            </a:r>
+            <a:r>
+              <a:rPr lang="en-US" dirty="0">
+                <a:solidFill>
+                  <a:srgbClr val="FF0000"/>
+                </a:solidFill>
+              </a:rPr>
+              <a:t>p</a:t>
+            </a:r>
+            <a:r>
+              <a:rPr lang="en-US" dirty="0">
+                <a:solidFill>
+                  <a:schemeClr val="tx1"/>
+                </a:solidFill>
+              </a:rPr>
+              <a:t>&gt;</a:t>
+            </a:r>
+            <a:r>
+              <a:rPr lang="en-US" dirty="0">
+                <a:solidFill>
+                  <a:srgbClr val="00B050"/>
+                </a:solidFill>
+              </a:rPr>
+              <a:t> </a:t>
+            </a:r>
+            <a:r>
+              <a:rPr lang="en-US" dirty="0">
+                <a:solidFill>
+                  <a:schemeClr val="accent4">
+                    <a:lumMod val="75000"/>
+                  </a:schemeClr>
+                </a:solidFill>
+              </a:rPr>
+              <a:t>Please enter your name </a:t>
+            </a:r>
+            <a:r>
+              <a:rPr lang="en-US" dirty="0">
+                <a:solidFill>
+                  <a:schemeClr val="tx1"/>
+                </a:solidFill>
+              </a:rPr>
+              <a:t>&lt;/</a:t>
+            </a:r>
+            <a:r>
+              <a:rPr lang="en-US" dirty="0">
+                <a:solidFill>
+                  <a:srgbClr val="FF0000"/>
+                </a:solidFill>
+              </a:rPr>
+              <a:t>p</a:t>
+            </a:r>
+            <a:r>
+              <a:rPr lang="en-US" dirty="0">
+                <a:solidFill>
+                  <a:schemeClr val="tx1"/>
+                </a:solidFill>
+              </a:rPr>
+              <a:t>&gt;</a:t>
+            </a:r>
+          </a:p>
+          <a:p>
+            <a:pPr lvl="1"/>
+            <a:r>
+              <a:rPr lang="en-US" dirty="0">
+                <a:solidFill>
+                  <a:schemeClr val="tx1"/>
+                </a:solidFill>
+              </a:rPr>
+              <a:t>&lt;</a:t>
+            </a:r>
+            <a:r>
+              <a:rPr lang="en-US" dirty="0">
+                <a:solidFill>
+                  <a:srgbClr val="FF0000"/>
+                </a:solidFill>
+              </a:rPr>
+              <a:t>input</a:t>
+            </a:r>
+            <a:r>
+              <a:rPr lang="en-US" dirty="0">
+                <a:solidFill>
+                  <a:schemeClr val="tx1"/>
+                </a:solidFill>
+              </a:rPr>
+              <a:t> </a:t>
+            </a:r>
+            <a:r>
+              <a:rPr lang="en-US" dirty="0">
+                <a:solidFill>
+                  <a:srgbClr val="00B050"/>
+                </a:solidFill>
+              </a:rPr>
+              <a:t>type=”text” </a:t>
+            </a:r>
+            <a:r>
+              <a:rPr lang="en-US" dirty="0">
+                <a:solidFill>
+                  <a:schemeClr val="accent2"/>
+                </a:solidFill>
+              </a:rPr>
+              <a:t>id=‘name-field’</a:t>
+            </a:r>
+            <a:r>
+              <a:rPr lang="en-US" dirty="0">
+                <a:solidFill>
+                  <a:schemeClr val="tx1"/>
+                </a:solidFill>
+              </a:rPr>
+              <a:t>&gt;</a:t>
+            </a:r>
+          </a:p>
+        </p:txBody>
+      </p:sp>
+      <p:sp>
+        <p:nvSpPr>
+          <p:cNvPr id="13" name="TextBox 12">
+            <a:extLst>
+              <a:ext uri="{FF2B5EF4-FFF2-40B4-BE49-F238E27FC236}">
+                <a16:creationId xmlns:a16="http://schemas.microsoft.com/office/drawing/2014/main" id="{B60E7538-C42C-D740-B004-F744A34DFA7E}"/>
+              </a:ext>
+            </a:extLst>
+          </p:cNvPr>
+          <p:cNvSpPr txBox="1"/>
+          <p:nvPr/>
+        </p:nvSpPr>
+        <p:spPr>
+          <a:xfrm>
+            <a:off x="613726" y="1856334"/>
+            <a:ext cx="5422959" cy="400110"/>
+          </a:xfrm>
+          <a:prstGeom prst="rect">
+            <a:avLst/>
+          </a:prstGeom>
+          <a:noFill/>
+        </p:spPr>
+        <p:txBody>
+          <a:bodyPr wrap="none" rtlCol="0">
+            <a:spAutoFit/>
+          </a:bodyPr>
+          <a:lstStyle/>
+          <a:p>
+            <a:r>
+              <a:rPr lang="en-US" sz="2000" dirty="0"/>
+              <a:t>HTML has specific input tags to handle entry fields</a:t>
+            </a:r>
+          </a:p>
+        </p:txBody>
+      </p:sp>
+      <p:sp>
+        <p:nvSpPr>
+          <p:cNvPr id="15" name="TextBox 14">
+            <a:extLst>
+              <a:ext uri="{FF2B5EF4-FFF2-40B4-BE49-F238E27FC236}">
+                <a16:creationId xmlns:a16="http://schemas.microsoft.com/office/drawing/2014/main" id="{A80EF0F4-B833-9845-977C-7278D76144E1}"/>
+              </a:ext>
+            </a:extLst>
+          </p:cNvPr>
+          <p:cNvSpPr txBox="1"/>
+          <p:nvPr/>
+        </p:nvSpPr>
+        <p:spPr>
+          <a:xfrm>
+            <a:off x="613725" y="5174958"/>
+            <a:ext cx="5954322" cy="400110"/>
+          </a:xfrm>
+          <a:prstGeom prst="rect">
+            <a:avLst/>
+          </a:prstGeom>
+          <a:noFill/>
+        </p:spPr>
+        <p:txBody>
+          <a:bodyPr wrap="none" rtlCol="0">
+            <a:spAutoFit/>
+          </a:bodyPr>
+          <a:lstStyle/>
+          <a:p>
+            <a:r>
+              <a:rPr lang="en-US" sz="2000" dirty="0"/>
+              <a:t>We will learn later how to use </a:t>
+            </a:r>
+            <a:r>
+              <a:rPr lang="en-US" sz="2000" dirty="0" err="1"/>
+              <a:t>JQuery</a:t>
+            </a:r>
+            <a:r>
+              <a:rPr lang="en-US" sz="2000" dirty="0"/>
+              <a:t> to parse the input</a:t>
+            </a:r>
+          </a:p>
+        </p:txBody>
+      </p:sp>
+    </p:spTree>
+    <p:extLst>
+      <p:ext uri="{BB962C8B-B14F-4D97-AF65-F5344CB8AC3E}">
+        <p14:creationId xmlns:p14="http://schemas.microsoft.com/office/powerpoint/2010/main" val="1750556030"/>
+      </p:ext>
+    </p:extLst>
+  </p:cSld>
+  <p:clrMapOvr>
+    <a:masterClrMapping/>
+  </p:clrMapOvr>
+</p:sld>
+</file>
+
+<file path=ppt/slides/slide21.xml><?xml version="1.0" encoding="utf-8"?>
+<p:sld xmlns:a="http://schemas.openxmlformats.org/drawingml/2006/main" xmlns:r="http://schemas.openxmlformats.org/officeDocument/2006/relationships" xmlns:p="http://schemas.openxmlformats.org/presentationml/2006/main">
+  <p:cSld>
+    <p:bg>
+      <p:bgPr>
+        <a:solidFill>
+          <a:schemeClr val="bg2"/>
+        </a:solidFill>
+        <a:effectLst/>
+      </p:bgPr>
+    </p:bg>
+    <p:spTree>
+      <p:nvGrpSpPr>
+        <p:cNvPr id="1" name=""/>
+        <p:cNvGrpSpPr/>
+        <p:nvPr/>
+      </p:nvGrpSpPr>
+      <p:grpSpPr>
+        <a:xfrm>
+          <a:off x="0" y="0"/>
+          <a:ext cx="0" cy="0"/>
+          <a:chOff x="0" y="0"/>
+          <a:chExt cx="0" cy="0"/>
+        </a:xfrm>
+      </p:grpSpPr>
+      <p:sp>
+        <p:nvSpPr>
+          <p:cNvPr id="4" name="Rectangle 3">
+            <a:extLst>
+              <a:ext uri="{FF2B5EF4-FFF2-40B4-BE49-F238E27FC236}">
+                <a16:creationId xmlns:a16="http://schemas.microsoft.com/office/drawing/2014/main" id="{678F1DA2-2833-49FF-9287-44720AC6C8D2}"/>
+              </a:ext>
+            </a:extLst>
+          </p:cNvPr>
+          <p:cNvSpPr/>
+          <p:nvPr/>
+        </p:nvSpPr>
+        <p:spPr>
+          <a:xfrm>
+            <a:off x="0" y="6581001"/>
+            <a:ext cx="9976268" cy="276999"/>
+          </a:xfrm>
+          <a:prstGeom prst="rect">
+            <a:avLst/>
+          </a:prstGeom>
+          <a:solidFill>
+            <a:srgbClr val="92D050"/>
+          </a:solidFill>
+          <a:ln>
+            <a:noFill/>
+          </a:ln>
+        </p:spPr>
+        <p:style>
+          <a:lnRef idx="2">
+            <a:schemeClr val="accent1">
+              <a:shade val="50000"/>
+            </a:schemeClr>
+          </a:lnRef>
+          <a:fillRef idx="1">
+            <a:schemeClr val="accent1"/>
+          </a:fillRef>
+          <a:effectRef idx="0">
+            <a:schemeClr val="accent1"/>
+          </a:effectRef>
+          <a:fontRef idx="minor">
+            <a:schemeClr val="lt1"/>
+          </a:fontRef>
+        </p:style>
+        <p:txBody>
+          <a:bodyPr rtlCol="0" anchor="ctr"/>
+          <a:lstStyle/>
+          <a:p>
+            <a:pPr algn="ctr"/>
+            <a:endParaRPr lang="en-US" dirty="0"/>
+          </a:p>
+        </p:txBody>
+      </p:sp>
+      <p:sp>
+        <p:nvSpPr>
+          <p:cNvPr id="5" name="TextBox 4">
+            <a:extLst>
+              <a:ext uri="{FF2B5EF4-FFF2-40B4-BE49-F238E27FC236}">
+                <a16:creationId xmlns:a16="http://schemas.microsoft.com/office/drawing/2014/main" id="{9758F7A4-2143-4CCD-B8B3-8B4A1461ECF9}"/>
+              </a:ext>
+            </a:extLst>
+          </p:cNvPr>
+          <p:cNvSpPr txBox="1"/>
+          <p:nvPr/>
+        </p:nvSpPr>
+        <p:spPr>
+          <a:xfrm>
+            <a:off x="36674" y="6583215"/>
+            <a:ext cx="2682077" cy="276999"/>
+          </a:xfrm>
+          <a:prstGeom prst="rect">
+            <a:avLst/>
+          </a:prstGeom>
+          <a:noFill/>
+        </p:spPr>
+        <p:txBody>
+          <a:bodyPr wrap="square" rtlCol="0">
+            <a:spAutoFit/>
+          </a:bodyPr>
+          <a:lstStyle/>
+          <a:p>
+            <a:r>
+              <a:rPr lang="en-US" sz="1200" dirty="0">
+                <a:solidFill>
+                  <a:schemeClr val="bg1"/>
+                </a:solidFill>
+              </a:rPr>
+              <a:t>Building Personal Websites</a:t>
+            </a:r>
+          </a:p>
+        </p:txBody>
+      </p:sp>
+      <p:sp>
+        <p:nvSpPr>
+          <p:cNvPr id="6" name="Rectangle 5">
+            <a:extLst>
+              <a:ext uri="{FF2B5EF4-FFF2-40B4-BE49-F238E27FC236}">
+                <a16:creationId xmlns:a16="http://schemas.microsoft.com/office/drawing/2014/main" id="{40845236-8634-4353-BA0D-8817FE36EC7A}"/>
+              </a:ext>
+            </a:extLst>
+          </p:cNvPr>
+          <p:cNvSpPr/>
+          <p:nvPr/>
+        </p:nvSpPr>
+        <p:spPr>
+          <a:xfrm>
+            <a:off x="9921514" y="6581001"/>
+            <a:ext cx="2270485" cy="276999"/>
+          </a:xfrm>
+          <a:prstGeom prst="rect">
+            <a:avLst/>
+          </a:prstGeom>
+          <a:solidFill>
+            <a:srgbClr val="00B0F0"/>
+          </a:solidFill>
+          <a:ln>
+            <a:noFill/>
+          </a:ln>
+        </p:spPr>
+        <p:style>
+          <a:lnRef idx="2">
+            <a:schemeClr val="accent1">
+              <a:shade val="50000"/>
+            </a:schemeClr>
+          </a:lnRef>
+          <a:fillRef idx="1">
+            <a:schemeClr val="accent1"/>
+          </a:fillRef>
+          <a:effectRef idx="0">
+            <a:schemeClr val="accent1"/>
+          </a:effectRef>
+          <a:fontRef idx="minor">
+            <a:schemeClr val="lt1"/>
+          </a:fontRef>
+        </p:style>
+        <p:txBody>
+          <a:bodyPr rtlCol="0" anchor="ctr"/>
+          <a:lstStyle/>
+          <a:p>
+            <a:pPr algn="ctr"/>
+            <a:endParaRPr lang="en-US" dirty="0"/>
+          </a:p>
+        </p:txBody>
+      </p:sp>
+      <p:sp>
+        <p:nvSpPr>
+          <p:cNvPr id="8" name="TextBox 7">
+            <a:extLst>
+              <a:ext uri="{FF2B5EF4-FFF2-40B4-BE49-F238E27FC236}">
+                <a16:creationId xmlns:a16="http://schemas.microsoft.com/office/drawing/2014/main" id="{6403EA4A-E7EB-4525-B0D2-13B3997D5780}"/>
+              </a:ext>
+            </a:extLst>
+          </p:cNvPr>
+          <p:cNvSpPr txBox="1"/>
+          <p:nvPr/>
+        </p:nvSpPr>
+        <p:spPr>
+          <a:xfrm>
+            <a:off x="9958188" y="6578787"/>
+            <a:ext cx="2682077" cy="276999"/>
+          </a:xfrm>
+          <a:prstGeom prst="rect">
+            <a:avLst/>
+          </a:prstGeom>
+          <a:noFill/>
+        </p:spPr>
+        <p:txBody>
+          <a:bodyPr wrap="square" rtlCol="0">
+            <a:spAutoFit/>
+          </a:bodyPr>
+          <a:lstStyle/>
+          <a:p>
+            <a:r>
+              <a:rPr lang="en-US" sz="1200" dirty="0">
+                <a:solidFill>
+                  <a:schemeClr val="bg1"/>
+                </a:solidFill>
+              </a:rPr>
+              <a:t>Lecture 03 | HTML Content</a:t>
+            </a:r>
+          </a:p>
+        </p:txBody>
+      </p:sp>
+      <p:sp>
+        <p:nvSpPr>
+          <p:cNvPr id="9" name="TextBox 8">
+            <a:extLst>
+              <a:ext uri="{FF2B5EF4-FFF2-40B4-BE49-F238E27FC236}">
+                <a16:creationId xmlns:a16="http://schemas.microsoft.com/office/drawing/2014/main" id="{4A773596-A3E8-4642-B42E-78DAB813D3F0}"/>
+              </a:ext>
+            </a:extLst>
+          </p:cNvPr>
+          <p:cNvSpPr txBox="1"/>
+          <p:nvPr/>
+        </p:nvSpPr>
+        <p:spPr>
+          <a:xfrm>
+            <a:off x="4104170" y="10633"/>
+            <a:ext cx="3880884" cy="1003031"/>
+          </a:xfrm>
+          <a:prstGeom prst="rect">
+            <a:avLst/>
+          </a:prstGeom>
+          <a:noFill/>
+        </p:spPr>
+        <p:txBody>
+          <a:bodyPr wrap="square" rtlCol="0">
+            <a:spAutoFit/>
+          </a:bodyPr>
+          <a:lstStyle/>
+          <a:p>
+            <a:pPr algn="ctr">
+              <a:lnSpc>
+                <a:spcPct val="150000"/>
+              </a:lnSpc>
+            </a:pPr>
+            <a:r>
+              <a:rPr lang="en-US" sz="4400" dirty="0"/>
+              <a:t>Input Fields</a:t>
+            </a:r>
+          </a:p>
+        </p:txBody>
+      </p:sp>
+      <p:cxnSp>
+        <p:nvCxnSpPr>
+          <p:cNvPr id="10" name="Straight Connector 9">
+            <a:extLst>
+              <a:ext uri="{FF2B5EF4-FFF2-40B4-BE49-F238E27FC236}">
+                <a16:creationId xmlns:a16="http://schemas.microsoft.com/office/drawing/2014/main" id="{D108A4D9-1C1E-CD4B-9C85-B46309BE520A}"/>
+              </a:ext>
+            </a:extLst>
+          </p:cNvPr>
+          <p:cNvCxnSpPr>
+            <a:cxnSpLocks/>
+          </p:cNvCxnSpPr>
+          <p:nvPr/>
+        </p:nvCxnSpPr>
+        <p:spPr>
+          <a:xfrm>
+            <a:off x="5730956" y="1013664"/>
+            <a:ext cx="419986" cy="0"/>
+          </a:xfrm>
+          <a:prstGeom prst="line">
+            <a:avLst/>
+          </a:prstGeom>
+          <a:ln w="28575"/>
+        </p:spPr>
+        <p:style>
+          <a:lnRef idx="1">
+            <a:schemeClr val="dk1"/>
+          </a:lnRef>
+          <a:fillRef idx="0">
+            <a:schemeClr val="dk1"/>
+          </a:fillRef>
+          <a:effectRef idx="0">
+            <a:schemeClr val="dk1"/>
+          </a:effectRef>
+          <a:fontRef idx="minor">
+            <a:schemeClr val="tx1"/>
+          </a:fontRef>
+        </p:style>
+      </p:cxnSp>
+      <p:sp>
+        <p:nvSpPr>
+          <p:cNvPr id="11" name="Rectangle 10">
+            <a:extLst>
+              <a:ext uri="{FF2B5EF4-FFF2-40B4-BE49-F238E27FC236}">
+                <a16:creationId xmlns:a16="http://schemas.microsoft.com/office/drawing/2014/main" id="{7CB8D162-7938-C344-9878-9B6CC839ED97}"/>
+              </a:ext>
+            </a:extLst>
+          </p:cNvPr>
+          <p:cNvSpPr/>
+          <p:nvPr/>
+        </p:nvSpPr>
+        <p:spPr>
+          <a:xfrm>
+            <a:off x="614911" y="2378129"/>
+            <a:ext cx="10602438" cy="3140163"/>
+          </a:xfrm>
+          <a:prstGeom prst="rect">
+            <a:avLst/>
+          </a:prstGeom>
+          <a:solidFill>
+            <a:schemeClr val="bg1">
+              <a:lumMod val="95000"/>
+            </a:schemeClr>
+          </a:solidFill>
+          <a:ln w="3175">
+            <a:solidFill>
+              <a:schemeClr val="bg1">
+                <a:lumMod val="85000"/>
+              </a:schemeClr>
+            </a:solidFill>
+          </a:ln>
+        </p:spPr>
+        <p:style>
+          <a:lnRef idx="2">
+            <a:schemeClr val="accent1">
+              <a:shade val="50000"/>
+            </a:schemeClr>
+          </a:lnRef>
+          <a:fillRef idx="1">
+            <a:schemeClr val="accent1"/>
+          </a:fillRef>
+          <a:effectRef idx="0">
+            <a:schemeClr val="accent1"/>
+          </a:effectRef>
+          <a:fontRef idx="minor">
+            <a:schemeClr val="lt1"/>
+          </a:fontRef>
+        </p:style>
+        <p:txBody>
+          <a:bodyPr rtlCol="0" anchor="ctr"/>
+          <a:lstStyle/>
+          <a:p>
             <a:pPr lvl="1"/>
             <a:r>
               <a:rPr lang="en-US" dirty="0">
@@ -11487,7 +11799,424 @@
 </p:sld>
 </file>
 
-<file path=ppt/slides/slide21.xml><?xml version="1.0" encoding="utf-8"?>
+<file path=ppt/slides/slide22.xml><?xml version="1.0" encoding="utf-8"?>
+<p:sld xmlns:a="http://schemas.openxmlformats.org/drawingml/2006/main" xmlns:r="http://schemas.openxmlformats.org/officeDocument/2006/relationships" xmlns:p="http://schemas.openxmlformats.org/presentationml/2006/main">
+  <p:cSld>
+    <p:bg>
+      <p:bgPr>
+        <a:solidFill>
+          <a:schemeClr val="bg2"/>
+        </a:solidFill>
+        <a:effectLst/>
+      </p:bgPr>
+    </p:bg>
+    <p:spTree>
+      <p:nvGrpSpPr>
+        <p:cNvPr id="1" name=""/>
+        <p:cNvGrpSpPr/>
+        <p:nvPr/>
+      </p:nvGrpSpPr>
+      <p:grpSpPr>
+        <a:xfrm>
+          <a:off x="0" y="0"/>
+          <a:ext cx="0" cy="0"/>
+          <a:chOff x="0" y="0"/>
+          <a:chExt cx="0" cy="0"/>
+        </a:xfrm>
+      </p:grpSpPr>
+      <p:sp>
+        <p:nvSpPr>
+          <p:cNvPr id="4" name="Rectangle 3">
+            <a:extLst>
+              <a:ext uri="{FF2B5EF4-FFF2-40B4-BE49-F238E27FC236}">
+                <a16:creationId xmlns:a16="http://schemas.microsoft.com/office/drawing/2014/main" id="{678F1DA2-2833-49FF-9287-44720AC6C8D2}"/>
+              </a:ext>
+            </a:extLst>
+          </p:cNvPr>
+          <p:cNvSpPr/>
+          <p:nvPr/>
+        </p:nvSpPr>
+        <p:spPr>
+          <a:xfrm>
+            <a:off x="0" y="6581001"/>
+            <a:ext cx="9976268" cy="276999"/>
+          </a:xfrm>
+          <a:prstGeom prst="rect">
+            <a:avLst/>
+          </a:prstGeom>
+          <a:solidFill>
+            <a:srgbClr val="92D050"/>
+          </a:solidFill>
+          <a:ln>
+            <a:noFill/>
+          </a:ln>
+        </p:spPr>
+        <p:style>
+          <a:lnRef idx="2">
+            <a:schemeClr val="accent1">
+              <a:shade val="50000"/>
+            </a:schemeClr>
+          </a:lnRef>
+          <a:fillRef idx="1">
+            <a:schemeClr val="accent1"/>
+          </a:fillRef>
+          <a:effectRef idx="0">
+            <a:schemeClr val="accent1"/>
+          </a:effectRef>
+          <a:fontRef idx="minor">
+            <a:schemeClr val="lt1"/>
+          </a:fontRef>
+        </p:style>
+        <p:txBody>
+          <a:bodyPr rtlCol="0" anchor="ctr"/>
+          <a:lstStyle/>
+          <a:p>
+            <a:pPr algn="ctr"/>
+            <a:endParaRPr lang="en-US" dirty="0"/>
+          </a:p>
+        </p:txBody>
+      </p:sp>
+      <p:sp>
+        <p:nvSpPr>
+          <p:cNvPr id="5" name="TextBox 4">
+            <a:extLst>
+              <a:ext uri="{FF2B5EF4-FFF2-40B4-BE49-F238E27FC236}">
+                <a16:creationId xmlns:a16="http://schemas.microsoft.com/office/drawing/2014/main" id="{9758F7A4-2143-4CCD-B8B3-8B4A1461ECF9}"/>
+              </a:ext>
+            </a:extLst>
+          </p:cNvPr>
+          <p:cNvSpPr txBox="1"/>
+          <p:nvPr/>
+        </p:nvSpPr>
+        <p:spPr>
+          <a:xfrm>
+            <a:off x="36674" y="6583215"/>
+            <a:ext cx="2682077" cy="276999"/>
+          </a:xfrm>
+          <a:prstGeom prst="rect">
+            <a:avLst/>
+          </a:prstGeom>
+          <a:noFill/>
+        </p:spPr>
+        <p:txBody>
+          <a:bodyPr wrap="square" rtlCol="0">
+            <a:spAutoFit/>
+          </a:bodyPr>
+          <a:lstStyle/>
+          <a:p>
+            <a:r>
+              <a:rPr lang="en-US" sz="1200" dirty="0">
+                <a:solidFill>
+                  <a:schemeClr val="bg1"/>
+                </a:solidFill>
+              </a:rPr>
+              <a:t>Building Personal Websites</a:t>
+            </a:r>
+          </a:p>
+        </p:txBody>
+      </p:sp>
+      <p:sp>
+        <p:nvSpPr>
+          <p:cNvPr id="6" name="Rectangle 5">
+            <a:extLst>
+              <a:ext uri="{FF2B5EF4-FFF2-40B4-BE49-F238E27FC236}">
+                <a16:creationId xmlns:a16="http://schemas.microsoft.com/office/drawing/2014/main" id="{40845236-8634-4353-BA0D-8817FE36EC7A}"/>
+              </a:ext>
+            </a:extLst>
+          </p:cNvPr>
+          <p:cNvSpPr/>
+          <p:nvPr/>
+        </p:nvSpPr>
+        <p:spPr>
+          <a:xfrm>
+            <a:off x="9921514" y="6581001"/>
+            <a:ext cx="2270485" cy="276999"/>
+          </a:xfrm>
+          <a:prstGeom prst="rect">
+            <a:avLst/>
+          </a:prstGeom>
+          <a:solidFill>
+            <a:srgbClr val="00B0F0"/>
+          </a:solidFill>
+          <a:ln>
+            <a:noFill/>
+          </a:ln>
+        </p:spPr>
+        <p:style>
+          <a:lnRef idx="2">
+            <a:schemeClr val="accent1">
+              <a:shade val="50000"/>
+            </a:schemeClr>
+          </a:lnRef>
+          <a:fillRef idx="1">
+            <a:schemeClr val="accent1"/>
+          </a:fillRef>
+          <a:effectRef idx="0">
+            <a:schemeClr val="accent1"/>
+          </a:effectRef>
+          <a:fontRef idx="minor">
+            <a:schemeClr val="lt1"/>
+          </a:fontRef>
+        </p:style>
+        <p:txBody>
+          <a:bodyPr rtlCol="0" anchor="ctr"/>
+          <a:lstStyle/>
+          <a:p>
+            <a:pPr algn="ctr"/>
+            <a:endParaRPr lang="en-US" dirty="0"/>
+          </a:p>
+        </p:txBody>
+      </p:sp>
+      <p:sp>
+        <p:nvSpPr>
+          <p:cNvPr id="8" name="TextBox 7">
+            <a:extLst>
+              <a:ext uri="{FF2B5EF4-FFF2-40B4-BE49-F238E27FC236}">
+                <a16:creationId xmlns:a16="http://schemas.microsoft.com/office/drawing/2014/main" id="{6403EA4A-E7EB-4525-B0D2-13B3997D5780}"/>
+              </a:ext>
+            </a:extLst>
+          </p:cNvPr>
+          <p:cNvSpPr txBox="1"/>
+          <p:nvPr/>
+        </p:nvSpPr>
+        <p:spPr>
+          <a:xfrm>
+            <a:off x="9958188" y="6578787"/>
+            <a:ext cx="2682077" cy="276999"/>
+          </a:xfrm>
+          <a:prstGeom prst="rect">
+            <a:avLst/>
+          </a:prstGeom>
+          <a:noFill/>
+        </p:spPr>
+        <p:txBody>
+          <a:bodyPr wrap="square" rtlCol="0">
+            <a:spAutoFit/>
+          </a:bodyPr>
+          <a:lstStyle/>
+          <a:p>
+            <a:r>
+              <a:rPr lang="en-US" sz="1200" dirty="0">
+                <a:solidFill>
+                  <a:schemeClr val="bg1"/>
+                </a:solidFill>
+              </a:rPr>
+              <a:t>Lecture 03 | HTML Content</a:t>
+            </a:r>
+          </a:p>
+        </p:txBody>
+      </p:sp>
+      <p:sp>
+        <p:nvSpPr>
+          <p:cNvPr id="12" name="TextBox 11">
+            <a:extLst>
+              <a:ext uri="{FF2B5EF4-FFF2-40B4-BE49-F238E27FC236}">
+                <a16:creationId xmlns:a16="http://schemas.microsoft.com/office/drawing/2014/main" id="{4F0ED9CD-C726-CA40-A021-3CF0CBAD0E5C}"/>
+              </a:ext>
+            </a:extLst>
+          </p:cNvPr>
+          <p:cNvSpPr txBox="1"/>
+          <p:nvPr/>
+        </p:nvSpPr>
+        <p:spPr>
+          <a:xfrm>
+            <a:off x="536954" y="1318963"/>
+            <a:ext cx="10579395" cy="1891287"/>
+          </a:xfrm>
+          <a:prstGeom prst="rect">
+            <a:avLst/>
+          </a:prstGeom>
+          <a:noFill/>
+        </p:spPr>
+        <p:txBody>
+          <a:bodyPr wrap="square" rtlCol="0">
+            <a:spAutoFit/>
+          </a:bodyPr>
+          <a:lstStyle/>
+          <a:p>
+            <a:pPr marL="342900" indent="-342900">
+              <a:lnSpc>
+                <a:spcPct val="150000"/>
+              </a:lnSpc>
+              <a:buFont typeface="Wingdings" pitchFamily="2" charset="2"/>
+              <a:buChar char="q"/>
+            </a:pPr>
+            <a:r>
+              <a:rPr lang="en-US" sz="2000" dirty="0"/>
+              <a:t>Place icon image introducing self onto site.</a:t>
+            </a:r>
+          </a:p>
+          <a:p>
+            <a:pPr marL="342900" indent="-342900">
+              <a:lnSpc>
+                <a:spcPct val="150000"/>
+              </a:lnSpc>
+              <a:buFont typeface="Wingdings" pitchFamily="2" charset="2"/>
+              <a:buChar char="q"/>
+            </a:pPr>
+            <a:r>
+              <a:rPr lang="en-US" sz="2000" dirty="0"/>
+              <a:t>Have a paragraph describing yourself near the image introduction.</a:t>
+            </a:r>
+          </a:p>
+          <a:p>
+            <a:pPr marL="342900" indent="-342900">
+              <a:lnSpc>
+                <a:spcPct val="150000"/>
+              </a:lnSpc>
+              <a:buFont typeface="Wingdings" pitchFamily="2" charset="2"/>
+              <a:buChar char="q"/>
+            </a:pPr>
+            <a:r>
+              <a:rPr lang="en-US" sz="2000" dirty="0"/>
+              <a:t>Any further introductions or galleries of images include around it.</a:t>
+            </a:r>
+          </a:p>
+          <a:p>
+            <a:pPr marL="342900" indent="-342900">
+              <a:lnSpc>
+                <a:spcPct val="150000"/>
+              </a:lnSpc>
+              <a:buFont typeface="Wingdings" pitchFamily="2" charset="2"/>
+              <a:buChar char="q"/>
+            </a:pPr>
+            <a:endParaRPr lang="en-US" sz="2000" dirty="0"/>
+          </a:p>
+        </p:txBody>
+      </p:sp>
+      <p:sp>
+        <p:nvSpPr>
+          <p:cNvPr id="14" name="TextBox 13">
+            <a:extLst>
+              <a:ext uri="{FF2B5EF4-FFF2-40B4-BE49-F238E27FC236}">
+                <a16:creationId xmlns:a16="http://schemas.microsoft.com/office/drawing/2014/main" id="{AD18FEB6-80C7-A04F-A302-20269AF332F0}"/>
+              </a:ext>
+            </a:extLst>
+          </p:cNvPr>
+          <p:cNvSpPr txBox="1"/>
+          <p:nvPr/>
+        </p:nvSpPr>
+        <p:spPr>
+          <a:xfrm>
+            <a:off x="3703675" y="9526"/>
+            <a:ext cx="4784649" cy="1003031"/>
+          </a:xfrm>
+          <a:prstGeom prst="rect">
+            <a:avLst/>
+          </a:prstGeom>
+          <a:noFill/>
+        </p:spPr>
+        <p:txBody>
+          <a:bodyPr wrap="square" rtlCol="0">
+            <a:spAutoFit/>
+          </a:bodyPr>
+          <a:lstStyle/>
+          <a:p>
+            <a:pPr algn="ctr">
+              <a:lnSpc>
+                <a:spcPct val="150000"/>
+              </a:lnSpc>
+            </a:pPr>
+            <a:r>
+              <a:rPr lang="en-US" sz="4400" dirty="0"/>
+              <a:t>Homework Ideas</a:t>
+            </a:r>
+          </a:p>
+        </p:txBody>
+      </p:sp>
+      <p:cxnSp>
+        <p:nvCxnSpPr>
+          <p:cNvPr id="15" name="Straight Connector 14">
+            <a:extLst>
+              <a:ext uri="{FF2B5EF4-FFF2-40B4-BE49-F238E27FC236}">
+                <a16:creationId xmlns:a16="http://schemas.microsoft.com/office/drawing/2014/main" id="{FCCF070A-8C18-F842-B8FF-CDE06358B9AD}"/>
+              </a:ext>
+            </a:extLst>
+          </p:cNvPr>
+          <p:cNvCxnSpPr>
+            <a:cxnSpLocks/>
+          </p:cNvCxnSpPr>
+          <p:nvPr/>
+        </p:nvCxnSpPr>
+        <p:spPr>
+          <a:xfrm>
+            <a:off x="5955606" y="1013664"/>
+            <a:ext cx="419986" cy="0"/>
+          </a:xfrm>
+          <a:prstGeom prst="line">
+            <a:avLst/>
+          </a:prstGeom>
+          <a:ln w="28575"/>
+        </p:spPr>
+        <p:style>
+          <a:lnRef idx="1">
+            <a:schemeClr val="dk1"/>
+          </a:lnRef>
+          <a:fillRef idx="0">
+            <a:schemeClr val="dk1"/>
+          </a:fillRef>
+          <a:effectRef idx="0">
+            <a:schemeClr val="dk1"/>
+          </a:effectRef>
+          <a:fontRef idx="minor">
+            <a:schemeClr val="tx1"/>
+          </a:fontRef>
+        </p:style>
+      </p:cxnSp>
+      <p:sp>
+        <p:nvSpPr>
+          <p:cNvPr id="17" name="TextBox 16">
+            <a:extLst>
+              <a:ext uri="{FF2B5EF4-FFF2-40B4-BE49-F238E27FC236}">
+                <a16:creationId xmlns:a16="http://schemas.microsoft.com/office/drawing/2014/main" id="{FB08E242-2947-D54C-B373-C49D156DFA6B}"/>
+              </a:ext>
+            </a:extLst>
+          </p:cNvPr>
+          <p:cNvSpPr txBox="1"/>
+          <p:nvPr/>
+        </p:nvSpPr>
+        <p:spPr>
+          <a:xfrm>
+            <a:off x="641483" y="3002124"/>
+            <a:ext cx="10579395" cy="506292"/>
+          </a:xfrm>
+          <a:prstGeom prst="rect">
+            <a:avLst/>
+          </a:prstGeom>
+          <a:noFill/>
+        </p:spPr>
+        <p:txBody>
+          <a:bodyPr wrap="square" rtlCol="0">
+            <a:spAutoFit/>
+          </a:bodyPr>
+          <a:lstStyle/>
+          <a:p>
+            <a:pPr>
+              <a:lnSpc>
+                <a:spcPct val="150000"/>
+              </a:lnSpc>
+            </a:pPr>
+            <a:r>
+              <a:rPr lang="en-US" sz="2000" dirty="0"/>
+              <a:t>If you ever get stuck on what to write, fill it with Lorem Ipsum text and come back to it.</a:t>
+            </a:r>
+          </a:p>
+        </p:txBody>
+      </p:sp>
+    </p:spTree>
+    <p:extLst>
+      <p:ext uri="{BB962C8B-B14F-4D97-AF65-F5344CB8AC3E}">
+        <p14:creationId xmlns:p14="http://schemas.microsoft.com/office/powerpoint/2010/main" val="1992028021"/>
+      </p:ext>
+    </p:extLst>
+  </p:cSld>
+  <p:clrMapOvr>
+    <a:masterClrMapping/>
+  </p:clrMapOvr>
+</p:sld>
+</file>
+
+<file path=ppt/slides/slide23.xml><?xml version="1.0" encoding="utf-8"?>
 <p:sld xmlns:a="http://schemas.openxmlformats.org/drawingml/2006/main" xmlns:r="http://schemas.openxmlformats.org/officeDocument/2006/relationships" xmlns:p="http://schemas.openxmlformats.org/presentationml/2006/main">
   <p:cSld>
     <p:bg>
@@ -13092,10 +13821,10 @@
       </p:grpSpPr>
       <p:sp>
         <p:nvSpPr>
-          <p:cNvPr id="15" name="Rectangle 14">
-            <a:extLst>
-              <a:ext uri="{FF2B5EF4-FFF2-40B4-BE49-F238E27FC236}">
-                <a16:creationId xmlns:a16="http://schemas.microsoft.com/office/drawing/2014/main" id="{E503A9AA-A0CF-614D-9A1B-83F43CD6A3E1}"/>
+          <p:cNvPr id="4" name="Rectangle 3">
+            <a:extLst>
+              <a:ext uri="{FF2B5EF4-FFF2-40B4-BE49-F238E27FC236}">
+                <a16:creationId xmlns:a16="http://schemas.microsoft.com/office/drawing/2014/main" id="{678F1DA2-2833-49FF-9287-44720AC6C8D2}"/>
               </a:ext>
             </a:extLst>
           </p:cNvPr>
@@ -13104,23 +13833,17 @@
         </p:nvSpPr>
         <p:spPr>
           <a:xfrm>
-            <a:off x="7699626" y="2073970"/>
-            <a:ext cx="4038720" cy="1920030"/>
+            <a:off x="0" y="6581001"/>
+            <a:ext cx="9976268" cy="276999"/>
           </a:xfrm>
           <a:prstGeom prst="rect">
             <a:avLst/>
           </a:prstGeom>
           <a:solidFill>
-            <a:schemeClr val="bg1">
-              <a:lumMod val="95000"/>
-            </a:schemeClr>
+            <a:srgbClr val="92D050"/>
           </a:solidFill>
-          <a:ln w="3175">
-            <a:solidFill>
-              <a:schemeClr val="bg1">
-                <a:lumMod val="85000"/>
-              </a:schemeClr>
-            </a:solidFill>
+          <a:ln>
+            <a:noFill/>
           </a:ln>
         </p:spPr>
         <p:style>
@@ -13150,10 +13873,49 @@
       </p:sp>
       <p:sp>
         <p:nvSpPr>
-          <p:cNvPr id="4" name="Rectangle 3">
-            <a:extLst>
-              <a:ext uri="{FF2B5EF4-FFF2-40B4-BE49-F238E27FC236}">
-                <a16:creationId xmlns:a16="http://schemas.microsoft.com/office/drawing/2014/main" id="{678F1DA2-2833-49FF-9287-44720AC6C8D2}"/>
+          <p:cNvPr id="5" name="TextBox 4">
+            <a:extLst>
+              <a:ext uri="{FF2B5EF4-FFF2-40B4-BE49-F238E27FC236}">
+                <a16:creationId xmlns:a16="http://schemas.microsoft.com/office/drawing/2014/main" id="{9758F7A4-2143-4CCD-B8B3-8B4A1461ECF9}"/>
+              </a:ext>
+            </a:extLst>
+          </p:cNvPr>
+          <p:cNvSpPr txBox="1"/>
+          <p:nvPr/>
+        </p:nvSpPr>
+        <p:spPr>
+          <a:xfrm>
+            <a:off x="36674" y="6583215"/>
+            <a:ext cx="2682077" cy="276999"/>
+          </a:xfrm>
+          <a:prstGeom prst="rect">
+            <a:avLst/>
+          </a:prstGeom>
+          <a:noFill/>
+        </p:spPr>
+        <p:txBody>
+          <a:bodyPr wrap="square" rtlCol="0">
+            <a:spAutoFit/>
+          </a:bodyPr>
+          <a:lstStyle/>
+          <a:p>
+            <a:r>
+              <a:rPr lang="en-US" sz="1200" dirty="0">
+                <a:solidFill>
+                  <a:schemeClr val="bg1"/>
+                </a:solidFill>
+              </a:rPr>
+              <a:t>Building Personal Websites</a:t>
+            </a:r>
+          </a:p>
+        </p:txBody>
+      </p:sp>
+      <p:sp>
+        <p:nvSpPr>
+          <p:cNvPr id="6" name="Rectangle 5">
+            <a:extLst>
+              <a:ext uri="{FF2B5EF4-FFF2-40B4-BE49-F238E27FC236}">
+                <a16:creationId xmlns:a16="http://schemas.microsoft.com/office/drawing/2014/main" id="{40845236-8634-4353-BA0D-8817FE36EC7A}"/>
               </a:ext>
             </a:extLst>
           </p:cNvPr>
@@ -13162,14 +13924,14 @@
         </p:nvSpPr>
         <p:spPr>
           <a:xfrm>
-            <a:off x="0" y="6581001"/>
-            <a:ext cx="9976268" cy="276999"/>
+            <a:off x="9921514" y="6581001"/>
+            <a:ext cx="2270485" cy="276999"/>
           </a:xfrm>
           <a:prstGeom prst="rect">
             <a:avLst/>
           </a:prstGeom>
           <a:solidFill>
-            <a:srgbClr val="92D050"/>
+            <a:srgbClr val="00B0F0"/>
           </a:solidFill>
           <a:ln>
             <a:noFill/>
@@ -13202,10 +13964,10 @@
       </p:sp>
       <p:sp>
         <p:nvSpPr>
-          <p:cNvPr id="5" name="TextBox 4">
-            <a:extLst>
-              <a:ext uri="{FF2B5EF4-FFF2-40B4-BE49-F238E27FC236}">
-                <a16:creationId xmlns:a16="http://schemas.microsoft.com/office/drawing/2014/main" id="{9758F7A4-2143-4CCD-B8B3-8B4A1461ECF9}"/>
+          <p:cNvPr id="8" name="TextBox 7">
+            <a:extLst>
+              <a:ext uri="{FF2B5EF4-FFF2-40B4-BE49-F238E27FC236}">
+                <a16:creationId xmlns:a16="http://schemas.microsoft.com/office/drawing/2014/main" id="{6403EA4A-E7EB-4525-B0D2-13B3997D5780}"/>
               </a:ext>
             </a:extLst>
           </p:cNvPr>
@@ -13214,7 +13976,7 @@
         </p:nvSpPr>
         <p:spPr>
           <a:xfrm>
-            <a:off x="36674" y="6583215"/>
+            <a:off x="9958188" y="6578787"/>
             <a:ext cx="2682077" cy="276999"/>
           </a:xfrm>
           <a:prstGeom prst="rect">
@@ -13234,346 +13996,7 @@
                   <a:schemeClr val="bg1"/>
                 </a:solidFill>
               </a:rPr>
-              <a:t>Building Personal Websites</a:t>
-            </a:r>
-          </a:p>
-        </p:txBody>
-      </p:sp>
-      <p:sp>
-        <p:nvSpPr>
-          <p:cNvPr id="6" name="Rectangle 5">
-            <a:extLst>
-              <a:ext uri="{FF2B5EF4-FFF2-40B4-BE49-F238E27FC236}">
-                <a16:creationId xmlns:a16="http://schemas.microsoft.com/office/drawing/2014/main" id="{40845236-8634-4353-BA0D-8817FE36EC7A}"/>
-              </a:ext>
-            </a:extLst>
-          </p:cNvPr>
-          <p:cNvSpPr/>
-          <p:nvPr/>
-        </p:nvSpPr>
-        <p:spPr>
-          <a:xfrm>
-            <a:off x="9921514" y="6581001"/>
-            <a:ext cx="2270485" cy="276999"/>
-          </a:xfrm>
-          <a:prstGeom prst="rect">
-            <a:avLst/>
-          </a:prstGeom>
-          <a:solidFill>
-            <a:srgbClr val="00B0F0"/>
-          </a:solidFill>
-          <a:ln>
-            <a:noFill/>
-          </a:ln>
-        </p:spPr>
-        <p:style>
-          <a:lnRef idx="2">
-            <a:schemeClr val="accent1">
-              <a:shade val="50000"/>
-            </a:schemeClr>
-          </a:lnRef>
-          <a:fillRef idx="1">
-            <a:schemeClr val="accent1"/>
-          </a:fillRef>
-          <a:effectRef idx="0">
-            <a:schemeClr val="accent1"/>
-          </a:effectRef>
-          <a:fontRef idx="minor">
-            <a:schemeClr val="lt1"/>
-          </a:fontRef>
-        </p:style>
-        <p:txBody>
-          <a:bodyPr rtlCol="0" anchor="ctr"/>
-          <a:lstStyle/>
-          <a:p>
-            <a:pPr algn="ctr"/>
-            <a:endParaRPr lang="en-US" dirty="0"/>
-          </a:p>
-        </p:txBody>
-      </p:sp>
-      <p:sp>
-        <p:nvSpPr>
-          <p:cNvPr id="8" name="TextBox 7">
-            <a:extLst>
-              <a:ext uri="{FF2B5EF4-FFF2-40B4-BE49-F238E27FC236}">
-                <a16:creationId xmlns:a16="http://schemas.microsoft.com/office/drawing/2014/main" id="{6403EA4A-E7EB-4525-B0D2-13B3997D5780}"/>
-              </a:ext>
-            </a:extLst>
-          </p:cNvPr>
-          <p:cNvSpPr txBox="1"/>
-          <p:nvPr/>
-        </p:nvSpPr>
-        <p:spPr>
-          <a:xfrm>
-            <a:off x="9958188" y="6578787"/>
-            <a:ext cx="2682077" cy="276999"/>
-          </a:xfrm>
-          <a:prstGeom prst="rect">
-            <a:avLst/>
-          </a:prstGeom>
-          <a:noFill/>
-        </p:spPr>
-        <p:txBody>
-          <a:bodyPr wrap="square" rtlCol="0">
-            <a:spAutoFit/>
-          </a:bodyPr>
-          <a:lstStyle/>
-          <a:p>
-            <a:r>
-              <a:rPr lang="en-US" sz="1200" dirty="0">
-                <a:solidFill>
-                  <a:schemeClr val="bg1"/>
-                </a:solidFill>
-              </a:rPr>
               <a:t>Lecture 03 | HTML Content</a:t>
-            </a:r>
-          </a:p>
-        </p:txBody>
-      </p:sp>
-      <p:sp>
-        <p:nvSpPr>
-          <p:cNvPr id="10" name="TextBox 9">
-            <a:extLst>
-              <a:ext uri="{FF2B5EF4-FFF2-40B4-BE49-F238E27FC236}">
-                <a16:creationId xmlns:a16="http://schemas.microsoft.com/office/drawing/2014/main" id="{4CABC2CE-93C6-4DA8-BFE5-205FB2A5F003}"/>
-              </a:ext>
-            </a:extLst>
-          </p:cNvPr>
-          <p:cNvSpPr txBox="1"/>
-          <p:nvPr/>
-        </p:nvSpPr>
-        <p:spPr>
-          <a:xfrm>
-            <a:off x="7411416" y="1501065"/>
-            <a:ext cx="4557749" cy="461665"/>
-          </a:xfrm>
-          <a:prstGeom prst="rect">
-            <a:avLst/>
-          </a:prstGeom>
-          <a:noFill/>
-        </p:spPr>
-        <p:txBody>
-          <a:bodyPr wrap="square" rtlCol="0">
-            <a:spAutoFit/>
-          </a:bodyPr>
-          <a:lstStyle/>
-          <a:p>
-            <a:pPr algn="ctr"/>
-            <a:r>
-              <a:rPr lang="en-US" sz="2400" dirty="0"/>
-              <a:t>HTML comes in </a:t>
-            </a:r>
-            <a:r>
-              <a:rPr lang="en-US" sz="2400" dirty="0" err="1"/>
-              <a:t>Tag:Content</a:t>
-            </a:r>
-            <a:r>
-              <a:rPr lang="en-US" sz="2400" dirty="0"/>
-              <a:t> pairs</a:t>
-            </a:r>
-          </a:p>
-        </p:txBody>
-      </p:sp>
-      <p:sp>
-        <p:nvSpPr>
-          <p:cNvPr id="11" name="TextBox 10">
-            <a:extLst>
-              <a:ext uri="{FF2B5EF4-FFF2-40B4-BE49-F238E27FC236}">
-                <a16:creationId xmlns:a16="http://schemas.microsoft.com/office/drawing/2014/main" id="{C36C17F8-C142-4458-9D80-19B2C0091EC9}"/>
-              </a:ext>
-            </a:extLst>
-          </p:cNvPr>
-          <p:cNvSpPr txBox="1"/>
-          <p:nvPr/>
-        </p:nvSpPr>
-        <p:spPr>
-          <a:xfrm>
-            <a:off x="7326380" y="2372763"/>
-            <a:ext cx="4557749" cy="461665"/>
-          </a:xfrm>
-          <a:prstGeom prst="rect">
-            <a:avLst/>
-          </a:prstGeom>
-          <a:noFill/>
-        </p:spPr>
-        <p:txBody>
-          <a:bodyPr wrap="square" rtlCol="0">
-            <a:spAutoFit/>
-          </a:bodyPr>
-          <a:lstStyle/>
-          <a:p>
-            <a:pPr algn="ctr"/>
-            <a:r>
-              <a:rPr lang="en-US" sz="2400" dirty="0"/>
-              <a:t>&lt; </a:t>
-            </a:r>
-            <a:r>
-              <a:rPr lang="en-US" sz="2400" dirty="0">
-                <a:solidFill>
-                  <a:srgbClr val="FF0000"/>
-                </a:solidFill>
-              </a:rPr>
-              <a:t>tag</a:t>
-            </a:r>
-            <a:r>
-              <a:rPr lang="en-US" sz="2400" dirty="0"/>
-              <a:t> </a:t>
-            </a:r>
-            <a:r>
-              <a:rPr lang="en-US" sz="2400" dirty="0">
-                <a:solidFill>
-                  <a:srgbClr val="00B050"/>
-                </a:solidFill>
-              </a:rPr>
-              <a:t>content</a:t>
-            </a:r>
-            <a:r>
-              <a:rPr lang="en-US" sz="2400" dirty="0">
-                <a:solidFill>
-                  <a:schemeClr val="accent4">
-                    <a:lumMod val="75000"/>
-                  </a:schemeClr>
-                </a:solidFill>
-              </a:rPr>
-              <a:t>=“content” </a:t>
-            </a:r>
-            <a:r>
-              <a:rPr lang="en-US" sz="2400" dirty="0"/>
-              <a:t>&gt;</a:t>
-            </a:r>
-          </a:p>
-        </p:txBody>
-      </p:sp>
-      <p:sp>
-        <p:nvSpPr>
-          <p:cNvPr id="12" name="TextBox 11">
-            <a:extLst>
-              <a:ext uri="{FF2B5EF4-FFF2-40B4-BE49-F238E27FC236}">
-                <a16:creationId xmlns:a16="http://schemas.microsoft.com/office/drawing/2014/main" id="{ABAF881E-A495-4052-972A-E5398BBD7099}"/>
-              </a:ext>
-            </a:extLst>
-          </p:cNvPr>
-          <p:cNvSpPr txBox="1"/>
-          <p:nvPr/>
-        </p:nvSpPr>
-        <p:spPr>
-          <a:xfrm>
-            <a:off x="7368912" y="3219806"/>
-            <a:ext cx="4557749" cy="461665"/>
-          </a:xfrm>
-          <a:prstGeom prst="rect">
-            <a:avLst/>
-          </a:prstGeom>
-          <a:noFill/>
-        </p:spPr>
-        <p:txBody>
-          <a:bodyPr wrap="square" rtlCol="0">
-            <a:spAutoFit/>
-          </a:bodyPr>
-          <a:lstStyle/>
-          <a:p>
-            <a:pPr algn="ctr"/>
-            <a:r>
-              <a:rPr lang="en-US" sz="2400" dirty="0"/>
-              <a:t>&lt; </a:t>
-            </a:r>
-            <a:r>
-              <a:rPr lang="en-US" sz="2400" dirty="0">
-                <a:solidFill>
-                  <a:srgbClr val="FF0000"/>
-                </a:solidFill>
-              </a:rPr>
-              <a:t>tag</a:t>
-            </a:r>
-            <a:r>
-              <a:rPr lang="en-US" sz="2400" dirty="0"/>
-              <a:t> &gt;</a:t>
-            </a:r>
-            <a:r>
-              <a:rPr lang="en-US" sz="2400" dirty="0">
-                <a:solidFill>
-                  <a:srgbClr val="00B050"/>
-                </a:solidFill>
-              </a:rPr>
-              <a:t> </a:t>
-            </a:r>
-            <a:r>
-              <a:rPr lang="en-US" sz="2400" dirty="0">
-                <a:solidFill>
-                  <a:schemeClr val="accent4">
-                    <a:lumMod val="75000"/>
-                  </a:schemeClr>
-                </a:solidFill>
-              </a:rPr>
-              <a:t>content</a:t>
-            </a:r>
-            <a:r>
-              <a:rPr lang="en-US" sz="2400" dirty="0">
-                <a:solidFill>
-                  <a:srgbClr val="00B050"/>
-                </a:solidFill>
-              </a:rPr>
-              <a:t> </a:t>
-            </a:r>
-            <a:r>
-              <a:rPr lang="en-US" sz="2400" dirty="0"/>
-              <a:t>&lt;/ </a:t>
-            </a:r>
-            <a:r>
-              <a:rPr lang="en-US" sz="2400" dirty="0">
-                <a:solidFill>
-                  <a:srgbClr val="FF0000"/>
-                </a:solidFill>
-              </a:rPr>
-              <a:t>tag</a:t>
-            </a:r>
-            <a:r>
-              <a:rPr lang="en-US" sz="2400" dirty="0">
-                <a:solidFill>
-                  <a:srgbClr val="00B050"/>
-                </a:solidFill>
-              </a:rPr>
-              <a:t> </a:t>
-            </a:r>
-            <a:r>
-              <a:rPr lang="en-US" sz="2400" dirty="0"/>
-              <a:t>&gt;</a:t>
-            </a:r>
-          </a:p>
-        </p:txBody>
-      </p:sp>
-      <p:sp>
-        <p:nvSpPr>
-          <p:cNvPr id="13" name="TextBox 12">
-            <a:extLst>
-              <a:ext uri="{FF2B5EF4-FFF2-40B4-BE49-F238E27FC236}">
-                <a16:creationId xmlns:a16="http://schemas.microsoft.com/office/drawing/2014/main" id="{E095562F-23EB-4690-B1DE-9FE809AACE4A}"/>
-              </a:ext>
-            </a:extLst>
-          </p:cNvPr>
-          <p:cNvSpPr txBox="1"/>
-          <p:nvPr/>
-        </p:nvSpPr>
-        <p:spPr>
-          <a:xfrm>
-            <a:off x="7585894" y="4066849"/>
-            <a:ext cx="4038720" cy="830997"/>
-          </a:xfrm>
-          <a:prstGeom prst="rect">
-            <a:avLst/>
-          </a:prstGeom>
-          <a:noFill/>
-        </p:spPr>
-        <p:txBody>
-          <a:bodyPr wrap="square" rtlCol="0">
-            <a:spAutoFit/>
-          </a:bodyPr>
-          <a:lstStyle/>
-          <a:p>
-            <a:pPr algn="ctr"/>
-            <a:r>
-              <a:rPr lang="en-US" sz="2400" dirty="0"/>
-              <a:t>The type of tag dictates what form it is</a:t>
             </a:r>
           </a:p>
         </p:txBody>
@@ -14052,6 +14475,312 @@
           </a:fontRef>
         </p:style>
       </p:cxnSp>
+      <p:sp>
+        <p:nvSpPr>
+          <p:cNvPr id="18" name="Rectangle 17">
+            <a:extLst>
+              <a:ext uri="{FF2B5EF4-FFF2-40B4-BE49-F238E27FC236}">
+                <a16:creationId xmlns:a16="http://schemas.microsoft.com/office/drawing/2014/main" id="{F93691CF-E802-C448-9107-E3FC0A979A9D}"/>
+              </a:ext>
+            </a:extLst>
+          </p:cNvPr>
+          <p:cNvSpPr/>
+          <p:nvPr/>
+        </p:nvSpPr>
+        <p:spPr>
+          <a:xfrm>
+            <a:off x="7699626" y="2401870"/>
+            <a:ext cx="4038720" cy="1920030"/>
+          </a:xfrm>
+          <a:prstGeom prst="rect">
+            <a:avLst/>
+          </a:prstGeom>
+          <a:solidFill>
+            <a:schemeClr val="bg1">
+              <a:lumMod val="95000"/>
+            </a:schemeClr>
+          </a:solidFill>
+          <a:ln w="3175">
+            <a:solidFill>
+              <a:schemeClr val="bg1">
+                <a:lumMod val="85000"/>
+              </a:schemeClr>
+            </a:solidFill>
+          </a:ln>
+        </p:spPr>
+        <p:style>
+          <a:lnRef idx="2">
+            <a:schemeClr val="accent1">
+              <a:shade val="50000"/>
+            </a:schemeClr>
+          </a:lnRef>
+          <a:fillRef idx="1">
+            <a:schemeClr val="accent1"/>
+          </a:fillRef>
+          <a:effectRef idx="0">
+            <a:schemeClr val="accent1"/>
+          </a:effectRef>
+          <a:fontRef idx="minor">
+            <a:schemeClr val="lt1"/>
+          </a:fontRef>
+        </p:style>
+        <p:txBody>
+          <a:bodyPr rtlCol="0" anchor="ctr"/>
+          <a:lstStyle/>
+          <a:p>
+            <a:pPr algn="ctr"/>
+            <a:endParaRPr lang="en-US" dirty="0"/>
+          </a:p>
+        </p:txBody>
+      </p:sp>
+      <p:sp>
+        <p:nvSpPr>
+          <p:cNvPr id="19" name="TextBox 18">
+            <a:extLst>
+              <a:ext uri="{FF2B5EF4-FFF2-40B4-BE49-F238E27FC236}">
+                <a16:creationId xmlns:a16="http://schemas.microsoft.com/office/drawing/2014/main" id="{E8A88781-A200-7148-BD52-4CD0E31FA65F}"/>
+              </a:ext>
+            </a:extLst>
+          </p:cNvPr>
+          <p:cNvSpPr txBox="1"/>
+          <p:nvPr/>
+        </p:nvSpPr>
+        <p:spPr>
+          <a:xfrm>
+            <a:off x="7411416" y="1802358"/>
+            <a:ext cx="4557749" cy="461665"/>
+          </a:xfrm>
+          <a:prstGeom prst="rect">
+            <a:avLst/>
+          </a:prstGeom>
+          <a:noFill/>
+        </p:spPr>
+        <p:txBody>
+          <a:bodyPr wrap="square" rtlCol="0">
+            <a:spAutoFit/>
+          </a:bodyPr>
+          <a:lstStyle/>
+          <a:p>
+            <a:pPr algn="ctr"/>
+            <a:r>
+              <a:rPr lang="en-US" sz="2400" dirty="0"/>
+              <a:t>HTML comes in </a:t>
+            </a:r>
+            <a:r>
+              <a:rPr lang="en-US" sz="2400" dirty="0" err="1"/>
+              <a:t>Tag:Content</a:t>
+            </a:r>
+            <a:r>
+              <a:rPr lang="en-US" sz="2400" dirty="0"/>
+              <a:t> pairs</a:t>
+            </a:r>
+          </a:p>
+        </p:txBody>
+      </p:sp>
+      <p:sp>
+        <p:nvSpPr>
+          <p:cNvPr id="20" name="TextBox 19">
+            <a:extLst>
+              <a:ext uri="{FF2B5EF4-FFF2-40B4-BE49-F238E27FC236}">
+                <a16:creationId xmlns:a16="http://schemas.microsoft.com/office/drawing/2014/main" id="{66D5CDF2-AC6D-E642-9B92-BB6D8ACC769B}"/>
+              </a:ext>
+            </a:extLst>
+          </p:cNvPr>
+          <p:cNvSpPr txBox="1"/>
+          <p:nvPr/>
+        </p:nvSpPr>
+        <p:spPr>
+          <a:xfrm>
+            <a:off x="7326380" y="2718085"/>
+            <a:ext cx="4557749" cy="461665"/>
+          </a:xfrm>
+          <a:prstGeom prst="rect">
+            <a:avLst/>
+          </a:prstGeom>
+          <a:noFill/>
+        </p:spPr>
+        <p:txBody>
+          <a:bodyPr wrap="square" rtlCol="0">
+            <a:spAutoFit/>
+          </a:bodyPr>
+          <a:lstStyle/>
+          <a:p>
+            <a:pPr algn="ctr"/>
+            <a:r>
+              <a:rPr lang="en-US" sz="2400" dirty="0"/>
+              <a:t>&lt; </a:t>
+            </a:r>
+            <a:r>
+              <a:rPr lang="en-US" sz="2400" dirty="0">
+                <a:solidFill>
+                  <a:srgbClr val="FF0000"/>
+                </a:solidFill>
+              </a:rPr>
+              <a:t>tag</a:t>
+            </a:r>
+            <a:r>
+              <a:rPr lang="en-US" sz="2400" dirty="0"/>
+              <a:t> </a:t>
+            </a:r>
+            <a:r>
+              <a:rPr lang="en-US" sz="2400" dirty="0">
+                <a:solidFill>
+                  <a:srgbClr val="00B050"/>
+                </a:solidFill>
+              </a:rPr>
+              <a:t>content</a:t>
+            </a:r>
+            <a:r>
+              <a:rPr lang="en-US" sz="2400" dirty="0">
+                <a:solidFill>
+                  <a:schemeClr val="accent4">
+                    <a:lumMod val="75000"/>
+                  </a:schemeClr>
+                </a:solidFill>
+              </a:rPr>
+              <a:t>=“content” </a:t>
+            </a:r>
+            <a:r>
+              <a:rPr lang="en-US" sz="2400" dirty="0"/>
+              <a:t>&gt;</a:t>
+            </a:r>
+          </a:p>
+        </p:txBody>
+      </p:sp>
+      <p:sp>
+        <p:nvSpPr>
+          <p:cNvPr id="21" name="TextBox 20">
+            <a:extLst>
+              <a:ext uri="{FF2B5EF4-FFF2-40B4-BE49-F238E27FC236}">
+                <a16:creationId xmlns:a16="http://schemas.microsoft.com/office/drawing/2014/main" id="{C3FC5812-9954-804E-912A-4B4C6BB10460}"/>
+              </a:ext>
+            </a:extLst>
+          </p:cNvPr>
+          <p:cNvSpPr txBox="1"/>
+          <p:nvPr/>
+        </p:nvSpPr>
+        <p:spPr>
+          <a:xfrm>
+            <a:off x="7368912" y="3565128"/>
+            <a:ext cx="4557749" cy="461665"/>
+          </a:xfrm>
+          <a:prstGeom prst="rect">
+            <a:avLst/>
+          </a:prstGeom>
+          <a:noFill/>
+        </p:spPr>
+        <p:txBody>
+          <a:bodyPr wrap="square" rtlCol="0">
+            <a:spAutoFit/>
+          </a:bodyPr>
+          <a:lstStyle/>
+          <a:p>
+            <a:pPr algn="ctr"/>
+            <a:r>
+              <a:rPr lang="en-US" sz="2400" dirty="0"/>
+              <a:t>&lt; </a:t>
+            </a:r>
+            <a:r>
+              <a:rPr lang="en-US" sz="2400" dirty="0">
+                <a:solidFill>
+                  <a:srgbClr val="FF0000"/>
+                </a:solidFill>
+              </a:rPr>
+              <a:t>tag</a:t>
+            </a:r>
+            <a:r>
+              <a:rPr lang="en-US" sz="2400" dirty="0"/>
+              <a:t> &gt;</a:t>
+            </a:r>
+            <a:r>
+              <a:rPr lang="en-US" sz="2400" dirty="0">
+                <a:solidFill>
+                  <a:srgbClr val="00B050"/>
+                </a:solidFill>
+              </a:rPr>
+              <a:t> </a:t>
+            </a:r>
+            <a:r>
+              <a:rPr lang="en-US" sz="2400" dirty="0">
+                <a:solidFill>
+                  <a:schemeClr val="accent4">
+                    <a:lumMod val="75000"/>
+                  </a:schemeClr>
+                </a:solidFill>
+              </a:rPr>
+              <a:t>content</a:t>
+            </a:r>
+            <a:r>
+              <a:rPr lang="en-US" sz="2400" dirty="0">
+                <a:solidFill>
+                  <a:srgbClr val="00B050"/>
+                </a:solidFill>
+              </a:rPr>
+              <a:t> </a:t>
+            </a:r>
+            <a:r>
+              <a:rPr lang="en-US" sz="2400" dirty="0"/>
+              <a:t>&lt;/ </a:t>
+            </a:r>
+            <a:r>
+              <a:rPr lang="en-US" sz="2400" dirty="0">
+                <a:solidFill>
+                  <a:srgbClr val="FF0000"/>
+                </a:solidFill>
+              </a:rPr>
+              <a:t>tag</a:t>
+            </a:r>
+            <a:r>
+              <a:rPr lang="en-US" sz="2400" dirty="0">
+                <a:solidFill>
+                  <a:srgbClr val="00B050"/>
+                </a:solidFill>
+              </a:rPr>
+              <a:t> </a:t>
+            </a:r>
+            <a:r>
+              <a:rPr lang="en-US" sz="2400" dirty="0"/>
+              <a:t>&gt;</a:t>
+            </a:r>
+          </a:p>
+        </p:txBody>
+      </p:sp>
+      <p:sp>
+        <p:nvSpPr>
+          <p:cNvPr id="22" name="TextBox 21">
+            <a:extLst>
+              <a:ext uri="{FF2B5EF4-FFF2-40B4-BE49-F238E27FC236}">
+                <a16:creationId xmlns:a16="http://schemas.microsoft.com/office/drawing/2014/main" id="{BC5A349F-BD8B-4041-92E4-E63D5CC5D1F5}"/>
+              </a:ext>
+            </a:extLst>
+          </p:cNvPr>
+          <p:cNvSpPr txBox="1"/>
+          <p:nvPr/>
+        </p:nvSpPr>
+        <p:spPr>
+          <a:xfrm>
+            <a:off x="7585894" y="4412171"/>
+            <a:ext cx="4038720" cy="830997"/>
+          </a:xfrm>
+          <a:prstGeom prst="rect">
+            <a:avLst/>
+          </a:prstGeom>
+          <a:noFill/>
+        </p:spPr>
+        <p:txBody>
+          <a:bodyPr wrap="square" rtlCol="0">
+            <a:spAutoFit/>
+          </a:bodyPr>
+          <a:lstStyle/>
+          <a:p>
+            <a:pPr algn="ctr"/>
+            <a:r>
+              <a:rPr lang="en-US" sz="2400" dirty="0"/>
+              <a:t>The type of tag dictates what form it is</a:t>
+            </a:r>
+          </a:p>
+        </p:txBody>
+      </p:sp>
     </p:spTree>
     <p:extLst>
       <p:ext uri="{BB962C8B-B14F-4D97-AF65-F5344CB8AC3E}">
@@ -16350,10 +17079,232 @@
       </p:sp>
       <p:sp>
         <p:nvSpPr>
-          <p:cNvPr id="3" name="TextBox 2">
-            <a:extLst>
-              <a:ext uri="{FF2B5EF4-FFF2-40B4-BE49-F238E27FC236}">
-                <a16:creationId xmlns:a16="http://schemas.microsoft.com/office/drawing/2014/main" id="{3720B5D8-AC15-4502-8D58-9C3FDF958DB1}"/>
+          <p:cNvPr id="7" name="Rectangle 6">
+            <a:extLst>
+              <a:ext uri="{FF2B5EF4-FFF2-40B4-BE49-F238E27FC236}">
+                <a16:creationId xmlns:a16="http://schemas.microsoft.com/office/drawing/2014/main" id="{C267C2C3-5D6A-3B44-A3A2-342D90C85BCC}"/>
+              </a:ext>
+            </a:extLst>
+          </p:cNvPr>
+          <p:cNvSpPr/>
+          <p:nvPr/>
+        </p:nvSpPr>
+        <p:spPr>
+          <a:xfrm>
+            <a:off x="675523" y="1891519"/>
+            <a:ext cx="10792047" cy="1537481"/>
+          </a:xfrm>
+          <a:prstGeom prst="rect">
+            <a:avLst/>
+          </a:prstGeom>
+          <a:solidFill>
+            <a:schemeClr val="bg1">
+              <a:lumMod val="95000"/>
+            </a:schemeClr>
+          </a:solidFill>
+          <a:ln w="3175">
+            <a:solidFill>
+              <a:schemeClr val="bg1">
+                <a:lumMod val="85000"/>
+              </a:schemeClr>
+            </a:solidFill>
+          </a:ln>
+        </p:spPr>
+        <p:style>
+          <a:lnRef idx="2">
+            <a:schemeClr val="accent1">
+              <a:shade val="50000"/>
+            </a:schemeClr>
+          </a:lnRef>
+          <a:fillRef idx="1">
+            <a:schemeClr val="accent1"/>
+          </a:fillRef>
+          <a:effectRef idx="0">
+            <a:schemeClr val="accent1"/>
+          </a:effectRef>
+          <a:fontRef idx="minor">
+            <a:schemeClr val="lt1"/>
+          </a:fontRef>
+        </p:style>
+        <p:txBody>
+          <a:bodyPr rtlCol="0" anchor="ctr"/>
+          <a:lstStyle/>
+          <a:p>
+            <a:r>
+              <a:rPr lang="en-US" dirty="0">
+                <a:solidFill>
+                  <a:schemeClr val="tx1"/>
+                </a:solidFill>
+              </a:rPr>
+              <a:t>	&lt;</a:t>
+            </a:r>
+            <a:r>
+              <a:rPr lang="en-US" dirty="0">
+                <a:solidFill>
+                  <a:srgbClr val="FF0000"/>
+                </a:solidFill>
+              </a:rPr>
+              <a:t>div</a:t>
+            </a:r>
+            <a:r>
+              <a:rPr lang="en-US" dirty="0">
+                <a:solidFill>
+                  <a:schemeClr val="tx1"/>
+                </a:solidFill>
+              </a:rPr>
+              <a:t> </a:t>
+            </a:r>
+            <a:r>
+              <a:rPr lang="en-US" dirty="0">
+                <a:solidFill>
+                  <a:schemeClr val="accent2"/>
+                </a:solidFill>
+              </a:rPr>
+              <a:t>class=intro</a:t>
+            </a:r>
+            <a:r>
+              <a:rPr lang="en-US" dirty="0">
+                <a:solidFill>
+                  <a:schemeClr val="tx1"/>
+                </a:solidFill>
+              </a:rPr>
+              <a:t>&gt;</a:t>
+            </a:r>
+          </a:p>
+          <a:p>
+            <a:r>
+              <a:rPr lang="en-US" dirty="0">
+                <a:solidFill>
+                  <a:schemeClr val="tx1"/>
+                </a:solidFill>
+              </a:rPr>
+              <a:t>		&lt;</a:t>
+            </a:r>
+            <a:r>
+              <a:rPr lang="en-US" dirty="0" err="1">
+                <a:solidFill>
+                  <a:srgbClr val="FF0000"/>
+                </a:solidFill>
+              </a:rPr>
+              <a:t>img</a:t>
+            </a:r>
+            <a:r>
+              <a:rPr lang="en-US" dirty="0">
+                <a:solidFill>
+                  <a:schemeClr val="tx1"/>
+                </a:solidFill>
+              </a:rPr>
+              <a:t> </a:t>
+            </a:r>
+            <a:r>
+              <a:rPr lang="en-US" dirty="0" err="1">
+                <a:solidFill>
+                  <a:srgbClr val="00B050"/>
+                </a:solidFill>
+              </a:rPr>
+              <a:t>src</a:t>
+            </a:r>
+            <a:r>
+              <a:rPr lang="en-US" dirty="0">
+                <a:solidFill>
+                  <a:srgbClr val="00B050"/>
+                </a:solidFill>
+              </a:rPr>
+              <a:t>=</a:t>
+            </a:r>
+            <a:r>
+              <a:rPr lang="en-US" dirty="0" err="1">
+                <a:solidFill>
+                  <a:srgbClr val="00B050"/>
+                </a:solidFill>
+              </a:rPr>
+              <a:t>profile_pic.png</a:t>
+            </a:r>
+            <a:r>
+              <a:rPr lang="en-US" dirty="0">
+                <a:solidFill>
+                  <a:schemeClr val="tx1"/>
+                </a:solidFill>
+              </a:rPr>
+              <a:t>&gt;</a:t>
+            </a:r>
+          </a:p>
+          <a:p>
+            <a:r>
+              <a:rPr lang="en-US" dirty="0">
+                <a:solidFill>
+                  <a:schemeClr val="tx1"/>
+                </a:solidFill>
+              </a:rPr>
+              <a:t>		&lt;</a:t>
+            </a:r>
+            <a:r>
+              <a:rPr lang="en-US" dirty="0">
+                <a:solidFill>
+                  <a:srgbClr val="FF0000"/>
+                </a:solidFill>
+              </a:rPr>
+              <a:t>p</a:t>
+            </a:r>
+            <a:r>
+              <a:rPr lang="en-US" dirty="0">
+                <a:solidFill>
+                  <a:schemeClr val="tx1"/>
+                </a:solidFill>
+              </a:rPr>
+              <a:t>&gt; That is a picture of me! &lt;/</a:t>
+            </a:r>
+            <a:r>
+              <a:rPr lang="en-US" dirty="0">
+                <a:solidFill>
+                  <a:srgbClr val="FF0000"/>
+                </a:solidFill>
+              </a:rPr>
+              <a:t>p</a:t>
+            </a:r>
+            <a:r>
+              <a:rPr lang="en-US" dirty="0">
+                <a:solidFill>
+                  <a:schemeClr val="tx1"/>
+                </a:solidFill>
+              </a:rPr>
+              <a:t>&gt;</a:t>
+            </a:r>
+          </a:p>
+          <a:p>
+            <a:r>
+              <a:rPr lang="en-US" dirty="0">
+                <a:solidFill>
+                  <a:schemeClr val="tx1"/>
+                </a:solidFill>
+              </a:rPr>
+              <a:t>	&lt;/</a:t>
+            </a:r>
+            <a:r>
+              <a:rPr lang="en-US" dirty="0">
+                <a:solidFill>
+                  <a:srgbClr val="FF0000"/>
+                </a:solidFill>
+              </a:rPr>
+              <a:t>div</a:t>
+            </a:r>
+            <a:r>
+              <a:rPr lang="en-US" dirty="0">
+                <a:solidFill>
+                  <a:schemeClr val="tx1"/>
+                </a:solidFill>
+              </a:rPr>
+              <a:t>&gt;</a:t>
+            </a:r>
+          </a:p>
+        </p:txBody>
+      </p:sp>
+      <p:sp>
+        <p:nvSpPr>
+          <p:cNvPr id="9" name="TextBox 8">
+            <a:extLst>
+              <a:ext uri="{FF2B5EF4-FFF2-40B4-BE49-F238E27FC236}">
+                <a16:creationId xmlns:a16="http://schemas.microsoft.com/office/drawing/2014/main" id="{23CE41DC-A209-3C45-8C8C-F6B5ABC8157F}"/>
               </a:ext>
             </a:extLst>
           </p:cNvPr>
@@ -16362,8 +17313,43 @@
         </p:nvSpPr>
         <p:spPr>
           <a:xfrm>
-            <a:off x="340241" y="2753833"/>
-            <a:ext cx="9976267" cy="3034357"/>
+            <a:off x="614911" y="1448025"/>
+            <a:ext cx="6697796" cy="400110"/>
+          </a:xfrm>
+          <a:prstGeom prst="rect">
+            <a:avLst/>
+          </a:prstGeom>
+          <a:noFill/>
+        </p:spPr>
+        <p:txBody>
+          <a:bodyPr wrap="none" rtlCol="0">
+            <a:spAutoFit/>
+          </a:bodyPr>
+          <a:lstStyle/>
+          <a:p>
+            <a:r>
+              <a:rPr lang="en-US" sz="2000" dirty="0"/>
+              <a:t>A div is a null object that can be populated with any other tags.</a:t>
+            </a:r>
+          </a:p>
+        </p:txBody>
+      </p:sp>
+      <p:sp>
+        <p:nvSpPr>
+          <p:cNvPr id="17" name="TextBox 16">
+            <a:extLst>
+              <a:ext uri="{FF2B5EF4-FFF2-40B4-BE49-F238E27FC236}">
+                <a16:creationId xmlns:a16="http://schemas.microsoft.com/office/drawing/2014/main" id="{CC2EC025-0141-1D48-B1EE-036D65F3B488}"/>
+              </a:ext>
+            </a:extLst>
+          </p:cNvPr>
+          <p:cNvSpPr txBox="1"/>
+          <p:nvPr/>
+        </p:nvSpPr>
+        <p:spPr>
+          <a:xfrm>
+            <a:off x="4104170" y="10633"/>
+            <a:ext cx="3880884" cy="1003031"/>
           </a:xfrm>
           <a:prstGeom prst="rect">
             <a:avLst/>
@@ -16376,72 +17362,153 @@
           </a:bodyPr>
           <a:lstStyle/>
           <a:p>
-            <a:pPr marL="285750" indent="-285750">
+            <a:pPr algn="ctr">
               <a:lnSpc>
                 <a:spcPct val="150000"/>
               </a:lnSpc>
-              <a:buFont typeface="Arial" panose="020B0604020202020204" pitchFamily="34" charset="0"/>
-              <a:buChar char="•"/>
             </a:pPr>
             <a:r>
-              <a:rPr lang="en-US" sz="4400" dirty="0">
-                <a:solidFill>
-                  <a:schemeClr val="bg1">
-                    <a:lumMod val="65000"/>
-                  </a:schemeClr>
-                </a:solidFill>
-              </a:rPr>
-              <a:t> </a:t>
-            </a:r>
-            <a:r>
-              <a:rPr lang="en-US" sz="4400" strike="sngStrike" dirty="0">
-                <a:solidFill>
-                  <a:schemeClr val="bg1">
-                    <a:lumMod val="65000"/>
-                  </a:schemeClr>
-                </a:solidFill>
-              </a:rPr>
-              <a:t>HTML Tags</a:t>
-            </a:r>
-          </a:p>
-          <a:p>
-            <a:pPr marL="285750" indent="-285750">
-              <a:lnSpc>
-                <a:spcPct val="150000"/>
-              </a:lnSpc>
-              <a:buFont typeface="Arial" panose="020B0604020202020204" pitchFamily="34" charset="0"/>
-              <a:buChar char="•"/>
-            </a:pPr>
+              <a:rPr lang="en-US" sz="4400" dirty="0" err="1"/>
+              <a:t>Div</a:t>
+            </a:r>
             <a:r>
               <a:rPr lang="en-US" sz="4400" dirty="0"/>
-              <a:t> Class vs ID</a:t>
-            </a:r>
-          </a:p>
-          <a:p>
-            <a:pPr marL="285750" indent="-285750">
-              <a:lnSpc>
-                <a:spcPct val="150000"/>
-              </a:lnSpc>
-              <a:buFont typeface="Arial" panose="020B0604020202020204" pitchFamily="34" charset="0"/>
-              <a:buChar char="•"/>
-            </a:pPr>
-            <a:r>
-              <a:rPr lang="en-US" sz="4400" dirty="0">
-                <a:solidFill>
-                  <a:schemeClr val="bg1">
-                    <a:lumMod val="65000"/>
-                  </a:schemeClr>
-                </a:solidFill>
-              </a:rPr>
-              <a:t> Input Fields</a:t>
-            </a:r>
+              <a:t> Elements</a:t>
+            </a:r>
+          </a:p>
+        </p:txBody>
+      </p:sp>
+      <p:cxnSp>
+        <p:nvCxnSpPr>
+          <p:cNvPr id="18" name="Straight Connector 17">
+            <a:extLst>
+              <a:ext uri="{FF2B5EF4-FFF2-40B4-BE49-F238E27FC236}">
+                <a16:creationId xmlns:a16="http://schemas.microsoft.com/office/drawing/2014/main" id="{2DD7BD27-7C4D-3D41-82FC-E88827594D21}"/>
+              </a:ext>
+            </a:extLst>
+          </p:cNvPr>
+          <p:cNvCxnSpPr>
+            <a:cxnSpLocks/>
+          </p:cNvCxnSpPr>
+          <p:nvPr/>
+        </p:nvCxnSpPr>
+        <p:spPr>
+          <a:xfrm>
+            <a:off x="5730956" y="1013664"/>
+            <a:ext cx="419986" cy="0"/>
+          </a:xfrm>
+          <a:prstGeom prst="line">
+            <a:avLst/>
+          </a:prstGeom>
+          <a:ln w="28575"/>
+        </p:spPr>
+        <p:style>
+          <a:lnRef idx="1">
+            <a:schemeClr val="dk1"/>
+          </a:lnRef>
+          <a:fillRef idx="0">
+            <a:schemeClr val="dk1"/>
+          </a:fillRef>
+          <a:effectRef idx="0">
+            <a:schemeClr val="dk1"/>
+          </a:effectRef>
+          <a:fontRef idx="minor">
+            <a:schemeClr val="tx1"/>
+          </a:fontRef>
+        </p:style>
+      </p:cxnSp>
+      <p:sp>
+        <p:nvSpPr>
+          <p:cNvPr id="16" name="TextBox 15">
+            <a:extLst>
+              <a:ext uri="{FF2B5EF4-FFF2-40B4-BE49-F238E27FC236}">
+                <a16:creationId xmlns:a16="http://schemas.microsoft.com/office/drawing/2014/main" id="{6691F66D-078F-AE4F-8757-015FB0CA6F15}"/>
+              </a:ext>
+            </a:extLst>
+          </p:cNvPr>
+          <p:cNvSpPr txBox="1"/>
+          <p:nvPr/>
+        </p:nvSpPr>
+        <p:spPr>
+          <a:xfrm>
+            <a:off x="675523" y="3567511"/>
+            <a:ext cx="7236405" cy="400110"/>
+          </a:xfrm>
+          <a:prstGeom prst="rect">
+            <a:avLst/>
+          </a:prstGeom>
+          <a:noFill/>
+        </p:spPr>
+        <p:txBody>
+          <a:bodyPr wrap="none" rtlCol="0">
+            <a:spAutoFit/>
+          </a:bodyPr>
+          <a:lstStyle/>
+          <a:p>
+            <a:r>
+              <a:rPr lang="en-US" sz="2000" dirty="0"/>
+              <a:t>Selecting the class </a:t>
+            </a:r>
+            <a:r>
+              <a:rPr lang="en-US" sz="2000" i="1" dirty="0"/>
+              <a:t>intro </a:t>
+            </a:r>
+            <a:r>
+              <a:rPr lang="en-US" sz="2000" dirty="0"/>
+              <a:t>will select all the tags inside the div as well.</a:t>
+            </a:r>
+            <a:endParaRPr lang="en-US" sz="2000" i="1" dirty="0"/>
+          </a:p>
+        </p:txBody>
+      </p:sp>
+      <p:sp>
+        <p:nvSpPr>
+          <p:cNvPr id="19" name="TextBox 18">
+            <a:extLst>
+              <a:ext uri="{FF2B5EF4-FFF2-40B4-BE49-F238E27FC236}">
+                <a16:creationId xmlns:a16="http://schemas.microsoft.com/office/drawing/2014/main" id="{47242AA9-FDAA-F944-8AE5-0B02EEA9EFBD}"/>
+              </a:ext>
+            </a:extLst>
+          </p:cNvPr>
+          <p:cNvSpPr txBox="1"/>
+          <p:nvPr/>
+        </p:nvSpPr>
+        <p:spPr>
+          <a:xfrm>
+            <a:off x="684753" y="3955898"/>
+            <a:ext cx="6353342" cy="400110"/>
+          </a:xfrm>
+          <a:prstGeom prst="rect">
+            <a:avLst/>
+          </a:prstGeom>
+          <a:noFill/>
+        </p:spPr>
+        <p:txBody>
+          <a:bodyPr wrap="none" rtlCol="0">
+            <a:spAutoFit/>
+          </a:bodyPr>
+          <a:lstStyle/>
+          <a:p>
+            <a:r>
+              <a:rPr lang="en-US" sz="2000" dirty="0"/>
+              <a:t>We will see other useful features of </a:t>
+            </a:r>
+            <a:r>
+              <a:rPr lang="en-US" sz="2000" dirty="0" err="1"/>
+              <a:t>divs</a:t>
+            </a:r>
+            <a:r>
+              <a:rPr lang="en-US" sz="2000" dirty="0"/>
+              <a:t> later in the course.</a:t>
+            </a:r>
+            <a:endParaRPr lang="en-US" sz="2000" i="1" dirty="0"/>
           </a:p>
         </p:txBody>
       </p:sp>
     </p:spTree>
     <p:extLst>
       <p:ext uri="{BB962C8B-B14F-4D97-AF65-F5344CB8AC3E}">
-        <p14:creationId xmlns:p14="http://schemas.microsoft.com/office/powerpoint/2010/main" val="3062913908"/>
+        <p14:creationId xmlns:p14="http://schemas.microsoft.com/office/powerpoint/2010/main" val="826682557"/>
       </p:ext>
     </p:extLst>
   </p:cSld>

--- a/assets/lectures/BPW_Lecture_03.pptx
+++ b/assets/lectures/BPW_Lecture_03.pptx
@@ -281,7 +281,7 @@
           <a:p>
             <a:fld id="{F57857CC-207A-4D73-9A20-C856A5068D10}" type="datetimeFigureOut">
               <a:rPr lang="en-US" smtClean="0"/>
-              <a:t>1/2/19</a:t>
+              <a:t>1/12/19</a:t>
             </a:fld>
             <a:endParaRPr lang="en-US"/>
           </a:p>
@@ -479,7 +479,7 @@
           <a:p>
             <a:fld id="{F57857CC-207A-4D73-9A20-C856A5068D10}" type="datetimeFigureOut">
               <a:rPr lang="en-US" smtClean="0"/>
-              <a:t>1/2/19</a:t>
+              <a:t>1/12/19</a:t>
             </a:fld>
             <a:endParaRPr lang="en-US"/>
           </a:p>
@@ -687,7 +687,7 @@
           <a:p>
             <a:fld id="{F57857CC-207A-4D73-9A20-C856A5068D10}" type="datetimeFigureOut">
               <a:rPr lang="en-US" smtClean="0"/>
-              <a:t>1/2/19</a:t>
+              <a:t>1/12/19</a:t>
             </a:fld>
             <a:endParaRPr lang="en-US"/>
           </a:p>
@@ -885,7 +885,7 @@
           <a:p>
             <a:fld id="{F57857CC-207A-4D73-9A20-C856A5068D10}" type="datetimeFigureOut">
               <a:rPr lang="en-US" smtClean="0"/>
-              <a:t>1/2/19</a:t>
+              <a:t>1/12/19</a:t>
             </a:fld>
             <a:endParaRPr lang="en-US"/>
           </a:p>
@@ -1160,7 +1160,7 @@
           <a:p>
             <a:fld id="{F57857CC-207A-4D73-9A20-C856A5068D10}" type="datetimeFigureOut">
               <a:rPr lang="en-US" smtClean="0"/>
-              <a:t>1/2/19</a:t>
+              <a:t>1/12/19</a:t>
             </a:fld>
             <a:endParaRPr lang="en-US"/>
           </a:p>
@@ -1425,7 +1425,7 @@
           <a:p>
             <a:fld id="{F57857CC-207A-4D73-9A20-C856A5068D10}" type="datetimeFigureOut">
               <a:rPr lang="en-US" smtClean="0"/>
-              <a:t>1/2/19</a:t>
+              <a:t>1/12/19</a:t>
             </a:fld>
             <a:endParaRPr lang="en-US"/>
           </a:p>
@@ -1837,7 +1837,7 @@
           <a:p>
             <a:fld id="{F57857CC-207A-4D73-9A20-C856A5068D10}" type="datetimeFigureOut">
               <a:rPr lang="en-US" smtClean="0"/>
-              <a:t>1/2/19</a:t>
+              <a:t>1/12/19</a:t>
             </a:fld>
             <a:endParaRPr lang="en-US"/>
           </a:p>
@@ -1978,7 +1978,7 @@
           <a:p>
             <a:fld id="{F57857CC-207A-4D73-9A20-C856A5068D10}" type="datetimeFigureOut">
               <a:rPr lang="en-US" smtClean="0"/>
-              <a:t>1/2/19</a:t>
+              <a:t>1/12/19</a:t>
             </a:fld>
             <a:endParaRPr lang="en-US"/>
           </a:p>
@@ -2091,7 +2091,7 @@
           <a:p>
             <a:fld id="{F57857CC-207A-4D73-9A20-C856A5068D10}" type="datetimeFigureOut">
               <a:rPr lang="en-US" smtClean="0"/>
-              <a:t>1/2/19</a:t>
+              <a:t>1/12/19</a:t>
             </a:fld>
             <a:endParaRPr lang="en-US"/>
           </a:p>
@@ -2402,7 +2402,7 @@
           <a:p>
             <a:fld id="{F57857CC-207A-4D73-9A20-C856A5068D10}" type="datetimeFigureOut">
               <a:rPr lang="en-US" smtClean="0"/>
-              <a:t>1/2/19</a:t>
+              <a:t>1/12/19</a:t>
             </a:fld>
             <a:endParaRPr lang="en-US"/>
           </a:p>
@@ -2690,7 +2690,7 @@
           <a:p>
             <a:fld id="{F57857CC-207A-4D73-9A20-C856A5068D10}" type="datetimeFigureOut">
               <a:rPr lang="en-US" smtClean="0"/>
-              <a:t>1/2/19</a:t>
+              <a:t>1/12/19</a:t>
             </a:fld>
             <a:endParaRPr lang="en-US"/>
           </a:p>
@@ -2931,7 +2931,7 @@
           <a:p>
             <a:fld id="{F57857CC-207A-4D73-9A20-C856A5068D10}" type="datetimeFigureOut">
               <a:rPr lang="en-US" smtClean="0"/>
-              <a:t>1/2/19</a:t>
+              <a:t>1/12/19</a:t>
             </a:fld>
             <a:endParaRPr lang="en-US"/>
           </a:p>

--- a/assets/lectures/BPW_Lecture_03.pptx
+++ b/assets/lectures/BPW_Lecture_03.pptx
@@ -281,7 +281,7 @@
           <a:p>
             <a:fld id="{F57857CC-207A-4D73-9A20-C856A5068D10}" type="datetimeFigureOut">
               <a:rPr lang="en-US" smtClean="0"/>
-              <a:t>1/12/19</a:t>
+              <a:t>5/19/19</a:t>
             </a:fld>
             <a:endParaRPr lang="en-US"/>
           </a:p>
@@ -479,7 +479,7 @@
           <a:p>
             <a:fld id="{F57857CC-207A-4D73-9A20-C856A5068D10}" type="datetimeFigureOut">
               <a:rPr lang="en-US" smtClean="0"/>
-              <a:t>1/12/19</a:t>
+              <a:t>5/19/19</a:t>
             </a:fld>
             <a:endParaRPr lang="en-US"/>
           </a:p>
@@ -687,7 +687,7 @@
           <a:p>
             <a:fld id="{F57857CC-207A-4D73-9A20-C856A5068D10}" type="datetimeFigureOut">
               <a:rPr lang="en-US" smtClean="0"/>
-              <a:t>1/12/19</a:t>
+              <a:t>5/19/19</a:t>
             </a:fld>
             <a:endParaRPr lang="en-US"/>
           </a:p>
@@ -885,7 +885,7 @@
           <a:p>
             <a:fld id="{F57857CC-207A-4D73-9A20-C856A5068D10}" type="datetimeFigureOut">
               <a:rPr lang="en-US" smtClean="0"/>
-              <a:t>1/12/19</a:t>
+              <a:t>5/19/19</a:t>
             </a:fld>
             <a:endParaRPr lang="en-US"/>
           </a:p>
@@ -1160,7 +1160,7 @@
           <a:p>
             <a:fld id="{F57857CC-207A-4D73-9A20-C856A5068D10}" type="datetimeFigureOut">
               <a:rPr lang="en-US" smtClean="0"/>
-              <a:t>1/12/19</a:t>
+              <a:t>5/19/19</a:t>
             </a:fld>
             <a:endParaRPr lang="en-US"/>
           </a:p>
@@ -1425,7 +1425,7 @@
           <a:p>
             <a:fld id="{F57857CC-207A-4D73-9A20-C856A5068D10}" type="datetimeFigureOut">
               <a:rPr lang="en-US" smtClean="0"/>
-              <a:t>1/12/19</a:t>
+              <a:t>5/19/19</a:t>
             </a:fld>
             <a:endParaRPr lang="en-US"/>
           </a:p>
@@ -1837,7 +1837,7 @@
           <a:p>
             <a:fld id="{F57857CC-207A-4D73-9A20-C856A5068D10}" type="datetimeFigureOut">
               <a:rPr lang="en-US" smtClean="0"/>
-              <a:t>1/12/19</a:t>
+              <a:t>5/19/19</a:t>
             </a:fld>
             <a:endParaRPr lang="en-US"/>
           </a:p>
@@ -1978,7 +1978,7 @@
           <a:p>
             <a:fld id="{F57857CC-207A-4D73-9A20-C856A5068D10}" type="datetimeFigureOut">
               <a:rPr lang="en-US" smtClean="0"/>
-              <a:t>1/12/19</a:t>
+              <a:t>5/19/19</a:t>
             </a:fld>
             <a:endParaRPr lang="en-US"/>
           </a:p>
@@ -2091,7 +2091,7 @@
           <a:p>
             <a:fld id="{F57857CC-207A-4D73-9A20-C856A5068D10}" type="datetimeFigureOut">
               <a:rPr lang="en-US" smtClean="0"/>
-              <a:t>1/12/19</a:t>
+              <a:t>5/19/19</a:t>
             </a:fld>
             <a:endParaRPr lang="en-US"/>
           </a:p>
@@ -2402,7 +2402,7 @@
           <a:p>
             <a:fld id="{F57857CC-207A-4D73-9A20-C856A5068D10}" type="datetimeFigureOut">
               <a:rPr lang="en-US" smtClean="0"/>
-              <a:t>1/12/19</a:t>
+              <a:t>5/19/19</a:t>
             </a:fld>
             <a:endParaRPr lang="en-US"/>
           </a:p>
@@ -2690,7 +2690,7 @@
           <a:p>
             <a:fld id="{F57857CC-207A-4D73-9A20-C856A5068D10}" type="datetimeFigureOut">
               <a:rPr lang="en-US" smtClean="0"/>
-              <a:t>1/12/19</a:t>
+              <a:t>5/19/19</a:t>
             </a:fld>
             <a:endParaRPr lang="en-US"/>
           </a:p>
@@ -2931,7 +2931,7 @@
           <a:p>
             <a:fld id="{F57857CC-207A-4D73-9A20-C856A5068D10}" type="datetimeFigureOut">
               <a:rPr lang="en-US" smtClean="0"/>
-              <a:t>1/12/19</a:t>
+              <a:t>5/19/19</a:t>
             </a:fld>
             <a:endParaRPr lang="en-US"/>
           </a:p>
@@ -12694,7 +12694,7 @@
           <p:nvPr>
             <p:extLst>
               <p:ext uri="{D42A27DB-BD31-4B8C-83A1-F6EECF244321}">
-                <p14:modId xmlns:p14="http://schemas.microsoft.com/office/powerpoint/2010/main" val="763714627"/>
+                <p14:modId xmlns:p14="http://schemas.microsoft.com/office/powerpoint/2010/main" val="2772235479"/>
               </p:ext>
             </p:extLst>
           </p:nvPr>
@@ -12779,7 +12779,7 @@
                     <a:p>
                       <a:r>
                         <a:rPr lang="en-US" dirty="0"/>
-                        <a:t>Headers [1 = smallest, 6 = largest]</a:t>
+                        <a:t>Headers [1 = largest, 6 = smallest]</a:t>
                       </a:r>
                     </a:p>
                   </a:txBody>
